--- a/PPT/GasEmergenceSwitch.pptx
+++ b/PPT/GasEmergenceSwitch.pptx
@@ -109,6 +109,22 @@
       </a:defRPr>
     </a:lvl9pPr>
   </p:defaultTextStyle>
+  <p:extLst>
+    <p:ext uri="{EFAFB233-063F-42B5-8137-9DF3F51BA10A}">
+      <p15:sldGuideLst xmlns:p15="http://schemas.microsoft.com/office/powerpoint/2012/main">
+        <p15:guide id="1" orient="horz" pos="2160">
+          <p15:clr>
+            <a:srgbClr val="A4A3A4"/>
+          </p15:clr>
+        </p15:guide>
+        <p15:guide id="2" pos="2880">
+          <p15:clr>
+            <a:srgbClr val="A4A3A4"/>
+          </p15:clr>
+        </p15:guide>
+      </p15:sldGuideLst>
+    </p:ext>
+  </p:extLst>
 </p:presentation>
 </file>
 
@@ -835,7 +851,7 @@
             <a:fld id="{1D8BD707-D9CF-40AE-B4C6-C98DA3205C09}" type="datetimeFigureOut">
               <a:rPr lang="en-US" smtClean="0"/>
               <a:pPr/>
-              <a:t>11/27/2022</a:t>
+              <a:t>11/28/2022</a:t>
             </a:fld>
             <a:endParaRPr lang="en-US"/>
           </a:p>
@@ -1088,7 +1104,7 @@
             <a:fld id="{1D8BD707-D9CF-40AE-B4C6-C98DA3205C09}" type="datetimeFigureOut">
               <a:rPr lang="en-US" smtClean="0"/>
               <a:pPr/>
-              <a:t>11/27/2022</a:t>
+              <a:t>11/28/2022</a:t>
             </a:fld>
             <a:endParaRPr lang="en-US"/>
           </a:p>
@@ -1404,7 +1420,7 @@
             <a:fld id="{1D8BD707-D9CF-40AE-B4C6-C98DA3205C09}" type="datetimeFigureOut">
               <a:rPr lang="en-US" smtClean="0"/>
               <a:pPr/>
-              <a:t>11/27/2022</a:t>
+              <a:t>11/28/2022</a:t>
             </a:fld>
             <a:endParaRPr lang="en-US"/>
           </a:p>
@@ -1747,7 +1763,7 @@
             <a:fld id="{1D8BD707-D9CF-40AE-B4C6-C98DA3205C09}" type="datetimeFigureOut">
               <a:rPr lang="en-US" smtClean="0"/>
               <a:pPr/>
-              <a:t>11/27/2022</a:t>
+              <a:t>11/28/2022</a:t>
             </a:fld>
             <a:endParaRPr lang="en-US"/>
           </a:p>
@@ -2063,7 +2079,7 @@
             <a:fld id="{1D8BD707-D9CF-40AE-B4C6-C98DA3205C09}" type="datetimeFigureOut">
               <a:rPr lang="en-US" smtClean="0"/>
               <a:pPr/>
-              <a:t>11/27/2022</a:t>
+              <a:t>11/28/2022</a:t>
             </a:fld>
             <a:endParaRPr lang="en-US"/>
           </a:p>
@@ -2458,7 +2474,7 @@
             <a:fld id="{1D8BD707-D9CF-40AE-B4C6-C98DA3205C09}" type="datetimeFigureOut">
               <a:rPr lang="en-US" smtClean="0"/>
               <a:pPr/>
-              <a:t>11/27/2022</a:t>
+              <a:t>11/28/2022</a:t>
             </a:fld>
             <a:endParaRPr lang="en-US"/>
           </a:p>
@@ -2630,7 +2646,7 @@
             <a:fld id="{1D8BD707-D9CF-40AE-B4C6-C98DA3205C09}" type="datetimeFigureOut">
               <a:rPr lang="en-US" smtClean="0"/>
               <a:pPr/>
-              <a:t>11/27/2022</a:t>
+              <a:t>11/28/2022</a:t>
             </a:fld>
             <a:endParaRPr lang="en-US"/>
           </a:p>
@@ -2812,7 +2828,7 @@
             <a:fld id="{1D8BD707-D9CF-40AE-B4C6-C98DA3205C09}" type="datetimeFigureOut">
               <a:rPr lang="en-US" smtClean="0"/>
               <a:pPr/>
-              <a:t>11/27/2022</a:t>
+              <a:t>11/28/2022</a:t>
             </a:fld>
             <a:endParaRPr lang="en-US"/>
           </a:p>
@@ -2990,7 +3006,7 @@
             <a:fld id="{1D8BD707-D9CF-40AE-B4C6-C98DA3205C09}" type="datetimeFigureOut">
               <a:rPr lang="en-US" smtClean="0"/>
               <a:pPr/>
-              <a:t>11/27/2022</a:t>
+              <a:t>11/28/2022</a:t>
             </a:fld>
             <a:endParaRPr lang="en-US"/>
           </a:p>
@@ -3239,7 +3255,7 @@
             <a:fld id="{1D8BD707-D9CF-40AE-B4C6-C98DA3205C09}" type="datetimeFigureOut">
               <a:rPr lang="en-US" smtClean="0"/>
               <a:pPr/>
-              <a:t>11/27/2022</a:t>
+              <a:t>11/28/2022</a:t>
             </a:fld>
             <a:endParaRPr lang="en-US"/>
           </a:p>
@@ -3473,7 +3489,7 @@
             <a:fld id="{1D8BD707-D9CF-40AE-B4C6-C98DA3205C09}" type="datetimeFigureOut">
               <a:rPr lang="en-US" smtClean="0"/>
               <a:pPr/>
-              <a:t>11/27/2022</a:t>
+              <a:t>11/28/2022</a:t>
             </a:fld>
             <a:endParaRPr lang="en-US"/>
           </a:p>
@@ -3849,7 +3865,7 @@
             <a:fld id="{1D8BD707-D9CF-40AE-B4C6-C98DA3205C09}" type="datetimeFigureOut">
               <a:rPr lang="en-US" smtClean="0"/>
               <a:pPr/>
-              <a:t>11/27/2022</a:t>
+              <a:t>11/28/2022</a:t>
             </a:fld>
             <a:endParaRPr lang="en-US"/>
           </a:p>
@@ -3974,7 +3990,7 @@
             <a:fld id="{1D8BD707-D9CF-40AE-B4C6-C98DA3205C09}" type="datetimeFigureOut">
               <a:rPr lang="en-US" smtClean="0"/>
               <a:pPr/>
-              <a:t>11/27/2022</a:t>
+              <a:t>11/28/2022</a:t>
             </a:fld>
             <a:endParaRPr lang="en-US"/>
           </a:p>
@@ -4071,7 +4087,7 @@
             <a:fld id="{1D8BD707-D9CF-40AE-B4C6-C98DA3205C09}" type="datetimeFigureOut">
               <a:rPr lang="en-US" smtClean="0"/>
               <a:pPr/>
-              <a:t>11/27/2022</a:t>
+              <a:t>11/28/2022</a:t>
             </a:fld>
             <a:endParaRPr lang="en-US"/>
           </a:p>
@@ -4328,7 +4344,7 @@
             <a:fld id="{1D8BD707-D9CF-40AE-B4C6-C98DA3205C09}" type="datetimeFigureOut">
               <a:rPr lang="en-US" smtClean="0"/>
               <a:pPr/>
-              <a:t>11/27/2022</a:t>
+              <a:t>11/28/2022</a:t>
             </a:fld>
             <a:endParaRPr lang="en-US"/>
           </a:p>
@@ -4593,7 +4609,7 @@
             <a:fld id="{1D8BD707-D9CF-40AE-B4C6-C98DA3205C09}" type="datetimeFigureOut">
               <a:rPr lang="en-US" smtClean="0"/>
               <a:pPr/>
-              <a:t>11/27/2022</a:t>
+              <a:t>11/28/2022</a:t>
             </a:fld>
             <a:endParaRPr lang="en-US"/>
           </a:p>
@@ -5338,7 +5354,7 @@
             <a:fld id="{1D8BD707-D9CF-40AE-B4C6-C98DA3205C09}" type="datetimeFigureOut">
               <a:rPr lang="en-US" smtClean="0"/>
               <a:pPr/>
-              <a:t>11/27/2022</a:t>
+              <a:t>11/28/2022</a:t>
             </a:fld>
             <a:endParaRPr lang="en-US"/>
           </a:p>
@@ -6120,25 +6136,6 @@
       </p:sp>
       <p:sp>
         <p:nvSpPr>
-          <p:cNvPr id="3" name="Content Placeholder 2"/>
-          <p:cNvSpPr>
-            <a:spLocks noGrp="1"/>
-          </p:cNvSpPr>
-          <p:nvPr>
-            <p:ph idx="1"/>
-          </p:nvPr>
-        </p:nvSpPr>
-        <p:spPr/>
-        <p:txBody>
-          <a:bodyPr/>
-          <a:lstStyle/>
-          <a:p>
-            <a:endParaRPr lang="zh-TW" altLang="en-US" dirty="0"/>
-          </a:p>
-        </p:txBody>
-      </p:sp>
-      <p:sp>
-        <p:nvSpPr>
           <p:cNvPr id="4" name="Rectangle 3"/>
           <p:cNvSpPr/>
           <p:nvPr/>
@@ -6318,8 +6315,8 @@
         </p:nvCxnSpPr>
         <p:spPr>
           <a:xfrm flipV="1">
-            <a:off x="4343078" y="3048000"/>
-            <a:ext cx="752280" cy="635504"/>
+            <a:off x="4129863" y="2844800"/>
+            <a:ext cx="823137" cy="1001908"/>
           </a:xfrm>
           <a:prstGeom prst="straightConnector1">
             <a:avLst/>
@@ -6432,6 +6429,186 @@
               <a:t>MQTT</a:t>
             </a:r>
             <a:endParaRPr lang="zh-TW" altLang="en-US" dirty="0"/>
+          </a:p>
+        </p:txBody>
+      </p:sp>
+      <p:sp>
+        <p:nvSpPr>
+          <p:cNvPr id="13" name="Oval 7"/>
+          <p:cNvSpPr>
+            <a:spLocks noGrp="1"/>
+          </p:cNvSpPr>
+          <p:nvPr>
+            <p:ph idx="1"/>
+          </p:nvPr>
+        </p:nvSpPr>
+        <p:spPr>
+          <a:xfrm>
+            <a:off x="2743200" y="4761108"/>
+            <a:ext cx="2209800" cy="623692"/>
+          </a:xfrm>
+          <a:prstGeom prst="ellipse">
+            <a:avLst/>
+          </a:prstGeom>
+        </p:spPr>
+        <p:style>
+          <a:lnRef idx="1">
+            <a:schemeClr val="accent1"/>
+          </a:lnRef>
+          <a:fillRef idx="3">
+            <a:schemeClr val="accent1"/>
+          </a:fillRef>
+          <a:effectRef idx="2">
+            <a:schemeClr val="accent1"/>
+          </a:effectRef>
+          <a:fontRef idx="minor">
+            <a:schemeClr val="lt1"/>
+          </a:fontRef>
+        </p:style>
+        <p:txBody>
+          <a:bodyPr rtlCol="0" anchor="ctr">
+            <a:normAutofit/>
+          </a:bodyPr>
+          <a:lstStyle/>
+          <a:p>
+            <a:pPr marL="0" indent="0" algn="ctr">
+              <a:buNone/>
+            </a:pPr>
+            <a:r>
+              <a:rPr lang="en-US" altLang="zh-TW" dirty="0" err="1" smtClean="0">
+                <a:solidFill>
+                  <a:schemeClr val="tx1"/>
+                </a:solidFill>
+              </a:rPr>
+              <a:t>ThingSpeak</a:t>
+            </a:r>
+            <a:endParaRPr lang="zh-TW" altLang="en-US" dirty="0">
+              <a:solidFill>
+                <a:schemeClr val="tx1"/>
+              </a:solidFill>
+            </a:endParaRPr>
+          </a:p>
+        </p:txBody>
+      </p:sp>
+      <p:pic>
+        <p:nvPicPr>
+          <p:cNvPr id="11" name="圖片 10"/>
+          <p:cNvPicPr>
+            <a:picLocks noChangeAspect="1"/>
+          </p:cNvPicPr>
+          <p:nvPr/>
+        </p:nvPicPr>
+        <p:blipFill>
+          <a:blip r:embed="rId4" cstate="print">
+            <a:extLst>
+              <a:ext uri="{28A0092B-C50C-407E-A947-70E740481C1C}">
+                <a14:useLocalDpi xmlns:a14="http://schemas.microsoft.com/office/drawing/2010/main" val="0"/>
+              </a:ext>
+            </a:extLst>
+          </a:blip>
+          <a:stretch>
+            <a:fillRect/>
+          </a:stretch>
+        </p:blipFill>
+        <p:spPr>
+          <a:xfrm>
+            <a:off x="2235926" y="6194757"/>
+            <a:ext cx="3455126" cy="587102"/>
+          </a:xfrm>
+          <a:prstGeom prst="rect">
+            <a:avLst/>
+          </a:prstGeom>
+        </p:spPr>
+      </p:pic>
+      <p:pic>
+        <p:nvPicPr>
+          <p:cNvPr id="12" name="圖片 11"/>
+          <p:cNvPicPr>
+            <a:picLocks noChangeAspect="1"/>
+          </p:cNvPicPr>
+          <p:nvPr/>
+        </p:nvPicPr>
+        <p:blipFill>
+          <a:blip r:embed="rId5" cstate="print">
+            <a:extLst>
+              <a:ext uri="{28A0092B-C50C-407E-A947-70E740481C1C}">
+                <a14:useLocalDpi xmlns:a14="http://schemas.microsoft.com/office/drawing/2010/main" val="0"/>
+              </a:ext>
+            </a:extLst>
+          </a:blip>
+          <a:stretch>
+            <a:fillRect/>
+          </a:stretch>
+        </p:blipFill>
+        <p:spPr>
+          <a:xfrm>
+            <a:off x="5691052" y="5791200"/>
+            <a:ext cx="788445" cy="1066800"/>
+          </a:xfrm>
+          <a:prstGeom prst="rect">
+            <a:avLst/>
+          </a:prstGeom>
+        </p:spPr>
+      </p:pic>
+      <p:cxnSp>
+        <p:nvCxnSpPr>
+          <p:cNvPr id="16" name="Straight Arrow Connector 9"/>
+          <p:cNvCxnSpPr/>
+          <p:nvPr/>
+        </p:nvCxnSpPr>
+        <p:spPr>
+          <a:xfrm flipH="1">
+            <a:off x="3686119" y="5506840"/>
+            <a:ext cx="91263" cy="563033"/>
+          </a:xfrm>
+          <a:prstGeom prst="straightConnector1">
+            <a:avLst/>
+          </a:prstGeom>
+          <a:ln w="28575">
+            <a:tailEnd type="arrow"/>
+          </a:ln>
+        </p:spPr>
+        <p:style>
+          <a:lnRef idx="1">
+            <a:schemeClr val="dk1"/>
+          </a:lnRef>
+          <a:fillRef idx="0">
+            <a:schemeClr val="dk1"/>
+          </a:fillRef>
+          <a:effectRef idx="0">
+            <a:schemeClr val="dk1"/>
+          </a:effectRef>
+          <a:fontRef idx="minor">
+            <a:schemeClr val="tx1"/>
+          </a:fontRef>
+        </p:style>
+      </p:cxnSp>
+      <p:sp>
+        <p:nvSpPr>
+          <p:cNvPr id="18" name="文字方塊 17"/>
+          <p:cNvSpPr txBox="1"/>
+          <p:nvPr/>
+        </p:nvSpPr>
+        <p:spPr>
+          <a:xfrm>
+            <a:off x="1676400" y="3222008"/>
+            <a:ext cx="920445" cy="369332"/>
+          </a:xfrm>
+          <a:prstGeom prst="rect">
+            <a:avLst/>
+          </a:prstGeom>
+          <a:noFill/>
+        </p:spPr>
+        <p:txBody>
+          <a:bodyPr wrap="none" rtlCol="0">
+            <a:spAutoFit/>
+          </a:bodyPr>
+          <a:lstStyle/>
+          <a:p>
+            <a:r>
+              <a:rPr lang="en-US" altLang="zh-TW" dirty="0" smtClean="0"/>
+              <a:t>Publish</a:t>
+            </a:r>
           </a:p>
         </p:txBody>
       </p:sp>
@@ -6975,8 +7152,8 @@
         </p:nvSpPr>
         <p:spPr>
           <a:xfrm>
-            <a:off x="1257300" y="1749904"/>
-            <a:ext cx="1905000" cy="1219200"/>
+            <a:off x="2630593" y="1106967"/>
+            <a:ext cx="1815598" cy="1077295"/>
           </a:xfrm>
           <a:prstGeom prst="diamond">
             <a:avLst/>
@@ -7005,7 +7182,7 @@
             <a:pPr algn="ctr"/>
             <a:r>
               <a:rPr lang="zh-TW" altLang="en-US" dirty="0" smtClean="0"/>
-              <a:t>超聲波感測是否有人</a:t>
+              <a:t>人是否離瓦斯爐太遠</a:t>
             </a:r>
             <a:endParaRPr lang="zh-TW" altLang="en-US" dirty="0"/>
           </a:p>
@@ -7018,9 +7195,9 @@
           <p:nvPr/>
         </p:nvCxnSpPr>
         <p:spPr>
-          <a:xfrm>
-            <a:off x="2209800" y="2971800"/>
-            <a:ext cx="0" cy="685800"/>
+          <a:xfrm flipH="1">
+            <a:off x="3516221" y="2160036"/>
+            <a:ext cx="5783" cy="424277"/>
           </a:xfrm>
           <a:prstGeom prst="straightConnector1">
             <a:avLst/>
@@ -7052,8 +7229,8 @@
         </p:nvSpPr>
         <p:spPr>
           <a:xfrm>
-            <a:off x="1449169" y="3657600"/>
-            <a:ext cx="1905000" cy="838200"/>
+            <a:off x="2585279" y="2565264"/>
+            <a:ext cx="1809297" cy="655676"/>
           </a:xfrm>
           <a:prstGeom prst="rect">
             <a:avLst/>
@@ -7099,13 +7276,15 @@
       <p:cxnSp>
         <p:nvCxnSpPr>
           <p:cNvPr id="8" name="Straight Arrow Connector 7"/>
-          <p:cNvCxnSpPr/>
+          <p:cNvCxnSpPr>
+            <a:stCxn id="4" idx="3"/>
+          </p:cNvCxnSpPr>
           <p:nvPr/>
         </p:nvCxnSpPr>
         <p:spPr>
-          <a:xfrm>
-            <a:off x="3162300" y="2334336"/>
-            <a:ext cx="529419" cy="0"/>
+          <a:xfrm flipV="1">
+            <a:off x="4446191" y="1611550"/>
+            <a:ext cx="339822" cy="34065"/>
           </a:xfrm>
           <a:prstGeom prst="straightConnector1">
             <a:avLst/>
@@ -7137,8 +7316,8 @@
         </p:nvSpPr>
         <p:spPr>
           <a:xfrm>
-            <a:off x="3607221" y="1752600"/>
-            <a:ext cx="1905000" cy="1219200"/>
+            <a:off x="4681200" y="1114675"/>
+            <a:ext cx="1905000" cy="1017757"/>
           </a:xfrm>
           <a:prstGeom prst="diamond">
             <a:avLst/>
@@ -7181,8 +7360,8 @@
         </p:nvCxnSpPr>
         <p:spPr>
           <a:xfrm>
-            <a:off x="4559721" y="2971800"/>
-            <a:ext cx="0" cy="685800"/>
+            <a:off x="5630359" y="2142500"/>
+            <a:ext cx="11667" cy="226428"/>
           </a:xfrm>
           <a:prstGeom prst="straightConnector1">
             <a:avLst/>
@@ -7214,8 +7393,8 @@
         </p:nvSpPr>
         <p:spPr>
           <a:xfrm>
-            <a:off x="3820068" y="3658169"/>
-            <a:ext cx="1905000" cy="838200"/>
+            <a:off x="4700794" y="2378287"/>
+            <a:ext cx="1905000" cy="608010"/>
           </a:xfrm>
           <a:prstGeom prst="rect">
             <a:avLst/>
@@ -7243,21 +7422,22 @@
           <a:p>
             <a:pPr algn="ctr"/>
             <a:r>
+              <a:rPr lang="zh-TW" altLang="en-US" dirty="0" smtClean="0"/>
+              <a:t>發布</a:t>
+            </a:r>
+            <a:r>
               <a:rPr lang="en-US" altLang="zh-TW" dirty="0" smtClean="0"/>
-              <a:t>SG90</a:t>
+              <a:t>”on”</a:t>
             </a:r>
             <a:r>
               <a:rPr lang="zh-TW" altLang="en-US" dirty="0" smtClean="0"/>
-              <a:t>順時針</a:t>
+              <a:t>至</a:t>
             </a:r>
             <a:r>
               <a:rPr lang="en-US" altLang="zh-TW" dirty="0" smtClean="0"/>
-              <a:t>180°C</a:t>
-            </a:r>
-            <a:r>
-              <a:rPr lang="zh-TW" altLang="en-US" dirty="0"/>
-              <a:t>，關閉瓦斯</a:t>
-            </a:r>
+              <a:t>MQTT</a:t>
+            </a:r>
+            <a:endParaRPr lang="zh-TW" altLang="en-US" dirty="0"/>
           </a:p>
         </p:txBody>
       </p:sp>
@@ -7269,7 +7449,7 @@
         </p:nvSpPr>
         <p:spPr>
           <a:xfrm>
-            <a:off x="1563469" y="3130034"/>
+            <a:off x="2901799" y="2145785"/>
             <a:ext cx="646331" cy="369332"/>
           </a:xfrm>
           <a:prstGeom prst="rect">
@@ -7284,8 +7464,8 @@
           <a:lstStyle/>
           <a:p>
             <a:r>
-              <a:rPr lang="zh-TW" altLang="en-US" dirty="0" smtClean="0"/>
-              <a:t>有人</a:t>
+              <a:rPr lang="zh-TW" altLang="en-US" dirty="0"/>
+              <a:t>不遠</a:t>
             </a:r>
             <a:endParaRPr lang="zh-TW" altLang="en-US" dirty="0"/>
           </a:p>
@@ -7299,7 +7479,7 @@
         </p:nvSpPr>
         <p:spPr>
           <a:xfrm>
-            <a:off x="3031003" y="2027830"/>
+            <a:off x="4229836" y="1636346"/>
             <a:ext cx="646331" cy="369332"/>
           </a:xfrm>
           <a:prstGeom prst="rect">
@@ -7314,12 +7494,8 @@
           <a:lstStyle/>
           <a:p>
             <a:r>
-              <a:rPr lang="zh-TW" altLang="en-US" dirty="0"/>
-              <a:t>無</a:t>
-            </a:r>
-            <a:r>
               <a:rPr lang="zh-TW" altLang="en-US" dirty="0" smtClean="0"/>
-              <a:t>人</a:t>
+              <a:t>很遠</a:t>
             </a:r>
             <a:endParaRPr lang="zh-TW" altLang="en-US" dirty="0"/>
           </a:p>
@@ -7333,7 +7509,7 @@
         </p:nvSpPr>
         <p:spPr>
           <a:xfrm>
-            <a:off x="4559721" y="3130034"/>
+            <a:off x="5642273" y="2061165"/>
             <a:ext cx="646331" cy="369332"/>
           </a:xfrm>
           <a:prstGeom prst="rect">
@@ -7357,16 +7533,580 @@
       </p:sp>
       <p:cxnSp>
         <p:nvCxnSpPr>
-          <p:cNvPr id="19" name="Elbow Connector 18"/>
+          <p:cNvPr id="21" name="Straight Arrow Connector 20"/>
           <p:cNvCxnSpPr/>
           <p:nvPr/>
         </p:nvCxnSpPr>
         <p:spPr>
-          <a:xfrm rot="16200000" flipV="1">
-            <a:off x="3190964" y="381147"/>
-            <a:ext cx="326409" cy="2411104"/>
-          </a:xfrm>
-          <a:prstGeom prst="bentConnector2">
+          <a:xfrm flipH="1">
+            <a:off x="3486165" y="881633"/>
+            <a:ext cx="7526" cy="216438"/>
+          </a:xfrm>
+          <a:prstGeom prst="straightConnector1">
+            <a:avLst/>
+          </a:prstGeom>
+          <a:ln w="28575">
+            <a:tailEnd type="arrow"/>
+          </a:ln>
+        </p:spPr>
+        <p:style>
+          <a:lnRef idx="1">
+            <a:schemeClr val="dk1"/>
+          </a:lnRef>
+          <a:fillRef idx="0">
+            <a:schemeClr val="dk1"/>
+          </a:fillRef>
+          <a:effectRef idx="0">
+            <a:schemeClr val="dk1"/>
+          </a:effectRef>
+          <a:fontRef idx="minor">
+            <a:schemeClr val="tx1"/>
+          </a:fontRef>
+        </p:style>
+      </p:cxnSp>
+      <p:sp>
+        <p:nvSpPr>
+          <p:cNvPr id="22" name="TextBox 21"/>
+          <p:cNvSpPr txBox="1"/>
+          <p:nvPr/>
+        </p:nvSpPr>
+        <p:spPr>
+          <a:xfrm>
+            <a:off x="4258564" y="1019236"/>
+            <a:ext cx="646331" cy="369332"/>
+          </a:xfrm>
+          <a:prstGeom prst="rect">
+            <a:avLst/>
+          </a:prstGeom>
+          <a:noFill/>
+        </p:spPr>
+        <p:txBody>
+          <a:bodyPr wrap="none" rtlCol="0">
+            <a:spAutoFit/>
+          </a:bodyPr>
+          <a:lstStyle/>
+          <a:p>
+            <a:r>
+              <a:rPr lang="zh-TW" altLang="en-US" dirty="0"/>
+              <a:t>無</a:t>
+            </a:r>
+            <a:r>
+              <a:rPr lang="zh-TW" altLang="en-US" dirty="0" smtClean="0"/>
+              <a:t>火</a:t>
+            </a:r>
+            <a:endParaRPr lang="zh-TW" altLang="en-US" dirty="0"/>
+          </a:p>
+        </p:txBody>
+      </p:sp>
+      <p:sp>
+        <p:nvSpPr>
+          <p:cNvPr id="18" name="Rectangle 13"/>
+          <p:cNvSpPr/>
+          <p:nvPr/>
+        </p:nvSpPr>
+        <p:spPr>
+          <a:xfrm>
+            <a:off x="4706842" y="4076516"/>
+            <a:ext cx="1905000" cy="908748"/>
+          </a:xfrm>
+          <a:prstGeom prst="rect">
+            <a:avLst/>
+          </a:prstGeom>
+        </p:spPr>
+        <p:style>
+          <a:lnRef idx="2">
+            <a:schemeClr val="accent1">
+              <a:shade val="50000"/>
+            </a:schemeClr>
+          </a:lnRef>
+          <a:fillRef idx="1">
+            <a:schemeClr val="accent1"/>
+          </a:fillRef>
+          <a:effectRef idx="0">
+            <a:schemeClr val="accent1"/>
+          </a:effectRef>
+          <a:fontRef idx="minor">
+            <a:schemeClr val="lt1"/>
+          </a:fontRef>
+        </p:style>
+        <p:txBody>
+          <a:bodyPr rtlCol="0" anchor="ctr"/>
+          <a:lstStyle/>
+          <a:p>
+            <a:pPr algn="ctr"/>
+            <a:r>
+              <a:rPr lang="zh-TW" altLang="en-US" dirty="0" smtClean="0"/>
+              <a:t>電流通過</a:t>
+            </a:r>
+            <a:endParaRPr lang="en-US" altLang="zh-TW" dirty="0" smtClean="0"/>
+          </a:p>
+          <a:p>
+            <a:pPr algn="ctr"/>
+            <a:r>
+              <a:rPr lang="en-US" altLang="zh-TW" dirty="0" smtClean="0"/>
+              <a:t>SG90</a:t>
+            </a:r>
+            <a:r>
+              <a:rPr lang="zh-TW" altLang="en-US" dirty="0" smtClean="0"/>
+              <a:t>順時針</a:t>
+            </a:r>
+            <a:r>
+              <a:rPr lang="en-US" altLang="zh-TW" dirty="0" smtClean="0"/>
+              <a:t>180°C</a:t>
+            </a:r>
+            <a:r>
+              <a:rPr lang="zh-TW" altLang="en-US" dirty="0"/>
+              <a:t>，</a:t>
+            </a:r>
+            <a:r>
+              <a:rPr lang="zh-TW" altLang="en-US" dirty="0" smtClean="0"/>
+              <a:t>關瓦斯</a:t>
+            </a:r>
+            <a:endParaRPr lang="zh-TW" altLang="en-US" dirty="0"/>
+          </a:p>
+        </p:txBody>
+      </p:sp>
+      <p:cxnSp>
+        <p:nvCxnSpPr>
+          <p:cNvPr id="20" name="Straight Arrow Connector 11"/>
+          <p:cNvCxnSpPr/>
+          <p:nvPr/>
+        </p:nvCxnSpPr>
+        <p:spPr>
+          <a:xfrm>
+            <a:off x="5630359" y="2996365"/>
+            <a:ext cx="0" cy="198749"/>
+          </a:xfrm>
+          <a:prstGeom prst="straightConnector1">
+            <a:avLst/>
+          </a:prstGeom>
+          <a:ln w="28575">
+            <a:tailEnd type="arrow"/>
+          </a:ln>
+        </p:spPr>
+        <p:style>
+          <a:lnRef idx="1">
+            <a:schemeClr val="dk1"/>
+          </a:lnRef>
+          <a:fillRef idx="0">
+            <a:schemeClr val="dk1"/>
+          </a:fillRef>
+          <a:effectRef idx="0">
+            <a:schemeClr val="dk1"/>
+          </a:effectRef>
+          <a:fontRef idx="minor">
+            <a:schemeClr val="tx1"/>
+          </a:fontRef>
+        </p:style>
+      </p:cxnSp>
+      <p:sp>
+        <p:nvSpPr>
+          <p:cNvPr id="23" name="Rectangle 13"/>
+          <p:cNvSpPr/>
+          <p:nvPr/>
+        </p:nvSpPr>
+        <p:spPr>
+          <a:xfrm>
+            <a:off x="4677859" y="3220940"/>
+            <a:ext cx="1905000" cy="557481"/>
+          </a:xfrm>
+          <a:prstGeom prst="rect">
+            <a:avLst/>
+          </a:prstGeom>
+        </p:spPr>
+        <p:style>
+          <a:lnRef idx="2">
+            <a:schemeClr val="accent1">
+              <a:shade val="50000"/>
+            </a:schemeClr>
+          </a:lnRef>
+          <a:fillRef idx="1">
+            <a:schemeClr val="accent1"/>
+          </a:fillRef>
+          <a:effectRef idx="0">
+            <a:schemeClr val="accent1"/>
+          </a:effectRef>
+          <a:fontRef idx="minor">
+            <a:schemeClr val="lt1"/>
+          </a:fontRef>
+        </p:style>
+        <p:txBody>
+          <a:bodyPr rtlCol="0" anchor="ctr"/>
+          <a:lstStyle/>
+          <a:p>
+            <a:pPr algn="ctr"/>
+            <a:r>
+              <a:rPr lang="zh-TW" altLang="en-US" dirty="0"/>
+              <a:t>傳送</a:t>
+            </a:r>
+            <a:r>
+              <a:rPr lang="en-US" altLang="zh-TW" dirty="0" smtClean="0"/>
+              <a:t>”on”</a:t>
+            </a:r>
+            <a:r>
+              <a:rPr lang="zh-TW" altLang="en-US" dirty="0"/>
+              <a:t>資料</a:t>
+            </a:r>
+            <a:r>
+              <a:rPr lang="zh-TW" altLang="en-US" dirty="0" smtClean="0"/>
+              <a:t>至</a:t>
+            </a:r>
+            <a:r>
+              <a:rPr lang="en-US" altLang="zh-TW" dirty="0" err="1" smtClean="0"/>
+              <a:t>ThingSpeak</a:t>
+            </a:r>
+            <a:endParaRPr lang="zh-TW" altLang="en-US" dirty="0"/>
+          </a:p>
+        </p:txBody>
+      </p:sp>
+      <p:cxnSp>
+        <p:nvCxnSpPr>
+          <p:cNvPr id="24" name="Straight Arrow Connector 11"/>
+          <p:cNvCxnSpPr>
+            <a:stCxn id="23" idx="2"/>
+          </p:cNvCxnSpPr>
+          <p:nvPr/>
+        </p:nvCxnSpPr>
+        <p:spPr>
+          <a:xfrm>
+            <a:off x="5630359" y="3778421"/>
+            <a:ext cx="0" cy="260179"/>
+          </a:xfrm>
+          <a:prstGeom prst="straightConnector1">
+            <a:avLst/>
+          </a:prstGeom>
+          <a:ln w="28575">
+            <a:tailEnd type="arrow"/>
+          </a:ln>
+        </p:spPr>
+        <p:style>
+          <a:lnRef idx="1">
+            <a:schemeClr val="dk1"/>
+          </a:lnRef>
+          <a:fillRef idx="0">
+            <a:schemeClr val="dk1"/>
+          </a:fillRef>
+          <a:effectRef idx="0">
+            <a:schemeClr val="dk1"/>
+          </a:effectRef>
+          <a:fontRef idx="minor">
+            <a:schemeClr val="tx1"/>
+          </a:fontRef>
+        </p:style>
+      </p:cxnSp>
+      <p:sp>
+        <p:nvSpPr>
+          <p:cNvPr id="27" name="TextBox 16"/>
+          <p:cNvSpPr txBox="1"/>
+          <p:nvPr/>
+        </p:nvSpPr>
+        <p:spPr>
+          <a:xfrm>
+            <a:off x="5654988" y="3778703"/>
+            <a:ext cx="1351652" cy="369332"/>
+          </a:xfrm>
+          <a:prstGeom prst="rect">
+            <a:avLst/>
+          </a:prstGeom>
+          <a:noFill/>
+        </p:spPr>
+        <p:txBody>
+          <a:bodyPr wrap="none" rtlCol="0">
+            <a:spAutoFit/>
+          </a:bodyPr>
+          <a:lstStyle/>
+          <a:p>
+            <a:r>
+              <a:rPr lang="zh-TW" altLang="en-US" dirty="0" smtClean="0"/>
+              <a:t>經過</a:t>
+            </a:r>
+            <a:r>
+              <a:rPr lang="en-US" altLang="zh-TW" dirty="0" smtClean="0"/>
+              <a:t>20</a:t>
+            </a:r>
+            <a:r>
+              <a:rPr lang="zh-TW" altLang="en-US" dirty="0" smtClean="0"/>
+              <a:t>分鐘</a:t>
+            </a:r>
+            <a:endParaRPr lang="zh-TW" altLang="en-US" dirty="0"/>
+          </a:p>
+        </p:txBody>
+      </p:sp>
+      <p:cxnSp>
+        <p:nvCxnSpPr>
+          <p:cNvPr id="29" name="Straight Arrow Connector 11"/>
+          <p:cNvCxnSpPr/>
+          <p:nvPr/>
+        </p:nvCxnSpPr>
+        <p:spPr>
+          <a:xfrm>
+            <a:off x="5633696" y="4985264"/>
+            <a:ext cx="0" cy="304800"/>
+          </a:xfrm>
+          <a:prstGeom prst="straightConnector1">
+            <a:avLst/>
+          </a:prstGeom>
+          <a:ln w="28575">
+            <a:tailEnd type="arrow"/>
+          </a:ln>
+        </p:spPr>
+        <p:style>
+          <a:lnRef idx="1">
+            <a:schemeClr val="dk1"/>
+          </a:lnRef>
+          <a:fillRef idx="0">
+            <a:schemeClr val="dk1"/>
+          </a:fillRef>
+          <a:effectRef idx="0">
+            <a:schemeClr val="dk1"/>
+          </a:effectRef>
+          <a:fontRef idx="minor">
+            <a:schemeClr val="tx1"/>
+          </a:fontRef>
+        </p:style>
+      </p:cxnSp>
+      <p:sp>
+        <p:nvSpPr>
+          <p:cNvPr id="32" name="Rectangle 13"/>
+          <p:cNvSpPr/>
+          <p:nvPr/>
+        </p:nvSpPr>
+        <p:spPr>
+          <a:xfrm>
+            <a:off x="4718498" y="5295724"/>
+            <a:ext cx="1905000" cy="557481"/>
+          </a:xfrm>
+          <a:prstGeom prst="rect">
+            <a:avLst/>
+          </a:prstGeom>
+        </p:spPr>
+        <p:style>
+          <a:lnRef idx="2">
+            <a:schemeClr val="accent1">
+              <a:shade val="50000"/>
+            </a:schemeClr>
+          </a:lnRef>
+          <a:fillRef idx="1">
+            <a:schemeClr val="accent1"/>
+          </a:fillRef>
+          <a:effectRef idx="0">
+            <a:schemeClr val="accent1"/>
+          </a:effectRef>
+          <a:fontRef idx="minor">
+            <a:schemeClr val="lt1"/>
+          </a:fontRef>
+        </p:style>
+        <p:txBody>
+          <a:bodyPr rtlCol="0" anchor="ctr"/>
+          <a:lstStyle/>
+          <a:p>
+            <a:pPr algn="ctr"/>
+            <a:r>
+              <a:rPr lang="zh-TW" altLang="en-US" dirty="0"/>
+              <a:t>傳送</a:t>
+            </a:r>
+            <a:r>
+              <a:rPr lang="en-US" altLang="zh-TW" dirty="0" smtClean="0"/>
+              <a:t>”off”</a:t>
+            </a:r>
+            <a:r>
+              <a:rPr lang="zh-TW" altLang="en-US" dirty="0"/>
+              <a:t>資料</a:t>
+            </a:r>
+            <a:r>
+              <a:rPr lang="zh-TW" altLang="en-US" dirty="0" smtClean="0"/>
+              <a:t>至</a:t>
+            </a:r>
+            <a:r>
+              <a:rPr lang="en-US" altLang="zh-TW" dirty="0" err="1" smtClean="0"/>
+              <a:t>ThingSpeak</a:t>
+            </a:r>
+            <a:endParaRPr lang="zh-TW" altLang="en-US" dirty="0"/>
+          </a:p>
+        </p:txBody>
+      </p:sp>
+      <p:cxnSp>
+        <p:nvCxnSpPr>
+          <p:cNvPr id="33" name="Straight Arrow Connector 11"/>
+          <p:cNvCxnSpPr/>
+          <p:nvPr/>
+        </p:nvCxnSpPr>
+        <p:spPr>
+          <a:xfrm>
+            <a:off x="5630359" y="5853205"/>
+            <a:ext cx="0" cy="304800"/>
+          </a:xfrm>
+          <a:prstGeom prst="straightConnector1">
+            <a:avLst/>
+          </a:prstGeom>
+          <a:ln w="28575">
+            <a:tailEnd type="arrow"/>
+          </a:ln>
+        </p:spPr>
+        <p:style>
+          <a:lnRef idx="1">
+            <a:schemeClr val="dk1"/>
+          </a:lnRef>
+          <a:fillRef idx="0">
+            <a:schemeClr val="dk1"/>
+          </a:fillRef>
+          <a:effectRef idx="0">
+            <a:schemeClr val="dk1"/>
+          </a:effectRef>
+          <a:fontRef idx="minor">
+            <a:schemeClr val="tx1"/>
+          </a:fontRef>
+        </p:style>
+      </p:cxnSp>
+      <p:sp>
+        <p:nvSpPr>
+          <p:cNvPr id="34" name="Rectangle 13"/>
+          <p:cNvSpPr/>
+          <p:nvPr/>
+        </p:nvSpPr>
+        <p:spPr>
+          <a:xfrm>
+            <a:off x="4737322" y="6153952"/>
+            <a:ext cx="1905000" cy="608010"/>
+          </a:xfrm>
+          <a:prstGeom prst="rect">
+            <a:avLst/>
+          </a:prstGeom>
+        </p:spPr>
+        <p:style>
+          <a:lnRef idx="2">
+            <a:schemeClr val="accent1">
+              <a:shade val="50000"/>
+            </a:schemeClr>
+          </a:lnRef>
+          <a:fillRef idx="1">
+            <a:schemeClr val="accent1"/>
+          </a:fillRef>
+          <a:effectRef idx="0">
+            <a:schemeClr val="accent1"/>
+          </a:effectRef>
+          <a:fontRef idx="minor">
+            <a:schemeClr val="lt1"/>
+          </a:fontRef>
+        </p:style>
+        <p:txBody>
+          <a:bodyPr rtlCol="0" anchor="ctr"/>
+          <a:lstStyle/>
+          <a:p>
+            <a:pPr algn="ctr"/>
+            <a:r>
+              <a:rPr lang="zh-TW" altLang="en-US" dirty="0" smtClean="0"/>
+              <a:t>發布</a:t>
+            </a:r>
+            <a:r>
+              <a:rPr lang="en-US" altLang="zh-TW" dirty="0" smtClean="0"/>
+              <a:t>”off”</a:t>
+            </a:r>
+            <a:r>
+              <a:rPr lang="zh-TW" altLang="en-US" dirty="0" smtClean="0"/>
+              <a:t>至</a:t>
+            </a:r>
+            <a:r>
+              <a:rPr lang="en-US" altLang="zh-TW" dirty="0" smtClean="0"/>
+              <a:t>MQTT</a:t>
+            </a:r>
+            <a:endParaRPr lang="zh-TW" altLang="en-US" dirty="0"/>
+          </a:p>
+        </p:txBody>
+      </p:sp>
+      <p:cxnSp>
+        <p:nvCxnSpPr>
+          <p:cNvPr id="35" name="Straight Arrow Connector 5"/>
+          <p:cNvCxnSpPr/>
+          <p:nvPr/>
+        </p:nvCxnSpPr>
+        <p:spPr>
+          <a:xfrm flipH="1" flipV="1">
+            <a:off x="3541146" y="1086401"/>
+            <a:ext cx="2100882" cy="11670"/>
+          </a:xfrm>
+          <a:prstGeom prst="straightConnector1">
+            <a:avLst/>
+          </a:prstGeom>
+          <a:ln w="28575">
+            <a:tailEnd type="arrow"/>
+          </a:ln>
+        </p:spPr>
+        <p:style>
+          <a:lnRef idx="1">
+            <a:schemeClr val="dk1"/>
+          </a:lnRef>
+          <a:fillRef idx="0">
+            <a:schemeClr val="dk1"/>
+          </a:fillRef>
+          <a:effectRef idx="0">
+            <a:schemeClr val="dk1"/>
+          </a:effectRef>
+          <a:fontRef idx="minor">
+            <a:schemeClr val="tx1"/>
+          </a:fontRef>
+        </p:style>
+      </p:cxnSp>
+      <p:sp>
+        <p:nvSpPr>
+          <p:cNvPr id="40" name="Rectangle 6"/>
+          <p:cNvSpPr/>
+          <p:nvPr/>
+        </p:nvSpPr>
+        <p:spPr>
+          <a:xfrm>
+            <a:off x="3086836" y="123078"/>
+            <a:ext cx="2286000" cy="726725"/>
+          </a:xfrm>
+          <a:prstGeom prst="rect">
+            <a:avLst/>
+          </a:prstGeom>
+        </p:spPr>
+        <p:style>
+          <a:lnRef idx="2">
+            <a:schemeClr val="accent1">
+              <a:shade val="50000"/>
+            </a:schemeClr>
+          </a:lnRef>
+          <a:fillRef idx="1">
+            <a:schemeClr val="accent1"/>
+          </a:fillRef>
+          <a:effectRef idx="0">
+            <a:schemeClr val="accent1"/>
+          </a:effectRef>
+          <a:fontRef idx="minor">
+            <a:schemeClr val="lt1"/>
+          </a:fontRef>
+        </p:style>
+        <p:txBody>
+          <a:bodyPr rtlCol="0" anchor="ctr"/>
+          <a:lstStyle/>
+          <a:p>
+            <a:pPr algn="ctr"/>
+            <a:r>
+              <a:rPr lang="zh-TW" altLang="en-US" dirty="0"/>
+              <a:t>超聲波</a:t>
+            </a:r>
+            <a:r>
+              <a:rPr lang="zh-TW" altLang="en-US" dirty="0" smtClean="0"/>
+              <a:t>偵測周圍人</a:t>
+            </a:r>
+            <a:endParaRPr lang="en-US" altLang="zh-TW" dirty="0" smtClean="0"/>
+          </a:p>
+        </p:txBody>
+      </p:sp>
+      <p:cxnSp>
+        <p:nvCxnSpPr>
+          <p:cNvPr id="51" name="Straight Arrow Connector 5"/>
+          <p:cNvCxnSpPr/>
+          <p:nvPr/>
+        </p:nvCxnSpPr>
+        <p:spPr>
+          <a:xfrm flipH="1" flipV="1">
+            <a:off x="2209800" y="6457957"/>
+            <a:ext cx="2506127" cy="16543"/>
+          </a:xfrm>
+          <a:prstGeom prst="straightConnector1">
             <a:avLst/>
           </a:prstGeom>
           <a:ln w="28575">
@@ -7390,16 +8130,14 @@
       </p:cxnSp>
       <p:cxnSp>
         <p:nvCxnSpPr>
-          <p:cNvPr id="21" name="Straight Arrow Connector 20"/>
-          <p:cNvCxnSpPr>
-            <a:endCxn id="4" idx="0"/>
-          </p:cNvCxnSpPr>
+          <p:cNvPr id="58" name="Straight Arrow Connector 5"/>
+          <p:cNvCxnSpPr/>
           <p:nvPr/>
         </p:nvCxnSpPr>
         <p:spPr>
-          <a:xfrm>
-            <a:off x="2209800" y="1445104"/>
-            <a:ext cx="0" cy="304800"/>
+          <a:xfrm flipV="1">
+            <a:off x="2298589" y="486440"/>
+            <a:ext cx="84574" cy="5971518"/>
           </a:xfrm>
           <a:prstGeom prst="straightConnector1">
             <a:avLst/>
@@ -7423,40 +8161,72 @@
           </a:fontRef>
         </p:style>
       </p:cxnSp>
-      <p:sp>
-        <p:nvSpPr>
-          <p:cNvPr id="22" name="TextBox 21"/>
-          <p:cNvSpPr txBox="1"/>
+      <p:cxnSp>
+        <p:nvCxnSpPr>
+          <p:cNvPr id="62" name="Straight Arrow Connector 7"/>
+          <p:cNvCxnSpPr/>
           <p:nvPr/>
-        </p:nvSpPr>
-        <p:spPr>
-          <a:xfrm>
-            <a:off x="3162300" y="1044641"/>
-            <a:ext cx="646331" cy="369332"/>
-          </a:xfrm>
-          <a:prstGeom prst="rect">
+        </p:nvCxnSpPr>
+        <p:spPr>
+          <a:xfrm flipH="1" flipV="1">
+            <a:off x="2336377" y="2891936"/>
+            <a:ext cx="248902" cy="1166"/>
+          </a:xfrm>
+          <a:prstGeom prst="straightConnector1">
             <a:avLst/>
           </a:prstGeom>
-          <a:noFill/>
-        </p:spPr>
-        <p:txBody>
-          <a:bodyPr wrap="none" rtlCol="0">
-            <a:spAutoFit/>
-          </a:bodyPr>
-          <a:lstStyle/>
-          <a:p>
-            <a:r>
-              <a:rPr lang="zh-TW" altLang="en-US" dirty="0"/>
-              <a:t>無</a:t>
-            </a:r>
-            <a:r>
-              <a:rPr lang="zh-TW" altLang="en-US" dirty="0" smtClean="0"/>
-              <a:t>火</a:t>
-            </a:r>
-            <a:endParaRPr lang="zh-TW" altLang="en-US" dirty="0"/>
-          </a:p>
-        </p:txBody>
-      </p:sp>
+          <a:ln w="28575">
+            <a:tailEnd type="arrow"/>
+          </a:ln>
+        </p:spPr>
+        <p:style>
+          <a:lnRef idx="1">
+            <a:schemeClr val="dk1"/>
+          </a:lnRef>
+          <a:fillRef idx="0">
+            <a:schemeClr val="dk1"/>
+          </a:fillRef>
+          <a:effectRef idx="0">
+            <a:schemeClr val="dk1"/>
+          </a:effectRef>
+          <a:fontRef idx="minor">
+            <a:schemeClr val="tx1"/>
+          </a:fontRef>
+        </p:style>
+      </p:cxnSp>
+      <p:cxnSp>
+        <p:nvCxnSpPr>
+          <p:cNvPr id="65" name="Straight Arrow Connector 5"/>
+          <p:cNvCxnSpPr/>
+          <p:nvPr/>
+        </p:nvCxnSpPr>
+        <p:spPr>
+          <a:xfrm flipV="1">
+            <a:off x="2425243" y="514639"/>
+            <a:ext cx="661593" cy="11670"/>
+          </a:xfrm>
+          <a:prstGeom prst="straightConnector1">
+            <a:avLst/>
+          </a:prstGeom>
+          <a:ln w="28575">
+            <a:tailEnd type="arrow"/>
+          </a:ln>
+        </p:spPr>
+        <p:style>
+          <a:lnRef idx="1">
+            <a:schemeClr val="dk1"/>
+          </a:lnRef>
+          <a:fillRef idx="0">
+            <a:schemeClr val="dk1"/>
+          </a:fillRef>
+          <a:effectRef idx="0">
+            <a:schemeClr val="dk1"/>
+          </a:effectRef>
+          <a:fontRef idx="minor">
+            <a:schemeClr val="tx1"/>
+          </a:fontRef>
+        </p:style>
+      </p:cxnSp>
     </p:spTree>
     <p:extLst>
       <p:ext uri="{BB962C8B-B14F-4D97-AF65-F5344CB8AC3E}">
@@ -7721,7 +8491,7 @@
   <a:extraClrSchemeLst/>
   <a:extLst>
     <a:ext uri="{05A4C25C-085E-4340-85A3-A5531E510DB2}">
-      <thm15:themeFamily xmlns="" xmlns:thm15="http://schemas.microsoft.com/office/thememl/2012/main" name="Facet" id="{C0C680CD-088A-49FC-A102-D699147F32B2}" vid="{CFBC31BA-B70F-4F30-BCAA-4F3011E16C4D}"/>
+      <thm15:themeFamily xmlns:thm15="http://schemas.microsoft.com/office/thememl/2012/main" name="Facet" id="{C0C680CD-088A-49FC-A102-D699147F32B2}" vid="{CFBC31BA-B70F-4F30-BCAA-4F3011E16C4D}"/>
     </a:ext>
   </a:extLst>
 </a:theme>

--- a/PPT/GasEmergenceSwitch.pptx
+++ b/PPT/GasEmergenceSwitch.pptx
@@ -11,6 +11,7 @@
     <p:sldId id="259" r:id="rId5"/>
     <p:sldId id="260" r:id="rId6"/>
     <p:sldId id="261" r:id="rId7"/>
+    <p:sldId id="262" r:id="rId8"/>
   </p:sldIdLst>
   <p:sldSz cx="9144000" cy="6858000" type="screen4x3"/>
   <p:notesSz cx="6858000" cy="9144000"/>
@@ -111,7 +112,7 @@
   </p:defaultTextStyle>
   <p:extLst>
     <p:ext uri="{EFAFB233-063F-42B5-8137-9DF3F51BA10A}">
-      <p15:sldGuideLst xmlns:p15="http://schemas.microsoft.com/office/powerpoint/2012/main">
+      <p15:sldGuideLst xmlns:p15="http://schemas.microsoft.com/office/powerpoint/2012/main" xmlns="">
         <p15:guide id="1" orient="horz" pos="2160">
           <p15:clr>
             <a:srgbClr val="A4A3A4"/>
@@ -851,7 +852,7 @@
             <a:fld id="{1D8BD707-D9CF-40AE-B4C6-C98DA3205C09}" type="datetimeFigureOut">
               <a:rPr lang="en-US" smtClean="0"/>
               <a:pPr/>
-              <a:t>11/28/2022</a:t>
+              <a:t>11/30/2022</a:t>
             </a:fld>
             <a:endParaRPr lang="en-US"/>
           </a:p>
@@ -1104,7 +1105,7 @@
             <a:fld id="{1D8BD707-D9CF-40AE-B4C6-C98DA3205C09}" type="datetimeFigureOut">
               <a:rPr lang="en-US" smtClean="0"/>
               <a:pPr/>
-              <a:t>11/28/2022</a:t>
+              <a:t>11/30/2022</a:t>
             </a:fld>
             <a:endParaRPr lang="en-US"/>
           </a:p>
@@ -1420,7 +1421,7 @@
             <a:fld id="{1D8BD707-D9CF-40AE-B4C6-C98DA3205C09}" type="datetimeFigureOut">
               <a:rPr lang="en-US" smtClean="0"/>
               <a:pPr/>
-              <a:t>11/28/2022</a:t>
+              <a:t>11/30/2022</a:t>
             </a:fld>
             <a:endParaRPr lang="en-US"/>
           </a:p>
@@ -1763,7 +1764,7 @@
             <a:fld id="{1D8BD707-D9CF-40AE-B4C6-C98DA3205C09}" type="datetimeFigureOut">
               <a:rPr lang="en-US" smtClean="0"/>
               <a:pPr/>
-              <a:t>11/28/2022</a:t>
+              <a:t>11/30/2022</a:t>
             </a:fld>
             <a:endParaRPr lang="en-US"/>
           </a:p>
@@ -2079,7 +2080,7 @@
             <a:fld id="{1D8BD707-D9CF-40AE-B4C6-C98DA3205C09}" type="datetimeFigureOut">
               <a:rPr lang="en-US" smtClean="0"/>
               <a:pPr/>
-              <a:t>11/28/2022</a:t>
+              <a:t>11/30/2022</a:t>
             </a:fld>
             <a:endParaRPr lang="en-US"/>
           </a:p>
@@ -2474,7 +2475,7 @@
             <a:fld id="{1D8BD707-D9CF-40AE-B4C6-C98DA3205C09}" type="datetimeFigureOut">
               <a:rPr lang="en-US" smtClean="0"/>
               <a:pPr/>
-              <a:t>11/28/2022</a:t>
+              <a:t>11/30/2022</a:t>
             </a:fld>
             <a:endParaRPr lang="en-US"/>
           </a:p>
@@ -2646,7 +2647,7 @@
             <a:fld id="{1D8BD707-D9CF-40AE-B4C6-C98DA3205C09}" type="datetimeFigureOut">
               <a:rPr lang="en-US" smtClean="0"/>
               <a:pPr/>
-              <a:t>11/28/2022</a:t>
+              <a:t>11/30/2022</a:t>
             </a:fld>
             <a:endParaRPr lang="en-US"/>
           </a:p>
@@ -2828,7 +2829,7 @@
             <a:fld id="{1D8BD707-D9CF-40AE-B4C6-C98DA3205C09}" type="datetimeFigureOut">
               <a:rPr lang="en-US" smtClean="0"/>
               <a:pPr/>
-              <a:t>11/28/2022</a:t>
+              <a:t>11/30/2022</a:t>
             </a:fld>
             <a:endParaRPr lang="en-US"/>
           </a:p>
@@ -3006,7 +3007,7 @@
             <a:fld id="{1D8BD707-D9CF-40AE-B4C6-C98DA3205C09}" type="datetimeFigureOut">
               <a:rPr lang="en-US" smtClean="0"/>
               <a:pPr/>
-              <a:t>11/28/2022</a:t>
+              <a:t>11/30/2022</a:t>
             </a:fld>
             <a:endParaRPr lang="en-US"/>
           </a:p>
@@ -3255,7 +3256,7 @@
             <a:fld id="{1D8BD707-D9CF-40AE-B4C6-C98DA3205C09}" type="datetimeFigureOut">
               <a:rPr lang="en-US" smtClean="0"/>
               <a:pPr/>
-              <a:t>11/28/2022</a:t>
+              <a:t>11/30/2022</a:t>
             </a:fld>
             <a:endParaRPr lang="en-US"/>
           </a:p>
@@ -3489,7 +3490,7 @@
             <a:fld id="{1D8BD707-D9CF-40AE-B4C6-C98DA3205C09}" type="datetimeFigureOut">
               <a:rPr lang="en-US" smtClean="0"/>
               <a:pPr/>
-              <a:t>11/28/2022</a:t>
+              <a:t>11/30/2022</a:t>
             </a:fld>
             <a:endParaRPr lang="en-US"/>
           </a:p>
@@ -3865,7 +3866,7 @@
             <a:fld id="{1D8BD707-D9CF-40AE-B4C6-C98DA3205C09}" type="datetimeFigureOut">
               <a:rPr lang="en-US" smtClean="0"/>
               <a:pPr/>
-              <a:t>11/28/2022</a:t>
+              <a:t>11/30/2022</a:t>
             </a:fld>
             <a:endParaRPr lang="en-US"/>
           </a:p>
@@ -3990,7 +3991,7 @@
             <a:fld id="{1D8BD707-D9CF-40AE-B4C6-C98DA3205C09}" type="datetimeFigureOut">
               <a:rPr lang="en-US" smtClean="0"/>
               <a:pPr/>
-              <a:t>11/28/2022</a:t>
+              <a:t>11/30/2022</a:t>
             </a:fld>
             <a:endParaRPr lang="en-US"/>
           </a:p>
@@ -4087,7 +4088,7 @@
             <a:fld id="{1D8BD707-D9CF-40AE-B4C6-C98DA3205C09}" type="datetimeFigureOut">
               <a:rPr lang="en-US" smtClean="0"/>
               <a:pPr/>
-              <a:t>11/28/2022</a:t>
+              <a:t>11/30/2022</a:t>
             </a:fld>
             <a:endParaRPr lang="en-US"/>
           </a:p>
@@ -4344,7 +4345,7 @@
             <a:fld id="{1D8BD707-D9CF-40AE-B4C6-C98DA3205C09}" type="datetimeFigureOut">
               <a:rPr lang="en-US" smtClean="0"/>
               <a:pPr/>
-              <a:t>11/28/2022</a:t>
+              <a:t>11/30/2022</a:t>
             </a:fld>
             <a:endParaRPr lang="en-US"/>
           </a:p>
@@ -4609,7 +4610,7 @@
             <a:fld id="{1D8BD707-D9CF-40AE-B4C6-C98DA3205C09}" type="datetimeFigureOut">
               <a:rPr lang="en-US" smtClean="0"/>
               <a:pPr/>
-              <a:t>11/28/2022</a:t>
+              <a:t>11/30/2022</a:t>
             </a:fld>
             <a:endParaRPr lang="en-US"/>
           </a:p>
@@ -4675,7 +4676,7 @@
 <p:sldMaster xmlns:a="http://schemas.openxmlformats.org/drawingml/2006/main" xmlns:r="http://schemas.openxmlformats.org/officeDocument/2006/relationships" xmlns:p="http://schemas.openxmlformats.org/presentationml/2006/main">
   <p:cSld>
     <p:bg>
-      <p:bgRef idx="1001">
+      <p:bgRef idx="1003">
         <a:schemeClr val="bg1"/>
       </p:bgRef>
     </p:bg>
@@ -5354,7 +5355,7 @@
             <a:fld id="{1D8BD707-D9CF-40AE-B4C6-C98DA3205C09}" type="datetimeFigureOut">
               <a:rPr lang="en-US" smtClean="0"/>
               <a:pPr/>
-              <a:t>11/28/2022</a:t>
+              <a:t>11/30/2022</a:t>
             </a:fld>
             <a:endParaRPr lang="en-US"/>
           </a:p>
@@ -5444,7 +5445,7 @@
       </p:ext>
     </p:extLst>
   </p:cSld>
-  <p:clrMap bg1="lt1" tx1="dk1" bg2="lt2" tx2="dk2" accent1="accent1" accent2="accent2" accent3="accent3" accent4="accent4" accent5="accent5" accent6="accent6" hlink="hlink" folHlink="folHlink"/>
+  <p:clrMap bg1="dk1" tx1="lt1" bg2="dk2" tx2="lt2" accent1="accent1" accent2="accent2" accent3="accent3" accent4="accent4" accent5="accent5" accent6="accent6" hlink="hlink" folHlink="folHlink"/>
   <p:sldLayoutIdLst>
     <p:sldLayoutId id="2147483661" r:id="rId1"/>
     <p:sldLayoutId id="2147483662" r:id="rId2"/>
@@ -6134,53 +6135,6 @@
           </a:p>
         </p:txBody>
       </p:sp>
-      <p:sp>
-        <p:nvSpPr>
-          <p:cNvPr id="4" name="Rectangle 3"/>
-          <p:cNvSpPr/>
-          <p:nvPr/>
-        </p:nvSpPr>
-        <p:spPr>
-          <a:xfrm>
-            <a:off x="533400" y="1524000"/>
-            <a:ext cx="1676400" cy="1219200"/>
-          </a:xfrm>
-          <a:prstGeom prst="rect">
-            <a:avLst/>
-          </a:prstGeom>
-        </p:spPr>
-        <p:style>
-          <a:lnRef idx="2">
-            <a:schemeClr val="accent1">
-              <a:shade val="50000"/>
-            </a:schemeClr>
-          </a:lnRef>
-          <a:fillRef idx="1">
-            <a:schemeClr val="accent1"/>
-          </a:fillRef>
-          <a:effectRef idx="0">
-            <a:schemeClr val="accent1"/>
-          </a:effectRef>
-          <a:fontRef idx="minor">
-            <a:schemeClr val="lt1"/>
-          </a:fontRef>
-        </p:style>
-        <p:txBody>
-          <a:bodyPr rtlCol="0" anchor="ctr"/>
-          <a:lstStyle/>
-          <a:p>
-            <a:pPr algn="ctr"/>
-            <a:r>
-              <a:rPr lang="zh-TW" altLang="en-US" sz="2400" dirty="0">
-                <a:solidFill>
-                  <a:schemeClr val="tx1"/>
-                </a:solidFill>
-              </a:rPr>
-              <a:t>感測器</a:t>
-            </a:r>
-          </a:p>
-        </p:txBody>
-      </p:sp>
       <p:cxnSp>
         <p:nvCxnSpPr>
           <p:cNvPr id="6" name="Straight Arrow Connector 5"/>
@@ -6251,10 +6205,18 @@
           <a:p>
             <a:pPr algn="ctr"/>
             <a:r>
-              <a:rPr lang="en-US" altLang="zh-TW" dirty="0" err="1" smtClean="0"/>
+              <a:rPr lang="en-US" altLang="zh-TW" sz="2800" b="1" dirty="0" err="1" smtClean="0">
+                <a:solidFill>
+                  <a:schemeClr val="bg1"/>
+                </a:solidFill>
+              </a:rPr>
               <a:t>WebServer</a:t>
             </a:r>
-            <a:endParaRPr lang="zh-TW" altLang="en-US" dirty="0"/>
+            <a:endParaRPr lang="zh-TW" altLang="en-US" sz="2800" b="1" dirty="0">
+              <a:solidFill>
+                <a:schemeClr val="bg1"/>
+              </a:solidFill>
+            </a:endParaRPr>
           </a:p>
         </p:txBody>
       </p:sp>
@@ -6291,19 +6253,47 @@
           <a:bodyPr rtlCol="0" anchor="ctr"/>
           <a:lstStyle/>
           <a:p>
-            <a:pPr algn="ctr"/>
-            <a:r>
-              <a:rPr lang="en-US" altLang="zh-TW" dirty="0" smtClean="0"/>
+            <a:pPr algn="ctr" defTabSz="457200">
+              <a:spcBef>
+                <a:spcPts val="1000"/>
+              </a:spcBef>
+              <a:buClr>
+                <a:schemeClr val="accent1"/>
+              </a:buClr>
+              <a:buSzPct val="80000"/>
+            </a:pPr>
+            <a:r>
+              <a:rPr lang="en-US" altLang="zh-TW" dirty="0">
+                <a:solidFill>
+                  <a:schemeClr val="tx1"/>
+                </a:solidFill>
+              </a:rPr>
               <a:t>MQTT</a:t>
             </a:r>
           </a:p>
           <a:p>
-            <a:pPr algn="ctr"/>
-            <a:r>
-              <a:rPr lang="en-US" altLang="zh-TW" dirty="0" smtClean="0"/>
+            <a:pPr algn="ctr" defTabSz="457200">
+              <a:spcBef>
+                <a:spcPts val="1000"/>
+              </a:spcBef>
+              <a:buClr>
+                <a:schemeClr val="accent1"/>
+              </a:buClr>
+              <a:buSzPct val="80000"/>
+            </a:pPr>
+            <a:r>
+              <a:rPr lang="en-US" altLang="zh-TW" dirty="0">
+                <a:solidFill>
+                  <a:schemeClr val="tx1"/>
+                </a:solidFill>
+              </a:rPr>
               <a:t>broker</a:t>
             </a:r>
-            <a:endParaRPr lang="zh-TW" altLang="en-US" dirty="0"/>
+            <a:endParaRPr lang="zh-TW" altLang="en-US" dirty="0">
+              <a:solidFill>
+                <a:schemeClr val="tx1"/>
+              </a:solidFill>
+            </a:endParaRPr>
           </a:p>
         </p:txBody>
       </p:sp>
@@ -6314,9 +6304,9 @@
           <p:nvPr/>
         </p:nvCxnSpPr>
         <p:spPr>
-          <a:xfrm flipV="1">
-            <a:off x="4129863" y="2844800"/>
-            <a:ext cx="823137" cy="1001908"/>
+          <a:xfrm flipH="1" flipV="1">
+            <a:off x="2277116" y="2425798"/>
+            <a:ext cx="1409003" cy="1165542"/>
           </a:xfrm>
           <a:prstGeom prst="straightConnector1">
             <a:avLst/>
@@ -6340,156 +6330,6 @@
           </a:fontRef>
         </p:style>
       </p:cxnSp>
-      <p:pic>
-        <p:nvPicPr>
-          <p:cNvPr id="1026" name="Picture 2" descr="C:\Users\Suus\AppData\Local\Microsoft\Windows\INetCache\IE\8V14GGN8\sony_xperia_zr_waterproof_android_phone_announced_2[1].jpg"/>
-          <p:cNvPicPr>
-            <a:picLocks noChangeAspect="1" noChangeArrowheads="1"/>
-          </p:cNvPicPr>
-          <p:nvPr/>
-        </p:nvPicPr>
-        <p:blipFill>
-          <a:blip r:embed="rId2">
-            <a:extLst>
-              <a:ext uri="{BEBA8EAE-BF5A-486C-A8C5-ECC9F3942E4B}">
-                <a14:imgProps xmlns:a14="http://schemas.microsoft.com/office/drawing/2010/main">
-                  <a14:imgLayer r:embed="rId3">
-                    <a14:imgEffect>
-                      <a14:backgroundRemoval t="3204" b="95652" l="3167" r="94667"/>
-                    </a14:imgEffect>
-                  </a14:imgLayer>
-                </a14:imgProps>
-              </a:ext>
-              <a:ext uri="{28A0092B-C50C-407E-A947-70E740481C1C}">
-                <a14:useLocalDpi xmlns:a14="http://schemas.microsoft.com/office/drawing/2010/main" val="0"/>
-              </a:ext>
-            </a:extLst>
-          </a:blip>
-          <a:srcRect/>
-          <a:stretch>
-            <a:fillRect/>
-          </a:stretch>
-        </p:blipFill>
-        <p:spPr bwMode="auto">
-          <a:xfrm rot="20987030">
-            <a:off x="4502521" y="939250"/>
-            <a:ext cx="2813908" cy="2049463"/>
-          </a:xfrm>
-          <a:prstGeom prst="rect">
-            <a:avLst/>
-          </a:prstGeom>
-          <a:noFill/>
-          <a:extLst>
-            <a:ext uri="{909E8E84-426E-40DD-AFC4-6F175D3DCCD1}">
-              <a14:hiddenFill xmlns:a14="http://schemas.microsoft.com/office/drawing/2010/main">
-                <a:solidFill>
-                  <a:srgbClr val="FFFFFF"/>
-                </a:solidFill>
-              </a14:hiddenFill>
-            </a:ext>
-          </a:extLst>
-        </p:spPr>
-      </p:pic>
-      <p:sp>
-        <p:nvSpPr>
-          <p:cNvPr id="15" name="Parallelogram 14"/>
-          <p:cNvSpPr/>
-          <p:nvPr/>
-        </p:nvSpPr>
-        <p:spPr>
-          <a:xfrm rot="1562344">
-            <a:off x="5385044" y="1413788"/>
-            <a:ext cx="1258935" cy="762000"/>
-          </a:xfrm>
-          <a:prstGeom prst="parallelogram">
-            <a:avLst/>
-          </a:prstGeom>
-        </p:spPr>
-        <p:style>
-          <a:lnRef idx="1">
-            <a:schemeClr val="accent1"/>
-          </a:lnRef>
-          <a:fillRef idx="2">
-            <a:schemeClr val="accent1"/>
-          </a:fillRef>
-          <a:effectRef idx="1">
-            <a:schemeClr val="accent1"/>
-          </a:effectRef>
-          <a:fontRef idx="minor">
-            <a:schemeClr val="dk1"/>
-          </a:fontRef>
-        </p:style>
-        <p:txBody>
-          <a:bodyPr rtlCol="0" anchor="ctr"/>
-          <a:lstStyle/>
-          <a:p>
-            <a:pPr algn="ctr"/>
-            <a:r>
-              <a:rPr lang="en-US" altLang="zh-TW" dirty="0" smtClean="0"/>
-              <a:t>MQTT</a:t>
-            </a:r>
-            <a:endParaRPr lang="zh-TW" altLang="en-US" dirty="0"/>
-          </a:p>
-        </p:txBody>
-      </p:sp>
-      <p:sp>
-        <p:nvSpPr>
-          <p:cNvPr id="13" name="Oval 7"/>
-          <p:cNvSpPr>
-            <a:spLocks noGrp="1"/>
-          </p:cNvSpPr>
-          <p:nvPr>
-            <p:ph idx="1"/>
-          </p:nvPr>
-        </p:nvSpPr>
-        <p:spPr>
-          <a:xfrm>
-            <a:off x="2743200" y="4761108"/>
-            <a:ext cx="2209800" cy="623692"/>
-          </a:xfrm>
-          <a:prstGeom prst="ellipse">
-            <a:avLst/>
-          </a:prstGeom>
-        </p:spPr>
-        <p:style>
-          <a:lnRef idx="1">
-            <a:schemeClr val="accent1"/>
-          </a:lnRef>
-          <a:fillRef idx="3">
-            <a:schemeClr val="accent1"/>
-          </a:fillRef>
-          <a:effectRef idx="2">
-            <a:schemeClr val="accent1"/>
-          </a:effectRef>
-          <a:fontRef idx="minor">
-            <a:schemeClr val="lt1"/>
-          </a:fontRef>
-        </p:style>
-        <p:txBody>
-          <a:bodyPr rtlCol="0" anchor="ctr">
-            <a:normAutofit/>
-          </a:bodyPr>
-          <a:lstStyle/>
-          <a:p>
-            <a:pPr marL="0" indent="0" algn="ctr">
-              <a:buNone/>
-            </a:pPr>
-            <a:r>
-              <a:rPr lang="en-US" altLang="zh-TW" dirty="0" err="1" smtClean="0">
-                <a:solidFill>
-                  <a:schemeClr val="tx1"/>
-                </a:solidFill>
-              </a:rPr>
-              <a:t>ThingSpeak</a:t>
-            </a:r>
-            <a:endParaRPr lang="zh-TW" altLang="en-US" dirty="0">
-              <a:solidFill>
-                <a:schemeClr val="tx1"/>
-              </a:solidFill>
-            </a:endParaRPr>
-          </a:p>
-        </p:txBody>
-      </p:sp>
       <p:pic>
         <p:nvPicPr>
           <p:cNvPr id="11" name="圖片 10"/>
@@ -6499,7 +6339,7 @@
           <p:nvPr/>
         </p:nvPicPr>
         <p:blipFill>
-          <a:blip r:embed="rId4" cstate="print">
+          <a:blip r:embed="rId2" cstate="print">
             <a:extLst>
               <a:ext uri="{28A0092B-C50C-407E-A947-70E740481C1C}">
                 <a14:useLocalDpi xmlns:a14="http://schemas.microsoft.com/office/drawing/2010/main" val="0"/>
@@ -6529,7 +6369,7 @@
           <p:nvPr/>
         </p:nvPicPr>
         <p:blipFill>
-          <a:blip r:embed="rId5" cstate="print">
+          <a:blip r:embed="rId3" cstate="print">
             <a:extLst>
               <a:ext uri="{28A0092B-C50C-407E-A947-70E740481C1C}">
                 <a14:useLocalDpi xmlns:a14="http://schemas.microsoft.com/office/drawing/2010/main" val="0"/>
@@ -6550,16 +6390,78 @@
           </a:prstGeom>
         </p:spPr>
       </p:pic>
+      <p:sp>
+        <p:nvSpPr>
+          <p:cNvPr id="18" name="文字方塊 17"/>
+          <p:cNvSpPr txBox="1"/>
+          <p:nvPr/>
+        </p:nvSpPr>
+        <p:spPr>
+          <a:xfrm>
+            <a:off x="1676400" y="3222008"/>
+            <a:ext cx="920445" cy="369332"/>
+          </a:xfrm>
+          <a:prstGeom prst="rect">
+            <a:avLst/>
+          </a:prstGeom>
+          <a:noFill/>
+        </p:spPr>
+        <p:txBody>
+          <a:bodyPr wrap="none" rtlCol="0">
+            <a:spAutoFit/>
+          </a:bodyPr>
+          <a:lstStyle/>
+          <a:p>
+            <a:r>
+              <a:rPr lang="en-US" altLang="zh-TW" dirty="0" smtClean="0"/>
+              <a:t>Publish</a:t>
+            </a:r>
+          </a:p>
+        </p:txBody>
+      </p:sp>
       <p:cxnSp>
         <p:nvCxnSpPr>
-          <p:cNvPr id="16" name="Straight Arrow Connector 9"/>
+          <p:cNvPr id="17" name="Straight Arrow Connector 16"/>
           <p:cNvCxnSpPr/>
           <p:nvPr/>
         </p:nvCxnSpPr>
         <p:spPr>
+          <a:xfrm flipV="1">
+            <a:off x="5044646" y="3008569"/>
+            <a:ext cx="792892" cy="1001908"/>
+          </a:xfrm>
+          <a:prstGeom prst="straightConnector1">
+            <a:avLst/>
+          </a:prstGeom>
+          <a:ln w="76200">
+            <a:tailEnd type="arrow"/>
+          </a:ln>
+        </p:spPr>
+        <p:style>
+          <a:lnRef idx="1">
+            <a:schemeClr val="dk1"/>
+          </a:lnRef>
+          <a:fillRef idx="0">
+            <a:schemeClr val="dk1"/>
+          </a:fillRef>
+          <a:effectRef idx="0">
+            <a:schemeClr val="dk1"/>
+          </a:effectRef>
+          <a:fontRef idx="minor">
+            <a:schemeClr val="tx1"/>
+          </a:fontRef>
+        </p:style>
+      </p:cxnSp>
+      <p:cxnSp>
+        <p:nvCxnSpPr>
+          <p:cNvPr id="21" name="Straight Arrow Connector 20"/>
+          <p:cNvCxnSpPr/>
+          <p:nvPr/>
+        </p:nvCxnSpPr>
+        <p:spPr>
           <a:xfrm flipH="1">
-            <a:off x="3686119" y="5506840"/>
-            <a:ext cx="91263" cy="563033"/>
+            <a:off x="4815979" y="2911374"/>
+            <a:ext cx="762001" cy="990600"/>
           </a:xfrm>
           <a:prstGeom prst="straightConnector1">
             <a:avLst/>
@@ -6585,14 +6487,14 @@
       </p:cxnSp>
       <p:sp>
         <p:nvSpPr>
-          <p:cNvPr id="18" name="文字方塊 17"/>
+          <p:cNvPr id="25" name="文字方塊 17"/>
           <p:cNvSpPr txBox="1"/>
           <p:nvPr/>
         </p:nvSpPr>
         <p:spPr>
           <a:xfrm>
-            <a:off x="1676400" y="3222008"/>
-            <a:ext cx="920445" cy="369332"/>
+            <a:off x="4203357" y="2927866"/>
+            <a:ext cx="993622" cy="369332"/>
           </a:xfrm>
           <a:prstGeom prst="rect">
             <a:avLst/>
@@ -6600,7 +6502,7 @@
           <a:noFill/>
         </p:spPr>
         <p:txBody>
-          <a:bodyPr wrap="none" rtlCol="0">
+          <a:bodyPr wrap="square" rtlCol="0">
             <a:spAutoFit/>
           </a:bodyPr>
           <a:lstStyle/>
@@ -6609,6 +6511,299 @@
               <a:rPr lang="en-US" altLang="zh-TW" dirty="0" smtClean="0"/>
               <a:t>Publish</a:t>
             </a:r>
+          </a:p>
+        </p:txBody>
+      </p:sp>
+      <p:sp>
+        <p:nvSpPr>
+          <p:cNvPr id="24" name="Down Arrow 23"/>
+          <p:cNvSpPr/>
+          <p:nvPr/>
+        </p:nvSpPr>
+        <p:spPr>
+          <a:xfrm>
+            <a:off x="3810000" y="5638800"/>
+            <a:ext cx="153489" cy="304800"/>
+          </a:xfrm>
+          <a:prstGeom prst="downArrow">
+            <a:avLst/>
+          </a:prstGeom>
+        </p:spPr>
+        <p:style>
+          <a:lnRef idx="2">
+            <a:schemeClr val="dk1">
+              <a:shade val="50000"/>
+            </a:schemeClr>
+          </a:lnRef>
+          <a:fillRef idx="1">
+            <a:schemeClr val="dk1"/>
+          </a:fillRef>
+          <a:effectRef idx="0">
+            <a:schemeClr val="dk1"/>
+          </a:effectRef>
+          <a:fontRef idx="minor">
+            <a:schemeClr val="lt1"/>
+          </a:fontRef>
+        </p:style>
+        <p:txBody>
+          <a:bodyPr rtlCol="0" anchor="ctr"/>
+          <a:lstStyle/>
+          <a:p>
+            <a:pPr algn="ctr"/>
+            <a:endParaRPr lang="zh-TW" altLang="en-US"/>
+          </a:p>
+        </p:txBody>
+      </p:sp>
+      <p:pic>
+        <p:nvPicPr>
+          <p:cNvPr id="26" name="Picture 25"/>
+          <p:cNvPicPr>
+            <a:picLocks noChangeAspect="1"/>
+          </p:cNvPicPr>
+          <p:nvPr/>
+        </p:nvPicPr>
+        <p:blipFill>
+          <a:blip r:embed="rId4">
+            <a:extLst>
+              <a:ext uri="{BEBA8EAE-BF5A-486C-A8C5-ECC9F3942E4B}">
+                <a14:imgProps xmlns:a14="http://schemas.microsoft.com/office/drawing/2010/main">
+                  <a14:imgLayer r:embed="rId5">
+                    <a14:imgEffect>
+                      <a14:backgroundRemoval t="5952" b="99603" l="3889" r="93889">
+                        <a14:foregroundMark x1="47778" y1="99603" x2="47778" y2="96032"/>
+                        <a14:foregroundMark x1="21111" y1="92063" x2="21111" y2="92063"/>
+                        <a14:foregroundMark x1="11667" y1="83730" x2="11667" y2="83730"/>
+                        <a14:foregroundMark x1="10556" y1="76190" x2="10556" y2="76190"/>
+                        <a14:foregroundMark x1="12222" y1="69444" x2="12222" y2="69444"/>
+                        <a14:foregroundMark x1="12222" y1="58730" x2="12222" y2="58730"/>
+                        <a14:foregroundMark x1="14444" y1="51984" x2="14444" y2="51984"/>
+                        <a14:foregroundMark x1="14444" y1="40079" x2="14444" y2="40079"/>
+                        <a14:foregroundMark x1="14444" y1="31746" x2="14444" y2="31746"/>
+                        <a14:foregroundMark x1="14444" y1="18651" x2="14444" y2="18651"/>
+                        <a14:foregroundMark x1="14444" y1="14683" x2="14444" y2="14683"/>
+                        <a14:foregroundMark x1="18889" y1="11111" x2="18889" y2="11111"/>
+                        <a14:foregroundMark x1="24444" y1="9127" x2="24444" y2="9127"/>
+                        <a14:foregroundMark x1="33333" y1="8333" x2="33333" y2="8333"/>
+                        <a14:foregroundMark x1="38333" y1="8333" x2="38333" y2="8333"/>
+                        <a14:foregroundMark x1="50000" y1="9127" x2="50000" y2="9127"/>
+                        <a14:foregroundMark x1="77778" y1="11111" x2="77778" y2="11111"/>
+                        <a14:foregroundMark x1="82778" y1="11905" x2="82778" y2="11905"/>
+                        <a14:foregroundMark x1="85556" y1="20635" x2="85556" y2="20635"/>
+                        <a14:foregroundMark x1="88889" y1="27778" x2="88889" y2="27778"/>
+                        <a14:foregroundMark x1="87778" y1="34921" x2="87778" y2="34921"/>
+                        <a14:foregroundMark x1="87778" y1="42460" x2="87778" y2="42460"/>
+                        <a14:foregroundMark x1="86667" y1="38889" x2="86667" y2="38889"/>
+                        <a14:foregroundMark x1="85556" y1="19841" x2="85556" y2="19841"/>
+                        <a14:foregroundMark x1="85556" y1="25794" x2="85556" y2="25794"/>
+                        <a14:foregroundMark x1="84444" y1="29762" x2="83333" y2="32540"/>
+                        <a14:foregroundMark x1="84444" y1="48810" x2="84444" y2="48810"/>
+                        <a14:foregroundMark x1="84444" y1="55952" x2="84444" y2="55952"/>
+                        <a14:foregroundMark x1="84444" y1="63095" x2="84444" y2="63095"/>
+                        <a14:foregroundMark x1="83333" y1="26587" x2="83333" y2="26587"/>
+                        <a14:foregroundMark x1="83333" y1="35317" x2="83333" y2="37698"/>
+                        <a14:foregroundMark x1="82222" y1="50397" x2="82222" y2="51984"/>
+                        <a14:foregroundMark x1="82778" y1="69841" x2="82778" y2="69841"/>
+                        <a14:foregroundMark x1="83333" y1="79365" x2="83333" y2="79365"/>
+                        <a14:foregroundMark x1="83333" y1="83730" x2="83333" y2="83730"/>
+                        <a14:foregroundMark x1="82778" y1="86905" x2="82778" y2="86905"/>
+                        <a14:foregroundMark x1="69444" y1="92063" x2="69444" y2="92063"/>
+                        <a14:foregroundMark x1="62778" y1="93254" x2="60000" y2="93651"/>
+                        <a14:foregroundMark x1="43333" y1="90476" x2="43333" y2="90476"/>
+                        <a14:foregroundMark x1="33889" y1="91667" x2="33889" y2="91667"/>
+                        <a14:foregroundMark x1="26111" y1="90873" x2="26111" y2="90873"/>
+                        <a14:foregroundMark x1="63889" y1="88095" x2="63889" y2="88095"/>
+                        <a14:foregroundMark x1="70556" y1="96032" x2="70556" y2="96032"/>
+                        <a14:foregroundMark x1="76111" y1="94048" x2="76111" y2="94048"/>
+                        <a14:foregroundMark x1="87222" y1="83730" x2="87222" y2="83730"/>
+                        <a14:foregroundMark x1="81667" y1="41270" x2="81667" y2="41270"/>
+                        <a14:foregroundMark x1="41111" y1="50000" x2="41111" y2="50000"/>
+                        <a14:foregroundMark x1="41667" y1="38492" x2="41667" y2="38492"/>
+                        <a14:foregroundMark x1="43889" y1="29762" x2="43889" y2="29762"/>
+                        <a14:foregroundMark x1="57778" y1="28175" x2="57778" y2="28175"/>
+                        <a14:foregroundMark x1="61111" y1="39683" x2="61111" y2="43651"/>
+                        <a14:foregroundMark x1="61111" y1="48810" x2="61111" y2="50794"/>
+                        <a14:foregroundMark x1="62778" y1="57143" x2="62778" y2="57143"/>
+                        <a14:foregroundMark x1="53333" y1="71825" x2="50556" y2="74206"/>
+                        <a14:foregroundMark x1="47778" y1="75000" x2="45556" y2="75000"/>
+                        <a14:foregroundMark x1="37222" y1="67857" x2="35556" y2="66270"/>
+                        <a14:foregroundMark x1="28333" y1="57540" x2="28333" y2="51984"/>
+                        <a14:foregroundMark x1="28333" y1="38095" x2="28333" y2="38095"/>
+                        <a14:foregroundMark x1="28333" y1="36905" x2="28333" y2="36905"/>
+                        <a14:foregroundMark x1="28889" y1="36111" x2="28889" y2="36111"/>
+                        <a14:foregroundMark x1="32222" y1="36111" x2="32222" y2="36111"/>
+                        <a14:foregroundMark x1="37222" y1="35317" x2="37222" y2="35317"/>
+                        <a14:foregroundMark x1="39444" y1="35317" x2="39444" y2="35317"/>
+                        <a14:foregroundMark x1="40556" y1="36111" x2="40556" y2="36111"/>
+                        <a14:foregroundMark x1="40556" y1="36111" x2="40556" y2="36111"/>
+                        <a14:foregroundMark x1="55000" y1="56746" x2="55000" y2="57937"/>
+                        <a14:foregroundMark x1="55000" y1="67460" x2="55000" y2="67460"/>
+                        <a14:foregroundMark x1="51667" y1="71825" x2="48889" y2="74603"/>
+                        <a14:foregroundMark x1="42778" y1="75000" x2="39444" y2="75397"/>
+                        <a14:foregroundMark x1="33889" y1="75397" x2="31111" y2="71032"/>
+                        <a14:foregroundMark x1="26111" y1="57143" x2="25000" y2="52381"/>
+                        <a14:foregroundMark x1="22222" y1="45635" x2="22222" y2="45635"/>
+                        <a14:foregroundMark x1="58889" y1="19841" x2="58889" y2="19841"/>
+                        <a14:foregroundMark x1="53889" y1="17857" x2="53889" y2="17857"/>
+                        <a14:foregroundMark x1="63333" y1="17857" x2="63333" y2="17857"/>
+                        <a14:foregroundMark x1="65000" y1="71032" x2="65000" y2="71032"/>
+                        <a14:foregroundMark x1="61111" y1="85317" x2="61111" y2="85317"/>
+                      </a14:backgroundRemoval>
+                    </a14:imgEffect>
+                  </a14:imgLayer>
+                </a14:imgProps>
+              </a:ext>
+              <a:ext uri="{28A0092B-C50C-407E-A947-70E740481C1C}">
+                <a14:useLocalDpi xmlns:a14="http://schemas.microsoft.com/office/drawing/2010/main" val="0"/>
+              </a:ext>
+            </a:extLst>
+          </a:blip>
+          <a:stretch>
+            <a:fillRect/>
+          </a:stretch>
+        </p:blipFill>
+        <p:spPr>
+          <a:xfrm>
+            <a:off x="5420497" y="711897"/>
+            <a:ext cx="1714739" cy="2400635"/>
+          </a:xfrm>
+          <a:prstGeom prst="rect">
+            <a:avLst/>
+          </a:prstGeom>
+        </p:spPr>
+      </p:pic>
+      <p:pic>
+        <p:nvPicPr>
+          <p:cNvPr id="27" name="Picture 26"/>
+          <p:cNvPicPr>
+            <a:picLocks noChangeAspect="1"/>
+          </p:cNvPicPr>
+          <p:nvPr/>
+        </p:nvPicPr>
+        <p:blipFill>
+          <a:blip r:embed="rId6">
+            <a:extLst>
+              <a:ext uri="{BEBA8EAE-BF5A-486C-A8C5-ECC9F3942E4B}">
+                <a14:imgProps xmlns:a14="http://schemas.microsoft.com/office/drawing/2010/main">
+                  <a14:imgLayer r:embed="rId7">
+                    <a14:imgEffect>
+                      <a14:backgroundRemoval t="3101" b="95736" l="0" r="95133"/>
+                    </a14:imgEffect>
+                  </a14:imgLayer>
+                </a14:imgProps>
+              </a:ext>
+              <a:ext uri="{28A0092B-C50C-407E-A947-70E740481C1C}">
+                <a14:useLocalDpi xmlns:a14="http://schemas.microsoft.com/office/drawing/2010/main" val="0"/>
+              </a:ext>
+            </a:extLst>
+          </a:blip>
+          <a:stretch>
+            <a:fillRect/>
+          </a:stretch>
+        </p:blipFill>
+        <p:spPr>
+          <a:xfrm>
+            <a:off x="5745679" y="1241608"/>
+            <a:ext cx="1064373" cy="1215081"/>
+          </a:xfrm>
+          <a:prstGeom prst="rect">
+            <a:avLst/>
+          </a:prstGeom>
+        </p:spPr>
+      </p:pic>
+      <p:pic>
+        <p:nvPicPr>
+          <p:cNvPr id="28" name="Picture 27"/>
+          <p:cNvPicPr>
+            <a:picLocks noChangeAspect="1"/>
+          </p:cNvPicPr>
+          <p:nvPr/>
+        </p:nvPicPr>
+        <p:blipFill>
+          <a:blip r:embed="rId8">
+            <a:extLst>
+              <a:ext uri="{BEBA8EAE-BF5A-486C-A8C5-ECC9F3942E4B}">
+                <a14:imgProps xmlns:a14="http://schemas.microsoft.com/office/drawing/2010/main">
+                  <a14:imgLayer r:embed="rId9">
+                    <a14:imgEffect>
+                      <a14:backgroundRemoval t="2825" b="97458" l="1875" r="95313"/>
+                    </a14:imgEffect>
+                  </a14:imgLayer>
+                </a14:imgProps>
+              </a:ext>
+              <a:ext uri="{28A0092B-C50C-407E-A947-70E740481C1C}">
+                <a14:useLocalDpi xmlns:a14="http://schemas.microsoft.com/office/drawing/2010/main" val="0"/>
+              </a:ext>
+            </a:extLst>
+          </a:blip>
+          <a:stretch>
+            <a:fillRect/>
+          </a:stretch>
+        </p:blipFill>
+        <p:spPr>
+          <a:xfrm>
+            <a:off x="485223" y="1354787"/>
+            <a:ext cx="1668350" cy="1845613"/>
+          </a:xfrm>
+          <a:prstGeom prst="rect">
+            <a:avLst/>
+          </a:prstGeom>
+        </p:spPr>
+      </p:pic>
+      <p:sp>
+        <p:nvSpPr>
+          <p:cNvPr id="30" name="Oval 29"/>
+          <p:cNvSpPr/>
+          <p:nvPr/>
+        </p:nvSpPr>
+        <p:spPr>
+          <a:xfrm>
+            <a:off x="2819400" y="4773125"/>
+            <a:ext cx="1981200" cy="609600"/>
+          </a:xfrm>
+          <a:prstGeom prst="ellipse">
+            <a:avLst/>
+          </a:prstGeom>
+        </p:spPr>
+        <p:style>
+          <a:lnRef idx="1">
+            <a:schemeClr val="accent2"/>
+          </a:lnRef>
+          <a:fillRef idx="2">
+            <a:schemeClr val="accent2"/>
+          </a:fillRef>
+          <a:effectRef idx="1">
+            <a:schemeClr val="accent2"/>
+          </a:effectRef>
+          <a:fontRef idx="minor">
+            <a:schemeClr val="dk1"/>
+          </a:fontRef>
+        </p:style>
+        <p:txBody>
+          <a:bodyPr rtlCol="0" anchor="ctr"/>
+          <a:lstStyle/>
+          <a:p>
+            <a:pPr algn="ctr" defTabSz="457200">
+              <a:spcBef>
+                <a:spcPts val="1000"/>
+              </a:spcBef>
+              <a:buClr>
+                <a:schemeClr val="accent1"/>
+              </a:buClr>
+              <a:buSzPct val="80000"/>
+            </a:pPr>
+            <a:r>
+              <a:rPr lang="en-US" altLang="zh-TW" dirty="0" err="1" smtClean="0">
+                <a:solidFill>
+                  <a:schemeClr val="tx1"/>
+                </a:solidFill>
+              </a:rPr>
+              <a:t>ThingSpeak</a:t>
+            </a:r>
+            <a:endParaRPr lang="zh-TW" altLang="en-US" dirty="0">
+              <a:solidFill>
+                <a:schemeClr val="tx1"/>
+              </a:solidFill>
+            </a:endParaRPr>
           </a:p>
         </p:txBody>
       </p:sp>
@@ -7083,6 +7278,13 @@
   <p:clrMapOvr>
     <a:masterClrMapping/>
   </p:clrMapOvr>
+  <p:timing>
+    <p:tnLst>
+      <p:par>
+        <p:cTn id="1" dur="indefinite" restart="never" nodeType="tmRoot"/>
+      </p:par>
+    </p:tnLst>
+  </p:timing>
 </p:sld>
 </file>
 
@@ -7127,32 +7329,13 @@
       </p:sp>
       <p:sp>
         <p:nvSpPr>
-          <p:cNvPr id="3" name="Content Placeholder 2"/>
-          <p:cNvSpPr>
-            <a:spLocks noGrp="1"/>
-          </p:cNvSpPr>
-          <p:nvPr>
-            <p:ph idx="1"/>
-          </p:nvPr>
-        </p:nvSpPr>
-        <p:spPr/>
-        <p:txBody>
-          <a:bodyPr/>
-          <a:lstStyle/>
-          <a:p>
-            <a:endParaRPr lang="zh-TW" altLang="en-US" dirty="0"/>
-          </a:p>
-        </p:txBody>
-      </p:sp>
-      <p:sp>
-        <p:nvSpPr>
           <p:cNvPr id="4" name="Diamond 3"/>
           <p:cNvSpPr/>
           <p:nvPr/>
         </p:nvSpPr>
         <p:spPr>
           <a:xfrm>
-            <a:off x="2630593" y="1106967"/>
+            <a:off x="2727207" y="1106967"/>
             <a:ext cx="1815598" cy="1077295"/>
           </a:xfrm>
           <a:prstGeom prst="diamond">
@@ -7196,7 +7379,7 @@
         </p:nvCxnSpPr>
         <p:spPr>
           <a:xfrm flipH="1">
-            <a:off x="3516221" y="2160036"/>
+            <a:off x="3635006" y="2160036"/>
             <a:ext cx="5783" cy="424277"/>
           </a:xfrm>
           <a:prstGeom prst="straightConnector1">
@@ -7229,7 +7412,7 @@
         </p:nvSpPr>
         <p:spPr>
           <a:xfrm>
-            <a:off x="2585279" y="2565264"/>
+            <a:off x="2733508" y="2565264"/>
             <a:ext cx="1809297" cy="655676"/>
           </a:xfrm>
           <a:prstGeom prst="rect">
@@ -7276,15 +7459,13 @@
       <p:cxnSp>
         <p:nvCxnSpPr>
           <p:cNvPr id="8" name="Straight Arrow Connector 7"/>
-          <p:cNvCxnSpPr>
-            <a:stCxn id="4" idx="3"/>
-          </p:cNvCxnSpPr>
+          <p:cNvCxnSpPr/>
           <p:nvPr/>
         </p:nvCxnSpPr>
         <p:spPr>
-          <a:xfrm flipV="1">
-            <a:off x="4446191" y="1611550"/>
-            <a:ext cx="339822" cy="34065"/>
+          <a:xfrm>
+            <a:off x="4516176" y="1656928"/>
+            <a:ext cx="233011" cy="9268"/>
           </a:xfrm>
           <a:prstGeom prst="straightConnector1">
             <a:avLst/>
@@ -7449,7 +7630,7 @@
         </p:nvSpPr>
         <p:spPr>
           <a:xfrm>
-            <a:off x="2901799" y="2145785"/>
+            <a:off x="3048106" y="2132432"/>
             <a:ext cx="646331" cy="369332"/>
           </a:xfrm>
           <a:prstGeom prst="rect">
@@ -7467,7 +7648,6 @@
               <a:rPr lang="zh-TW" altLang="en-US" dirty="0"/>
               <a:t>不遠</a:t>
             </a:r>
-            <a:endParaRPr lang="zh-TW" altLang="en-US" dirty="0"/>
           </a:p>
         </p:txBody>
       </p:sp>
@@ -7479,7 +7659,7 @@
         </p:nvSpPr>
         <p:spPr>
           <a:xfrm>
-            <a:off x="4229836" y="1636346"/>
+            <a:off x="4258564" y="1691833"/>
             <a:ext cx="646331" cy="369332"/>
           </a:xfrm>
           <a:prstGeom prst="rect">
@@ -7539,7 +7719,7 @@
         </p:nvCxnSpPr>
         <p:spPr>
           <a:xfrm flipH="1">
-            <a:off x="3486165" y="881633"/>
+            <a:off x="3627480" y="881633"/>
             <a:ext cx="7526" cy="216438"/>
           </a:xfrm>
           <a:prstGeom prst="straightConnector1">
@@ -7572,7 +7752,7 @@
         </p:nvSpPr>
         <p:spPr>
           <a:xfrm>
-            <a:off x="4258564" y="1019236"/>
+            <a:off x="5698060" y="753355"/>
             <a:ext cx="646331" cy="369332"/>
           </a:xfrm>
           <a:prstGeom prst="rect">
@@ -8021,9 +8201,9 @@
           <p:nvPr/>
         </p:nvCxnSpPr>
         <p:spPr>
-          <a:xfrm flipH="1" flipV="1">
-            <a:off x="3541146" y="1086401"/>
-            <a:ext cx="2100882" cy="11670"/>
+          <a:xfrm flipV="1">
+            <a:off x="5630361" y="685800"/>
+            <a:ext cx="3339" cy="412273"/>
           </a:xfrm>
           <a:prstGeom prst="straightConnector1">
             <a:avLst/>
@@ -8103,8 +8283,8 @@
         </p:nvCxnSpPr>
         <p:spPr>
           <a:xfrm flipH="1" flipV="1">
-            <a:off x="2209800" y="6457957"/>
-            <a:ext cx="2506127" cy="16543"/>
+            <a:off x="2393020" y="6466228"/>
+            <a:ext cx="2322908" cy="8273"/>
           </a:xfrm>
           <a:prstGeom prst="straightConnector1">
             <a:avLst/>
@@ -8136,7 +8316,7 @@
         </p:nvCxnSpPr>
         <p:spPr>
           <a:xfrm flipV="1">
-            <a:off x="2298589" y="486440"/>
+            <a:off x="2393020" y="495406"/>
             <a:ext cx="84574" cy="5971518"/>
           </a:xfrm>
           <a:prstGeom prst="straightConnector1">
@@ -8169,7 +8349,7 @@
         </p:nvCxnSpPr>
         <p:spPr>
           <a:xfrm flipH="1" flipV="1">
-            <a:off x="2336377" y="2891936"/>
+            <a:off x="2435307" y="2891936"/>
             <a:ext cx="248902" cy="1166"/>
           </a:xfrm>
           <a:prstGeom prst="straightConnector1">
@@ -8202,8 +8382,86 @@
         </p:nvCxnSpPr>
         <p:spPr>
           <a:xfrm flipV="1">
-            <a:off x="2425243" y="514639"/>
-            <a:ext cx="661593" cy="11670"/>
+            <a:off x="2477594" y="514639"/>
+            <a:ext cx="609242" cy="11670"/>
+          </a:xfrm>
+          <a:prstGeom prst="straightConnector1">
+            <a:avLst/>
+          </a:prstGeom>
+          <a:ln w="28575">
+            <a:tailEnd type="arrow"/>
+          </a:ln>
+        </p:spPr>
+        <p:style>
+          <a:lnRef idx="1">
+            <a:schemeClr val="dk1"/>
+          </a:lnRef>
+          <a:fillRef idx="0">
+            <a:schemeClr val="dk1"/>
+          </a:fillRef>
+          <a:effectRef idx="0">
+            <a:schemeClr val="dk1"/>
+          </a:effectRef>
+          <a:fontRef idx="minor">
+            <a:schemeClr val="tx1"/>
+          </a:fontRef>
+        </p:style>
+      </p:cxnSp>
+      <p:sp>
+        <p:nvSpPr>
+          <p:cNvPr id="5" name="TextBox 4"/>
+          <p:cNvSpPr txBox="1"/>
+          <p:nvPr/>
+        </p:nvSpPr>
+        <p:spPr>
+          <a:xfrm>
+            <a:off x="688538" y="1611551"/>
+            <a:ext cx="1292662" cy="4122092"/>
+          </a:xfrm>
+          <a:prstGeom prst="rect">
+            <a:avLst/>
+          </a:prstGeom>
+          <a:noFill/>
+        </p:spPr>
+        <p:txBody>
+          <a:bodyPr vert="eaVert" wrap="square" rtlCol="0">
+            <a:spAutoFit/>
+          </a:bodyPr>
+          <a:lstStyle/>
+          <a:p>
+            <a:pPr algn="ctr"/>
+            <a:r>
+              <a:rPr lang="zh-TW" altLang="en-US" sz="7200" b="1" dirty="0">
+                <a:solidFill>
+                  <a:schemeClr val="accent1"/>
+                </a:solidFill>
+                <a:latin typeface="+mj-lt"/>
+                <a:ea typeface="+mj-ea"/>
+                <a:cs typeface="+mj-cs"/>
+              </a:rPr>
+              <a:t>自動關閉</a:t>
+            </a:r>
+            <a:endParaRPr lang="zh-TW" altLang="en-US" sz="7200" b="1" dirty="0">
+              <a:solidFill>
+                <a:schemeClr val="accent1"/>
+              </a:solidFill>
+              <a:latin typeface="+mj-lt"/>
+              <a:ea typeface="+mj-ea"/>
+              <a:cs typeface="+mj-cs"/>
+            </a:endParaRPr>
+          </a:p>
+        </p:txBody>
+      </p:sp>
+      <p:cxnSp>
+        <p:nvCxnSpPr>
+          <p:cNvPr id="41" name="Straight Arrow Connector 5"/>
+          <p:cNvCxnSpPr/>
+          <p:nvPr/>
+        </p:nvCxnSpPr>
+        <p:spPr>
+          <a:xfrm flipH="1" flipV="1">
+            <a:off x="5372836" y="711165"/>
+            <a:ext cx="286506" cy="1"/>
           </a:xfrm>
           <a:prstGeom prst="straightConnector1">
             <a:avLst/>
@@ -8237,6 +8495,1464 @@
   <p:clrMapOvr>
     <a:masterClrMapping/>
   </p:clrMapOvr>
+  <p:timing>
+    <p:tnLst>
+      <p:par>
+        <p:cTn id="1" dur="indefinite" restart="never" nodeType="tmRoot"/>
+      </p:par>
+    </p:tnLst>
+  </p:timing>
+</p:sld>
+</file>
+
+<file path=ppt/slides/slide7.xml><?xml version="1.0" encoding="utf-8"?>
+<p:sld xmlns:a="http://schemas.openxmlformats.org/drawingml/2006/main" xmlns:r="http://schemas.openxmlformats.org/officeDocument/2006/relationships" xmlns:p="http://schemas.openxmlformats.org/presentationml/2006/main">
+  <p:cSld>
+    <p:spTree>
+      <p:nvGrpSpPr>
+        <p:cNvPr id="1" name=""/>
+        <p:cNvGrpSpPr/>
+        <p:nvPr/>
+      </p:nvGrpSpPr>
+      <p:grpSpPr>
+        <a:xfrm>
+          <a:off x="0" y="0"/>
+          <a:ext cx="0" cy="0"/>
+          <a:chOff x="0" y="0"/>
+          <a:chExt cx="0" cy="0"/>
+        </a:xfrm>
+      </p:grpSpPr>
+      <p:sp>
+        <p:nvSpPr>
+          <p:cNvPr id="2" name="Title 1"/>
+          <p:cNvSpPr>
+            <a:spLocks noGrp="1"/>
+          </p:cNvSpPr>
+          <p:nvPr>
+            <p:ph type="title"/>
+          </p:nvPr>
+        </p:nvSpPr>
+        <p:spPr/>
+        <p:txBody>
+          <a:bodyPr/>
+          <a:lstStyle/>
+          <a:p>
+            <a:r>
+              <a:rPr lang="zh-TW" altLang="en-US" dirty="0"/>
+              <a:t>設計運作</a:t>
+            </a:r>
+          </a:p>
+        </p:txBody>
+      </p:sp>
+      <p:sp>
+        <p:nvSpPr>
+          <p:cNvPr id="4" name="Diamond 3"/>
+          <p:cNvSpPr/>
+          <p:nvPr/>
+        </p:nvSpPr>
+        <p:spPr>
+          <a:xfrm>
+            <a:off x="2727207" y="1106967"/>
+            <a:ext cx="1815598" cy="1077295"/>
+          </a:xfrm>
+          <a:prstGeom prst="diamond">
+            <a:avLst/>
+          </a:prstGeom>
+        </p:spPr>
+        <p:style>
+          <a:lnRef idx="2">
+            <a:schemeClr val="accent2">
+              <a:shade val="50000"/>
+            </a:schemeClr>
+          </a:lnRef>
+          <a:fillRef idx="1">
+            <a:schemeClr val="accent2"/>
+          </a:fillRef>
+          <a:effectRef idx="0">
+            <a:schemeClr val="accent2"/>
+          </a:effectRef>
+          <a:fontRef idx="minor">
+            <a:schemeClr val="lt1"/>
+          </a:fontRef>
+        </p:style>
+        <p:txBody>
+          <a:bodyPr rtlCol="0" anchor="ctr"/>
+          <a:lstStyle/>
+          <a:p>
+            <a:pPr algn="ctr"/>
+            <a:r>
+              <a:rPr lang="zh-TW" altLang="en-US" dirty="0" smtClean="0">
+                <a:solidFill>
+                  <a:prstClr val="white"/>
+                </a:solidFill>
+              </a:rPr>
+              <a:t>人是否離瓦斯爐太遠</a:t>
+            </a:r>
+            <a:endParaRPr lang="zh-TW" altLang="en-US" dirty="0">
+              <a:solidFill>
+                <a:prstClr val="white"/>
+              </a:solidFill>
+            </a:endParaRPr>
+          </a:p>
+        </p:txBody>
+      </p:sp>
+      <p:cxnSp>
+        <p:nvCxnSpPr>
+          <p:cNvPr id="6" name="Straight Arrow Connector 5"/>
+          <p:cNvCxnSpPr/>
+          <p:nvPr/>
+        </p:nvCxnSpPr>
+        <p:spPr>
+          <a:xfrm flipH="1">
+            <a:off x="3635006" y="2160036"/>
+            <a:ext cx="5783" cy="424277"/>
+          </a:xfrm>
+          <a:prstGeom prst="straightConnector1">
+            <a:avLst/>
+          </a:prstGeom>
+          <a:ln w="28575">
+            <a:tailEnd type="arrow"/>
+          </a:ln>
+        </p:spPr>
+        <p:style>
+          <a:lnRef idx="1">
+            <a:schemeClr val="dk1"/>
+          </a:lnRef>
+          <a:fillRef idx="0">
+            <a:schemeClr val="dk1"/>
+          </a:fillRef>
+          <a:effectRef idx="0">
+            <a:schemeClr val="dk1"/>
+          </a:effectRef>
+          <a:fontRef idx="minor">
+            <a:schemeClr val="tx1"/>
+          </a:fontRef>
+        </p:style>
+      </p:cxnSp>
+      <p:sp>
+        <p:nvSpPr>
+          <p:cNvPr id="7" name="Rectangle 6"/>
+          <p:cNvSpPr/>
+          <p:nvPr/>
+        </p:nvSpPr>
+        <p:spPr>
+          <a:xfrm>
+            <a:off x="2733508" y="2565264"/>
+            <a:ext cx="1809297" cy="655676"/>
+          </a:xfrm>
+          <a:prstGeom prst="rect">
+            <a:avLst/>
+          </a:prstGeom>
+        </p:spPr>
+        <p:style>
+          <a:lnRef idx="2">
+            <a:schemeClr val="accent1">
+              <a:shade val="50000"/>
+            </a:schemeClr>
+          </a:lnRef>
+          <a:fillRef idx="1">
+            <a:schemeClr val="accent1"/>
+          </a:fillRef>
+          <a:effectRef idx="0">
+            <a:schemeClr val="accent1"/>
+          </a:effectRef>
+          <a:fontRef idx="minor">
+            <a:schemeClr val="lt1"/>
+          </a:fontRef>
+        </p:style>
+        <p:txBody>
+          <a:bodyPr rtlCol="0" anchor="ctr"/>
+          <a:lstStyle/>
+          <a:p>
+            <a:pPr algn="ctr"/>
+            <a:r>
+              <a:rPr lang="zh-TW" altLang="en-US" dirty="0" smtClean="0">
+                <a:solidFill>
+                  <a:prstClr val="white"/>
+                </a:solidFill>
+              </a:rPr>
+              <a:t>電流斷路，</a:t>
+            </a:r>
+            <a:endParaRPr lang="en-US" altLang="zh-TW" dirty="0" smtClean="0">
+              <a:solidFill>
+                <a:prstClr val="white"/>
+              </a:solidFill>
+            </a:endParaRPr>
+          </a:p>
+          <a:p>
+            <a:pPr algn="ctr"/>
+            <a:r>
+              <a:rPr lang="zh-TW" altLang="en-US" dirty="0" smtClean="0">
+                <a:solidFill>
+                  <a:prstClr val="white"/>
+                </a:solidFill>
+              </a:rPr>
+              <a:t>可正常手動旋轉</a:t>
+            </a:r>
+            <a:endParaRPr lang="zh-TW" altLang="en-US" dirty="0">
+              <a:solidFill>
+                <a:prstClr val="white"/>
+              </a:solidFill>
+            </a:endParaRPr>
+          </a:p>
+        </p:txBody>
+      </p:sp>
+      <p:cxnSp>
+        <p:nvCxnSpPr>
+          <p:cNvPr id="8" name="Straight Arrow Connector 7"/>
+          <p:cNvCxnSpPr/>
+          <p:nvPr/>
+        </p:nvCxnSpPr>
+        <p:spPr>
+          <a:xfrm>
+            <a:off x="4516176" y="1656928"/>
+            <a:ext cx="233011" cy="9268"/>
+          </a:xfrm>
+          <a:prstGeom prst="straightConnector1">
+            <a:avLst/>
+          </a:prstGeom>
+          <a:ln w="28575">
+            <a:tailEnd type="arrow"/>
+          </a:ln>
+        </p:spPr>
+        <p:style>
+          <a:lnRef idx="1">
+            <a:schemeClr val="dk1"/>
+          </a:lnRef>
+          <a:fillRef idx="0">
+            <a:schemeClr val="dk1"/>
+          </a:fillRef>
+          <a:effectRef idx="0">
+            <a:schemeClr val="dk1"/>
+          </a:effectRef>
+          <a:fontRef idx="minor">
+            <a:schemeClr val="tx1"/>
+          </a:fontRef>
+        </p:style>
+      </p:cxnSp>
+      <p:sp>
+        <p:nvSpPr>
+          <p:cNvPr id="11" name="Diamond 10"/>
+          <p:cNvSpPr/>
+          <p:nvPr/>
+        </p:nvSpPr>
+        <p:spPr>
+          <a:xfrm>
+            <a:off x="4681200" y="1114675"/>
+            <a:ext cx="1905000" cy="1017757"/>
+          </a:xfrm>
+          <a:prstGeom prst="diamond">
+            <a:avLst/>
+          </a:prstGeom>
+        </p:spPr>
+        <p:style>
+          <a:lnRef idx="2">
+            <a:schemeClr val="accent2">
+              <a:shade val="50000"/>
+            </a:schemeClr>
+          </a:lnRef>
+          <a:fillRef idx="1">
+            <a:schemeClr val="accent2"/>
+          </a:fillRef>
+          <a:effectRef idx="0">
+            <a:schemeClr val="accent2"/>
+          </a:effectRef>
+          <a:fontRef idx="minor">
+            <a:schemeClr val="lt1"/>
+          </a:fontRef>
+        </p:style>
+        <p:txBody>
+          <a:bodyPr rtlCol="0" anchor="ctr"/>
+          <a:lstStyle/>
+          <a:p>
+            <a:pPr algn="ctr"/>
+            <a:r>
+              <a:rPr lang="zh-TW" altLang="en-US" dirty="0" smtClean="0">
+                <a:solidFill>
+                  <a:prstClr val="white"/>
+                </a:solidFill>
+              </a:rPr>
+              <a:t>火焰感測器偵測火源</a:t>
+            </a:r>
+            <a:endParaRPr lang="zh-TW" altLang="en-US" dirty="0">
+              <a:solidFill>
+                <a:prstClr val="white"/>
+              </a:solidFill>
+            </a:endParaRPr>
+          </a:p>
+        </p:txBody>
+      </p:sp>
+      <p:cxnSp>
+        <p:nvCxnSpPr>
+          <p:cNvPr id="12" name="Straight Arrow Connector 11"/>
+          <p:cNvCxnSpPr/>
+          <p:nvPr/>
+        </p:nvCxnSpPr>
+        <p:spPr>
+          <a:xfrm>
+            <a:off x="5630359" y="2142500"/>
+            <a:ext cx="11667" cy="226428"/>
+          </a:xfrm>
+          <a:prstGeom prst="straightConnector1">
+            <a:avLst/>
+          </a:prstGeom>
+          <a:ln w="28575">
+            <a:tailEnd type="arrow"/>
+          </a:ln>
+        </p:spPr>
+        <p:style>
+          <a:lnRef idx="1">
+            <a:schemeClr val="dk1"/>
+          </a:lnRef>
+          <a:fillRef idx="0">
+            <a:schemeClr val="dk1"/>
+          </a:fillRef>
+          <a:effectRef idx="0">
+            <a:schemeClr val="dk1"/>
+          </a:effectRef>
+          <a:fontRef idx="minor">
+            <a:schemeClr val="tx1"/>
+          </a:fontRef>
+        </p:style>
+      </p:cxnSp>
+      <p:sp>
+        <p:nvSpPr>
+          <p:cNvPr id="14" name="Rectangle 13"/>
+          <p:cNvSpPr/>
+          <p:nvPr/>
+        </p:nvSpPr>
+        <p:spPr>
+          <a:xfrm>
+            <a:off x="4700794" y="2378287"/>
+            <a:ext cx="1905000" cy="608010"/>
+          </a:xfrm>
+          <a:prstGeom prst="rect">
+            <a:avLst/>
+          </a:prstGeom>
+        </p:spPr>
+        <p:style>
+          <a:lnRef idx="2">
+            <a:schemeClr val="accent1">
+              <a:shade val="50000"/>
+            </a:schemeClr>
+          </a:lnRef>
+          <a:fillRef idx="1">
+            <a:schemeClr val="accent1"/>
+          </a:fillRef>
+          <a:effectRef idx="0">
+            <a:schemeClr val="accent1"/>
+          </a:effectRef>
+          <a:fontRef idx="minor">
+            <a:schemeClr val="lt1"/>
+          </a:fontRef>
+        </p:style>
+        <p:txBody>
+          <a:bodyPr rtlCol="0" anchor="ctr"/>
+          <a:lstStyle/>
+          <a:p>
+            <a:pPr algn="ctr"/>
+            <a:r>
+              <a:rPr lang="zh-TW" altLang="en-US" dirty="0" smtClean="0">
+                <a:solidFill>
+                  <a:prstClr val="white"/>
+                </a:solidFill>
+              </a:rPr>
+              <a:t>發布</a:t>
+            </a:r>
+            <a:r>
+              <a:rPr lang="en-US" altLang="zh-TW" dirty="0" smtClean="0">
+                <a:solidFill>
+                  <a:prstClr val="white"/>
+                </a:solidFill>
+              </a:rPr>
+              <a:t>”on”</a:t>
+            </a:r>
+            <a:r>
+              <a:rPr lang="zh-TW" altLang="en-US" dirty="0" smtClean="0">
+                <a:solidFill>
+                  <a:prstClr val="white"/>
+                </a:solidFill>
+              </a:rPr>
+              <a:t>至</a:t>
+            </a:r>
+            <a:r>
+              <a:rPr lang="en-US" altLang="zh-TW" dirty="0" smtClean="0">
+                <a:solidFill>
+                  <a:prstClr val="white"/>
+                </a:solidFill>
+              </a:rPr>
+              <a:t>MQTT</a:t>
+            </a:r>
+            <a:endParaRPr lang="zh-TW" altLang="en-US" dirty="0">
+              <a:solidFill>
+                <a:prstClr val="white"/>
+              </a:solidFill>
+            </a:endParaRPr>
+          </a:p>
+        </p:txBody>
+      </p:sp>
+      <p:sp>
+        <p:nvSpPr>
+          <p:cNvPr id="15" name="TextBox 14"/>
+          <p:cNvSpPr txBox="1"/>
+          <p:nvPr/>
+        </p:nvSpPr>
+        <p:spPr>
+          <a:xfrm>
+            <a:off x="3048106" y="2132432"/>
+            <a:ext cx="646331" cy="369332"/>
+          </a:xfrm>
+          <a:prstGeom prst="rect">
+            <a:avLst/>
+          </a:prstGeom>
+          <a:noFill/>
+        </p:spPr>
+        <p:txBody>
+          <a:bodyPr wrap="none" rtlCol="0">
+            <a:spAutoFit/>
+          </a:bodyPr>
+          <a:lstStyle/>
+          <a:p>
+            <a:r>
+              <a:rPr lang="zh-TW" altLang="en-US" dirty="0">
+                <a:solidFill>
+                  <a:prstClr val="black"/>
+                </a:solidFill>
+              </a:rPr>
+              <a:t>不遠</a:t>
+            </a:r>
+          </a:p>
+        </p:txBody>
+      </p:sp>
+      <p:sp>
+        <p:nvSpPr>
+          <p:cNvPr id="16" name="TextBox 15"/>
+          <p:cNvSpPr txBox="1"/>
+          <p:nvPr/>
+        </p:nvSpPr>
+        <p:spPr>
+          <a:xfrm>
+            <a:off x="4258564" y="1691833"/>
+            <a:ext cx="646331" cy="369332"/>
+          </a:xfrm>
+          <a:prstGeom prst="rect">
+            <a:avLst/>
+          </a:prstGeom>
+          <a:noFill/>
+        </p:spPr>
+        <p:txBody>
+          <a:bodyPr wrap="none" rtlCol="0">
+            <a:spAutoFit/>
+          </a:bodyPr>
+          <a:lstStyle/>
+          <a:p>
+            <a:r>
+              <a:rPr lang="zh-TW" altLang="en-US" dirty="0" smtClean="0">
+                <a:solidFill>
+                  <a:prstClr val="black"/>
+                </a:solidFill>
+              </a:rPr>
+              <a:t>很遠</a:t>
+            </a:r>
+            <a:endParaRPr lang="zh-TW" altLang="en-US" dirty="0">
+              <a:solidFill>
+                <a:prstClr val="black"/>
+              </a:solidFill>
+            </a:endParaRPr>
+          </a:p>
+        </p:txBody>
+      </p:sp>
+      <p:sp>
+        <p:nvSpPr>
+          <p:cNvPr id="17" name="TextBox 16"/>
+          <p:cNvSpPr txBox="1"/>
+          <p:nvPr/>
+        </p:nvSpPr>
+        <p:spPr>
+          <a:xfrm>
+            <a:off x="5642273" y="2061165"/>
+            <a:ext cx="646331" cy="369332"/>
+          </a:xfrm>
+          <a:prstGeom prst="rect">
+            <a:avLst/>
+          </a:prstGeom>
+          <a:noFill/>
+        </p:spPr>
+        <p:txBody>
+          <a:bodyPr wrap="none" rtlCol="0">
+            <a:spAutoFit/>
+          </a:bodyPr>
+          <a:lstStyle/>
+          <a:p>
+            <a:r>
+              <a:rPr lang="zh-TW" altLang="en-US" dirty="0" smtClean="0">
+                <a:solidFill>
+                  <a:prstClr val="black"/>
+                </a:solidFill>
+              </a:rPr>
+              <a:t>有火</a:t>
+            </a:r>
+            <a:endParaRPr lang="zh-TW" altLang="en-US" dirty="0">
+              <a:solidFill>
+                <a:prstClr val="black"/>
+              </a:solidFill>
+            </a:endParaRPr>
+          </a:p>
+        </p:txBody>
+      </p:sp>
+      <p:cxnSp>
+        <p:nvCxnSpPr>
+          <p:cNvPr id="21" name="Straight Arrow Connector 20"/>
+          <p:cNvCxnSpPr/>
+          <p:nvPr/>
+        </p:nvCxnSpPr>
+        <p:spPr>
+          <a:xfrm flipH="1">
+            <a:off x="3627480" y="881633"/>
+            <a:ext cx="7526" cy="216438"/>
+          </a:xfrm>
+          <a:prstGeom prst="straightConnector1">
+            <a:avLst/>
+          </a:prstGeom>
+          <a:ln w="28575">
+            <a:tailEnd type="arrow"/>
+          </a:ln>
+        </p:spPr>
+        <p:style>
+          <a:lnRef idx="1">
+            <a:schemeClr val="dk1"/>
+          </a:lnRef>
+          <a:fillRef idx="0">
+            <a:schemeClr val="dk1"/>
+          </a:fillRef>
+          <a:effectRef idx="0">
+            <a:schemeClr val="dk1"/>
+          </a:effectRef>
+          <a:fontRef idx="minor">
+            <a:schemeClr val="tx1"/>
+          </a:fontRef>
+        </p:style>
+      </p:cxnSp>
+      <p:sp>
+        <p:nvSpPr>
+          <p:cNvPr id="22" name="TextBox 21"/>
+          <p:cNvSpPr txBox="1"/>
+          <p:nvPr/>
+        </p:nvSpPr>
+        <p:spPr>
+          <a:xfrm>
+            <a:off x="5698060" y="753355"/>
+            <a:ext cx="646331" cy="369332"/>
+          </a:xfrm>
+          <a:prstGeom prst="rect">
+            <a:avLst/>
+          </a:prstGeom>
+          <a:noFill/>
+        </p:spPr>
+        <p:txBody>
+          <a:bodyPr wrap="none" rtlCol="0">
+            <a:spAutoFit/>
+          </a:bodyPr>
+          <a:lstStyle/>
+          <a:p>
+            <a:r>
+              <a:rPr lang="zh-TW" altLang="en-US" dirty="0">
+                <a:solidFill>
+                  <a:prstClr val="black"/>
+                </a:solidFill>
+              </a:rPr>
+              <a:t>無</a:t>
+            </a:r>
+            <a:r>
+              <a:rPr lang="zh-TW" altLang="en-US" dirty="0" smtClean="0">
+                <a:solidFill>
+                  <a:prstClr val="black"/>
+                </a:solidFill>
+              </a:rPr>
+              <a:t>火</a:t>
+            </a:r>
+            <a:endParaRPr lang="zh-TW" altLang="en-US" dirty="0">
+              <a:solidFill>
+                <a:prstClr val="black"/>
+              </a:solidFill>
+            </a:endParaRPr>
+          </a:p>
+        </p:txBody>
+      </p:sp>
+      <p:sp>
+        <p:nvSpPr>
+          <p:cNvPr id="18" name="Rectangle 13"/>
+          <p:cNvSpPr/>
+          <p:nvPr/>
+        </p:nvSpPr>
+        <p:spPr>
+          <a:xfrm>
+            <a:off x="4736767" y="4037386"/>
+            <a:ext cx="1905000" cy="495484"/>
+          </a:xfrm>
+          <a:prstGeom prst="rect">
+            <a:avLst/>
+          </a:prstGeom>
+        </p:spPr>
+        <p:style>
+          <a:lnRef idx="2">
+            <a:schemeClr val="accent1">
+              <a:shade val="50000"/>
+            </a:schemeClr>
+          </a:lnRef>
+          <a:fillRef idx="1">
+            <a:schemeClr val="accent1"/>
+          </a:fillRef>
+          <a:effectRef idx="0">
+            <a:schemeClr val="accent1"/>
+          </a:effectRef>
+          <a:fontRef idx="minor">
+            <a:schemeClr val="lt1"/>
+          </a:fontRef>
+        </p:style>
+        <p:txBody>
+          <a:bodyPr rtlCol="0" anchor="ctr"/>
+          <a:lstStyle/>
+          <a:p>
+            <a:pPr algn="ctr"/>
+            <a:r>
+              <a:rPr lang="zh-TW" altLang="en-US" dirty="0" smtClean="0">
+                <a:solidFill>
+                  <a:prstClr val="white"/>
+                </a:solidFill>
+              </a:rPr>
+              <a:t>從</a:t>
+            </a:r>
+            <a:r>
+              <a:rPr lang="en-US" altLang="zh-TW" dirty="0" smtClean="0">
+                <a:solidFill>
+                  <a:prstClr val="white"/>
+                </a:solidFill>
+              </a:rPr>
+              <a:t>MQTT</a:t>
+            </a:r>
+            <a:r>
+              <a:rPr lang="zh-TW" altLang="en-US" dirty="0" smtClean="0">
+                <a:solidFill>
+                  <a:prstClr val="white"/>
+                </a:solidFill>
+              </a:rPr>
+              <a:t>輸入</a:t>
+            </a:r>
+            <a:r>
+              <a:rPr lang="en-US" altLang="zh-TW" dirty="0" smtClean="0">
+                <a:solidFill>
+                  <a:prstClr val="white"/>
+                </a:solidFill>
+              </a:rPr>
+              <a:t>1</a:t>
+            </a:r>
+            <a:endParaRPr lang="zh-TW" altLang="en-US" dirty="0">
+              <a:solidFill>
+                <a:prstClr val="white"/>
+              </a:solidFill>
+            </a:endParaRPr>
+          </a:p>
+        </p:txBody>
+      </p:sp>
+      <p:cxnSp>
+        <p:nvCxnSpPr>
+          <p:cNvPr id="20" name="Straight Arrow Connector 11"/>
+          <p:cNvCxnSpPr/>
+          <p:nvPr/>
+        </p:nvCxnSpPr>
+        <p:spPr>
+          <a:xfrm>
+            <a:off x="5630359" y="2996365"/>
+            <a:ext cx="0" cy="198749"/>
+          </a:xfrm>
+          <a:prstGeom prst="straightConnector1">
+            <a:avLst/>
+          </a:prstGeom>
+          <a:ln w="28575">
+            <a:tailEnd type="arrow"/>
+          </a:ln>
+        </p:spPr>
+        <p:style>
+          <a:lnRef idx="1">
+            <a:schemeClr val="dk1"/>
+          </a:lnRef>
+          <a:fillRef idx="0">
+            <a:schemeClr val="dk1"/>
+          </a:fillRef>
+          <a:effectRef idx="0">
+            <a:schemeClr val="dk1"/>
+          </a:effectRef>
+          <a:fontRef idx="minor">
+            <a:schemeClr val="tx1"/>
+          </a:fontRef>
+        </p:style>
+      </p:cxnSp>
+      <p:sp>
+        <p:nvSpPr>
+          <p:cNvPr id="23" name="Rectangle 13"/>
+          <p:cNvSpPr/>
+          <p:nvPr/>
+        </p:nvSpPr>
+        <p:spPr>
+          <a:xfrm>
+            <a:off x="4677859" y="3220940"/>
+            <a:ext cx="1905000" cy="557481"/>
+          </a:xfrm>
+          <a:prstGeom prst="rect">
+            <a:avLst/>
+          </a:prstGeom>
+        </p:spPr>
+        <p:style>
+          <a:lnRef idx="2">
+            <a:schemeClr val="accent1">
+              <a:shade val="50000"/>
+            </a:schemeClr>
+          </a:lnRef>
+          <a:fillRef idx="1">
+            <a:schemeClr val="accent1"/>
+          </a:fillRef>
+          <a:effectRef idx="0">
+            <a:schemeClr val="accent1"/>
+          </a:effectRef>
+          <a:fontRef idx="minor">
+            <a:schemeClr val="lt1"/>
+          </a:fontRef>
+        </p:style>
+        <p:txBody>
+          <a:bodyPr rtlCol="0" anchor="ctr"/>
+          <a:lstStyle/>
+          <a:p>
+            <a:pPr algn="ctr"/>
+            <a:r>
+              <a:rPr lang="zh-TW" altLang="en-US" dirty="0">
+                <a:solidFill>
+                  <a:prstClr val="white"/>
+                </a:solidFill>
+              </a:rPr>
+              <a:t>傳送</a:t>
+            </a:r>
+            <a:r>
+              <a:rPr lang="en-US" altLang="zh-TW" dirty="0" smtClean="0">
+                <a:solidFill>
+                  <a:prstClr val="white"/>
+                </a:solidFill>
+              </a:rPr>
+              <a:t>”on”</a:t>
+            </a:r>
+            <a:r>
+              <a:rPr lang="zh-TW" altLang="en-US" dirty="0">
+                <a:solidFill>
+                  <a:prstClr val="white"/>
+                </a:solidFill>
+              </a:rPr>
+              <a:t>資料</a:t>
+            </a:r>
+            <a:r>
+              <a:rPr lang="zh-TW" altLang="en-US" dirty="0" smtClean="0">
+                <a:solidFill>
+                  <a:prstClr val="white"/>
+                </a:solidFill>
+              </a:rPr>
+              <a:t>至</a:t>
+            </a:r>
+            <a:r>
+              <a:rPr lang="en-US" altLang="zh-TW" dirty="0" err="1" smtClean="0">
+                <a:solidFill>
+                  <a:prstClr val="white"/>
+                </a:solidFill>
+              </a:rPr>
+              <a:t>ThingSpeak</a:t>
+            </a:r>
+            <a:endParaRPr lang="zh-TW" altLang="en-US" dirty="0">
+              <a:solidFill>
+                <a:prstClr val="white"/>
+              </a:solidFill>
+            </a:endParaRPr>
+          </a:p>
+        </p:txBody>
+      </p:sp>
+      <p:cxnSp>
+        <p:nvCxnSpPr>
+          <p:cNvPr id="24" name="Straight Arrow Connector 11"/>
+          <p:cNvCxnSpPr>
+            <a:stCxn id="23" idx="2"/>
+          </p:cNvCxnSpPr>
+          <p:nvPr/>
+        </p:nvCxnSpPr>
+        <p:spPr>
+          <a:xfrm>
+            <a:off x="5630359" y="3778421"/>
+            <a:ext cx="0" cy="260179"/>
+          </a:xfrm>
+          <a:prstGeom prst="straightConnector1">
+            <a:avLst/>
+          </a:prstGeom>
+          <a:ln w="28575">
+            <a:tailEnd type="arrow"/>
+          </a:ln>
+        </p:spPr>
+        <p:style>
+          <a:lnRef idx="1">
+            <a:schemeClr val="dk1"/>
+          </a:lnRef>
+          <a:fillRef idx="0">
+            <a:schemeClr val="dk1"/>
+          </a:fillRef>
+          <a:effectRef idx="0">
+            <a:schemeClr val="dk1"/>
+          </a:effectRef>
+          <a:fontRef idx="minor">
+            <a:schemeClr val="tx1"/>
+          </a:fontRef>
+        </p:style>
+      </p:cxnSp>
+      <p:cxnSp>
+        <p:nvCxnSpPr>
+          <p:cNvPr id="29" name="Straight Arrow Connector 11"/>
+          <p:cNvCxnSpPr>
+            <a:stCxn id="18" idx="2"/>
+          </p:cNvCxnSpPr>
+          <p:nvPr/>
+        </p:nvCxnSpPr>
+        <p:spPr>
+          <a:xfrm flipH="1">
+            <a:off x="5655831" y="4532870"/>
+            <a:ext cx="33436" cy="248586"/>
+          </a:xfrm>
+          <a:prstGeom prst="straightConnector1">
+            <a:avLst/>
+          </a:prstGeom>
+          <a:ln w="28575">
+            <a:tailEnd type="arrow"/>
+          </a:ln>
+        </p:spPr>
+        <p:style>
+          <a:lnRef idx="1">
+            <a:schemeClr val="dk1"/>
+          </a:lnRef>
+          <a:fillRef idx="0">
+            <a:schemeClr val="dk1"/>
+          </a:fillRef>
+          <a:effectRef idx="0">
+            <a:schemeClr val="dk1"/>
+          </a:effectRef>
+          <a:fontRef idx="minor">
+            <a:schemeClr val="tx1"/>
+          </a:fontRef>
+        </p:style>
+      </p:cxnSp>
+      <p:sp>
+        <p:nvSpPr>
+          <p:cNvPr id="32" name="Rectangle 13"/>
+          <p:cNvSpPr/>
+          <p:nvPr/>
+        </p:nvSpPr>
+        <p:spPr>
+          <a:xfrm>
+            <a:off x="4758668" y="5984098"/>
+            <a:ext cx="1905000" cy="557481"/>
+          </a:xfrm>
+          <a:prstGeom prst="rect">
+            <a:avLst/>
+          </a:prstGeom>
+        </p:spPr>
+        <p:style>
+          <a:lnRef idx="2">
+            <a:schemeClr val="accent1">
+              <a:shade val="50000"/>
+            </a:schemeClr>
+          </a:lnRef>
+          <a:fillRef idx="1">
+            <a:schemeClr val="accent1"/>
+          </a:fillRef>
+          <a:effectRef idx="0">
+            <a:schemeClr val="accent1"/>
+          </a:effectRef>
+          <a:fontRef idx="minor">
+            <a:schemeClr val="lt1"/>
+          </a:fontRef>
+        </p:style>
+        <p:txBody>
+          <a:bodyPr rtlCol="0" anchor="ctr"/>
+          <a:lstStyle/>
+          <a:p>
+            <a:pPr algn="ctr"/>
+            <a:r>
+              <a:rPr lang="zh-TW" altLang="en-US" dirty="0">
+                <a:solidFill>
+                  <a:prstClr val="white"/>
+                </a:solidFill>
+              </a:rPr>
+              <a:t>傳送</a:t>
+            </a:r>
+            <a:r>
+              <a:rPr lang="en-US" altLang="zh-TW" dirty="0" smtClean="0">
+                <a:solidFill>
+                  <a:prstClr val="white"/>
+                </a:solidFill>
+              </a:rPr>
+              <a:t>”off”</a:t>
+            </a:r>
+            <a:r>
+              <a:rPr lang="zh-TW" altLang="en-US" dirty="0">
+                <a:solidFill>
+                  <a:prstClr val="white"/>
+                </a:solidFill>
+              </a:rPr>
+              <a:t>資料</a:t>
+            </a:r>
+            <a:r>
+              <a:rPr lang="zh-TW" altLang="en-US" dirty="0" smtClean="0">
+                <a:solidFill>
+                  <a:prstClr val="white"/>
+                </a:solidFill>
+              </a:rPr>
+              <a:t>至</a:t>
+            </a:r>
+            <a:r>
+              <a:rPr lang="en-US" altLang="zh-TW" dirty="0" err="1" smtClean="0">
+                <a:solidFill>
+                  <a:prstClr val="white"/>
+                </a:solidFill>
+              </a:rPr>
+              <a:t>ThingSpeak</a:t>
+            </a:r>
+            <a:endParaRPr lang="zh-TW" altLang="en-US" dirty="0">
+              <a:solidFill>
+                <a:prstClr val="white"/>
+              </a:solidFill>
+            </a:endParaRPr>
+          </a:p>
+        </p:txBody>
+      </p:sp>
+      <p:cxnSp>
+        <p:nvCxnSpPr>
+          <p:cNvPr id="33" name="Straight Arrow Connector 11"/>
+          <p:cNvCxnSpPr/>
+          <p:nvPr/>
+        </p:nvCxnSpPr>
+        <p:spPr>
+          <a:xfrm flipH="1">
+            <a:off x="5630359" y="5679298"/>
+            <a:ext cx="22936" cy="304800"/>
+          </a:xfrm>
+          <a:prstGeom prst="straightConnector1">
+            <a:avLst/>
+          </a:prstGeom>
+          <a:ln w="28575">
+            <a:tailEnd type="arrow"/>
+          </a:ln>
+        </p:spPr>
+        <p:style>
+          <a:lnRef idx="1">
+            <a:schemeClr val="dk1"/>
+          </a:lnRef>
+          <a:fillRef idx="0">
+            <a:schemeClr val="dk1"/>
+          </a:fillRef>
+          <a:effectRef idx="0">
+            <a:schemeClr val="dk1"/>
+          </a:effectRef>
+          <a:fontRef idx="minor">
+            <a:schemeClr val="tx1"/>
+          </a:fontRef>
+        </p:style>
+      </p:cxnSp>
+      <p:sp>
+        <p:nvSpPr>
+          <p:cNvPr id="34" name="Rectangle 13"/>
+          <p:cNvSpPr/>
+          <p:nvPr/>
+        </p:nvSpPr>
+        <p:spPr>
+          <a:xfrm>
+            <a:off x="2844187" y="5991649"/>
+            <a:ext cx="1671989" cy="608010"/>
+          </a:xfrm>
+          <a:prstGeom prst="rect">
+            <a:avLst/>
+          </a:prstGeom>
+        </p:spPr>
+        <p:style>
+          <a:lnRef idx="2">
+            <a:schemeClr val="accent1">
+              <a:shade val="50000"/>
+            </a:schemeClr>
+          </a:lnRef>
+          <a:fillRef idx="1">
+            <a:schemeClr val="accent1"/>
+          </a:fillRef>
+          <a:effectRef idx="0">
+            <a:schemeClr val="accent1"/>
+          </a:effectRef>
+          <a:fontRef idx="minor">
+            <a:schemeClr val="lt1"/>
+          </a:fontRef>
+        </p:style>
+        <p:txBody>
+          <a:bodyPr rtlCol="0" anchor="ctr"/>
+          <a:lstStyle/>
+          <a:p>
+            <a:pPr algn="ctr"/>
+            <a:r>
+              <a:rPr lang="zh-TW" altLang="en-US" dirty="0" smtClean="0">
+                <a:solidFill>
+                  <a:prstClr val="white"/>
+                </a:solidFill>
+              </a:rPr>
+              <a:t>發布</a:t>
+            </a:r>
+            <a:r>
+              <a:rPr lang="en-US" altLang="zh-TW" dirty="0" smtClean="0">
+                <a:solidFill>
+                  <a:prstClr val="white"/>
+                </a:solidFill>
+              </a:rPr>
+              <a:t>”off”</a:t>
+            </a:r>
+            <a:r>
+              <a:rPr lang="zh-TW" altLang="en-US" dirty="0" smtClean="0">
+                <a:solidFill>
+                  <a:prstClr val="white"/>
+                </a:solidFill>
+              </a:rPr>
+              <a:t>至</a:t>
+            </a:r>
+            <a:r>
+              <a:rPr lang="en-US" altLang="zh-TW" dirty="0" smtClean="0">
+                <a:solidFill>
+                  <a:prstClr val="white"/>
+                </a:solidFill>
+              </a:rPr>
+              <a:t>MQTT</a:t>
+            </a:r>
+            <a:endParaRPr lang="zh-TW" altLang="en-US" dirty="0">
+              <a:solidFill>
+                <a:prstClr val="white"/>
+              </a:solidFill>
+            </a:endParaRPr>
+          </a:p>
+        </p:txBody>
+      </p:sp>
+      <p:cxnSp>
+        <p:nvCxnSpPr>
+          <p:cNvPr id="35" name="Straight Arrow Connector 5"/>
+          <p:cNvCxnSpPr/>
+          <p:nvPr/>
+        </p:nvCxnSpPr>
+        <p:spPr>
+          <a:xfrm flipV="1">
+            <a:off x="5630361" y="685800"/>
+            <a:ext cx="3339" cy="412273"/>
+          </a:xfrm>
+          <a:prstGeom prst="straightConnector1">
+            <a:avLst/>
+          </a:prstGeom>
+          <a:ln w="28575">
+            <a:tailEnd type="arrow"/>
+          </a:ln>
+        </p:spPr>
+        <p:style>
+          <a:lnRef idx="1">
+            <a:schemeClr val="dk1"/>
+          </a:lnRef>
+          <a:fillRef idx="0">
+            <a:schemeClr val="dk1"/>
+          </a:fillRef>
+          <a:effectRef idx="0">
+            <a:schemeClr val="dk1"/>
+          </a:effectRef>
+          <a:fontRef idx="minor">
+            <a:schemeClr val="tx1"/>
+          </a:fontRef>
+        </p:style>
+      </p:cxnSp>
+      <p:sp>
+        <p:nvSpPr>
+          <p:cNvPr id="40" name="Rectangle 6"/>
+          <p:cNvSpPr/>
+          <p:nvPr/>
+        </p:nvSpPr>
+        <p:spPr>
+          <a:xfrm>
+            <a:off x="3086836" y="123078"/>
+            <a:ext cx="2286000" cy="726725"/>
+          </a:xfrm>
+          <a:prstGeom prst="rect">
+            <a:avLst/>
+          </a:prstGeom>
+        </p:spPr>
+        <p:style>
+          <a:lnRef idx="2">
+            <a:schemeClr val="accent1">
+              <a:shade val="50000"/>
+            </a:schemeClr>
+          </a:lnRef>
+          <a:fillRef idx="1">
+            <a:schemeClr val="accent1"/>
+          </a:fillRef>
+          <a:effectRef idx="0">
+            <a:schemeClr val="accent1"/>
+          </a:effectRef>
+          <a:fontRef idx="minor">
+            <a:schemeClr val="lt1"/>
+          </a:fontRef>
+        </p:style>
+        <p:txBody>
+          <a:bodyPr rtlCol="0" anchor="ctr"/>
+          <a:lstStyle/>
+          <a:p>
+            <a:pPr algn="ctr"/>
+            <a:r>
+              <a:rPr lang="zh-TW" altLang="en-US" dirty="0">
+                <a:solidFill>
+                  <a:prstClr val="white"/>
+                </a:solidFill>
+              </a:rPr>
+              <a:t>超聲波</a:t>
+            </a:r>
+            <a:r>
+              <a:rPr lang="zh-TW" altLang="en-US" dirty="0" smtClean="0">
+                <a:solidFill>
+                  <a:prstClr val="white"/>
+                </a:solidFill>
+              </a:rPr>
+              <a:t>偵測周圍人</a:t>
+            </a:r>
+            <a:endParaRPr lang="en-US" altLang="zh-TW" dirty="0" smtClean="0">
+              <a:solidFill>
+                <a:prstClr val="white"/>
+              </a:solidFill>
+            </a:endParaRPr>
+          </a:p>
+        </p:txBody>
+      </p:sp>
+      <p:cxnSp>
+        <p:nvCxnSpPr>
+          <p:cNvPr id="51" name="Straight Arrow Connector 5"/>
+          <p:cNvCxnSpPr/>
+          <p:nvPr/>
+        </p:nvCxnSpPr>
+        <p:spPr>
+          <a:xfrm flipH="1" flipV="1">
+            <a:off x="2393020" y="6466229"/>
+            <a:ext cx="417908" cy="8272"/>
+          </a:xfrm>
+          <a:prstGeom prst="straightConnector1">
+            <a:avLst/>
+          </a:prstGeom>
+          <a:ln w="28575">
+            <a:tailEnd type="arrow"/>
+          </a:ln>
+        </p:spPr>
+        <p:style>
+          <a:lnRef idx="1">
+            <a:schemeClr val="dk1"/>
+          </a:lnRef>
+          <a:fillRef idx="0">
+            <a:schemeClr val="dk1"/>
+          </a:fillRef>
+          <a:effectRef idx="0">
+            <a:schemeClr val="dk1"/>
+          </a:effectRef>
+          <a:fontRef idx="minor">
+            <a:schemeClr val="tx1"/>
+          </a:fontRef>
+        </p:style>
+      </p:cxnSp>
+      <p:cxnSp>
+        <p:nvCxnSpPr>
+          <p:cNvPr id="58" name="Straight Arrow Connector 5"/>
+          <p:cNvCxnSpPr/>
+          <p:nvPr/>
+        </p:nvCxnSpPr>
+        <p:spPr>
+          <a:xfrm flipV="1">
+            <a:off x="2393020" y="495406"/>
+            <a:ext cx="84574" cy="5971518"/>
+          </a:xfrm>
+          <a:prstGeom prst="straightConnector1">
+            <a:avLst/>
+          </a:prstGeom>
+          <a:ln w="28575">
+            <a:tailEnd type="arrow"/>
+          </a:ln>
+        </p:spPr>
+        <p:style>
+          <a:lnRef idx="1">
+            <a:schemeClr val="dk1"/>
+          </a:lnRef>
+          <a:fillRef idx="0">
+            <a:schemeClr val="dk1"/>
+          </a:fillRef>
+          <a:effectRef idx="0">
+            <a:schemeClr val="dk1"/>
+          </a:effectRef>
+          <a:fontRef idx="minor">
+            <a:schemeClr val="tx1"/>
+          </a:fontRef>
+        </p:style>
+      </p:cxnSp>
+      <p:cxnSp>
+        <p:nvCxnSpPr>
+          <p:cNvPr id="62" name="Straight Arrow Connector 7"/>
+          <p:cNvCxnSpPr/>
+          <p:nvPr/>
+        </p:nvCxnSpPr>
+        <p:spPr>
+          <a:xfrm flipH="1" flipV="1">
+            <a:off x="2435307" y="2891936"/>
+            <a:ext cx="248902" cy="1166"/>
+          </a:xfrm>
+          <a:prstGeom prst="straightConnector1">
+            <a:avLst/>
+          </a:prstGeom>
+          <a:ln w="28575">
+            <a:tailEnd type="arrow"/>
+          </a:ln>
+        </p:spPr>
+        <p:style>
+          <a:lnRef idx="1">
+            <a:schemeClr val="dk1"/>
+          </a:lnRef>
+          <a:fillRef idx="0">
+            <a:schemeClr val="dk1"/>
+          </a:fillRef>
+          <a:effectRef idx="0">
+            <a:schemeClr val="dk1"/>
+          </a:effectRef>
+          <a:fontRef idx="minor">
+            <a:schemeClr val="tx1"/>
+          </a:fontRef>
+        </p:style>
+      </p:cxnSp>
+      <p:cxnSp>
+        <p:nvCxnSpPr>
+          <p:cNvPr id="65" name="Straight Arrow Connector 5"/>
+          <p:cNvCxnSpPr/>
+          <p:nvPr/>
+        </p:nvCxnSpPr>
+        <p:spPr>
+          <a:xfrm flipV="1">
+            <a:off x="2477594" y="514639"/>
+            <a:ext cx="609242" cy="11670"/>
+          </a:xfrm>
+          <a:prstGeom prst="straightConnector1">
+            <a:avLst/>
+          </a:prstGeom>
+          <a:ln w="28575">
+            <a:tailEnd type="arrow"/>
+          </a:ln>
+        </p:spPr>
+        <p:style>
+          <a:lnRef idx="1">
+            <a:schemeClr val="dk1"/>
+          </a:lnRef>
+          <a:fillRef idx="0">
+            <a:schemeClr val="dk1"/>
+          </a:fillRef>
+          <a:effectRef idx="0">
+            <a:schemeClr val="dk1"/>
+          </a:effectRef>
+          <a:fontRef idx="minor">
+            <a:schemeClr val="tx1"/>
+          </a:fontRef>
+        </p:style>
+      </p:cxnSp>
+      <p:sp>
+        <p:nvSpPr>
+          <p:cNvPr id="5" name="TextBox 4"/>
+          <p:cNvSpPr txBox="1"/>
+          <p:nvPr/>
+        </p:nvSpPr>
+        <p:spPr>
+          <a:xfrm>
+            <a:off x="688538" y="1611551"/>
+            <a:ext cx="1292662" cy="4122092"/>
+          </a:xfrm>
+          <a:prstGeom prst="rect">
+            <a:avLst/>
+          </a:prstGeom>
+          <a:noFill/>
+        </p:spPr>
+        <p:txBody>
+          <a:bodyPr vert="eaVert" wrap="square" rtlCol="0">
+            <a:spAutoFit/>
+          </a:bodyPr>
+          <a:lstStyle/>
+          <a:p>
+            <a:pPr algn="ctr"/>
+            <a:r>
+              <a:rPr lang="zh-TW" altLang="en-US" sz="7200" b="1" dirty="0" smtClean="0">
+                <a:solidFill>
+                  <a:srgbClr val="90C226"/>
+                </a:solidFill>
+              </a:rPr>
+              <a:t>手動</a:t>
+            </a:r>
+            <a:r>
+              <a:rPr lang="zh-TW" altLang="en-US" sz="7200" b="1" dirty="0">
+                <a:solidFill>
+                  <a:srgbClr val="90C226"/>
+                </a:solidFill>
+              </a:rPr>
+              <a:t>關閉</a:t>
+            </a:r>
+          </a:p>
+        </p:txBody>
+      </p:sp>
+      <p:cxnSp>
+        <p:nvCxnSpPr>
+          <p:cNvPr id="41" name="Straight Arrow Connector 5"/>
+          <p:cNvCxnSpPr/>
+          <p:nvPr/>
+        </p:nvCxnSpPr>
+        <p:spPr>
+          <a:xfrm flipH="1" flipV="1">
+            <a:off x="5372836" y="711165"/>
+            <a:ext cx="286506" cy="1"/>
+          </a:xfrm>
+          <a:prstGeom prst="straightConnector1">
+            <a:avLst/>
+          </a:prstGeom>
+          <a:ln w="28575">
+            <a:tailEnd type="arrow"/>
+          </a:ln>
+        </p:spPr>
+        <p:style>
+          <a:lnRef idx="1">
+            <a:schemeClr val="dk1"/>
+          </a:lnRef>
+          <a:fillRef idx="0">
+            <a:schemeClr val="dk1"/>
+          </a:fillRef>
+          <a:effectRef idx="0">
+            <a:schemeClr val="dk1"/>
+          </a:effectRef>
+          <a:fontRef idx="minor">
+            <a:schemeClr val="tx1"/>
+          </a:fontRef>
+        </p:style>
+      </p:cxnSp>
+      <p:sp>
+        <p:nvSpPr>
+          <p:cNvPr id="36" name="Rectangle 13"/>
+          <p:cNvSpPr/>
+          <p:nvPr/>
+        </p:nvSpPr>
+        <p:spPr>
+          <a:xfrm>
+            <a:off x="4775524" y="4770550"/>
+            <a:ext cx="1905000" cy="908748"/>
+          </a:xfrm>
+          <a:prstGeom prst="rect">
+            <a:avLst/>
+          </a:prstGeom>
+        </p:spPr>
+        <p:style>
+          <a:lnRef idx="2">
+            <a:schemeClr val="accent1">
+              <a:shade val="50000"/>
+            </a:schemeClr>
+          </a:lnRef>
+          <a:fillRef idx="1">
+            <a:schemeClr val="accent1"/>
+          </a:fillRef>
+          <a:effectRef idx="0">
+            <a:schemeClr val="accent1"/>
+          </a:effectRef>
+          <a:fontRef idx="minor">
+            <a:schemeClr val="lt1"/>
+          </a:fontRef>
+        </p:style>
+        <p:txBody>
+          <a:bodyPr rtlCol="0" anchor="ctr"/>
+          <a:lstStyle/>
+          <a:p>
+            <a:pPr algn="ctr"/>
+            <a:r>
+              <a:rPr lang="zh-TW" altLang="en-US" dirty="0" smtClean="0"/>
+              <a:t>電流通過</a:t>
+            </a:r>
+            <a:endParaRPr lang="en-US" altLang="zh-TW" dirty="0" smtClean="0"/>
+          </a:p>
+          <a:p>
+            <a:pPr algn="ctr"/>
+            <a:r>
+              <a:rPr lang="en-US" altLang="zh-TW" dirty="0" smtClean="0"/>
+              <a:t>SG90</a:t>
+            </a:r>
+            <a:r>
+              <a:rPr lang="zh-TW" altLang="en-US" dirty="0" smtClean="0"/>
+              <a:t>順時針</a:t>
+            </a:r>
+            <a:r>
+              <a:rPr lang="en-US" altLang="zh-TW" dirty="0" smtClean="0"/>
+              <a:t>180°C</a:t>
+            </a:r>
+            <a:r>
+              <a:rPr lang="zh-TW" altLang="en-US" dirty="0"/>
+              <a:t>，</a:t>
+            </a:r>
+            <a:r>
+              <a:rPr lang="zh-TW" altLang="en-US" dirty="0" smtClean="0"/>
+              <a:t>關瓦斯</a:t>
+            </a:r>
+            <a:endParaRPr lang="zh-TW" altLang="en-US" dirty="0"/>
+          </a:p>
+        </p:txBody>
+      </p:sp>
+      <p:cxnSp>
+        <p:nvCxnSpPr>
+          <p:cNvPr id="43" name="Straight Arrow Connector 11"/>
+          <p:cNvCxnSpPr/>
+          <p:nvPr/>
+        </p:nvCxnSpPr>
+        <p:spPr>
+          <a:xfrm flipH="1">
+            <a:off x="4512834" y="6295654"/>
+            <a:ext cx="187960" cy="0"/>
+          </a:xfrm>
+          <a:prstGeom prst="straightConnector1">
+            <a:avLst/>
+          </a:prstGeom>
+          <a:ln w="28575">
+            <a:tailEnd type="arrow"/>
+          </a:ln>
+        </p:spPr>
+        <p:style>
+          <a:lnRef idx="1">
+            <a:schemeClr val="dk1"/>
+          </a:lnRef>
+          <a:fillRef idx="0">
+            <a:schemeClr val="dk1"/>
+          </a:fillRef>
+          <a:effectRef idx="0">
+            <a:schemeClr val="dk1"/>
+          </a:effectRef>
+          <a:fontRef idx="minor">
+            <a:schemeClr val="tx1"/>
+          </a:fontRef>
+        </p:style>
+      </p:cxnSp>
+    </p:spTree>
+    <p:extLst>
+      <p:ext uri="{BB962C8B-B14F-4D97-AF65-F5344CB8AC3E}">
+        <p14:creationId xmlns:p14="http://schemas.microsoft.com/office/powerpoint/2010/main" val="3418999052"/>
+      </p:ext>
+    </p:extLst>
+  </p:cSld>
+  <p:clrMapOvr>
+    <a:masterClrMapping/>
+  </p:clrMapOvr>
+  <p:timing>
+    <p:tnLst>
+      <p:par>
+        <p:cTn id="1" dur="indefinite" restart="never" nodeType="tmRoot"/>
+      </p:par>
+    </p:tnLst>
+  </p:timing>
 </p:sld>
 </file>
 
@@ -8491,7 +10207,7 @@
   <a:extraClrSchemeLst/>
   <a:extLst>
     <a:ext uri="{05A4C25C-085E-4340-85A3-A5531E510DB2}">
-      <thm15:themeFamily xmlns:thm15="http://schemas.microsoft.com/office/thememl/2012/main" name="Facet" id="{C0C680CD-088A-49FC-A102-D699147F32B2}" vid="{CFBC31BA-B70F-4F30-BCAA-4F3011E16C4D}"/>
+      <thm15:themeFamily xmlns:thm15="http://schemas.microsoft.com/office/thememl/2012/main" xmlns="" name="Facet" id="{C0C680CD-088A-49FC-A102-D699147F32B2}" vid="{CFBC31BA-B70F-4F30-BCAA-4F3011E16C4D}"/>
     </a:ext>
   </a:extLst>
 </a:theme>

--- a/PPT/GasEmergenceSwitch.pptx
+++ b/PPT/GasEmergenceSwitch.pptx
@@ -112,7 +112,7 @@
   </p:defaultTextStyle>
   <p:extLst>
     <p:ext uri="{EFAFB233-063F-42B5-8137-9DF3F51BA10A}">
-      <p15:sldGuideLst xmlns:p15="http://schemas.microsoft.com/office/powerpoint/2012/main" xmlns="">
+      <p15:sldGuideLst xmlns:p15="http://schemas.microsoft.com/office/powerpoint/2012/main">
         <p15:guide id="1" orient="horz" pos="2160">
           <p15:clr>
             <a:srgbClr val="A4A3A4"/>
@@ -852,7 +852,7 @@
             <a:fld id="{1D8BD707-D9CF-40AE-B4C6-C98DA3205C09}" type="datetimeFigureOut">
               <a:rPr lang="en-US" smtClean="0"/>
               <a:pPr/>
-              <a:t>11/30/2022</a:t>
+              <a:t>12/1/2022</a:t>
             </a:fld>
             <a:endParaRPr lang="en-US"/>
           </a:p>
@@ -1105,7 +1105,7 @@
             <a:fld id="{1D8BD707-D9CF-40AE-B4C6-C98DA3205C09}" type="datetimeFigureOut">
               <a:rPr lang="en-US" smtClean="0"/>
               <a:pPr/>
-              <a:t>11/30/2022</a:t>
+              <a:t>12/1/2022</a:t>
             </a:fld>
             <a:endParaRPr lang="en-US"/>
           </a:p>
@@ -1421,7 +1421,7 @@
             <a:fld id="{1D8BD707-D9CF-40AE-B4C6-C98DA3205C09}" type="datetimeFigureOut">
               <a:rPr lang="en-US" smtClean="0"/>
               <a:pPr/>
-              <a:t>11/30/2022</a:t>
+              <a:t>12/1/2022</a:t>
             </a:fld>
             <a:endParaRPr lang="en-US"/>
           </a:p>
@@ -1764,7 +1764,7 @@
             <a:fld id="{1D8BD707-D9CF-40AE-B4C6-C98DA3205C09}" type="datetimeFigureOut">
               <a:rPr lang="en-US" smtClean="0"/>
               <a:pPr/>
-              <a:t>11/30/2022</a:t>
+              <a:t>12/1/2022</a:t>
             </a:fld>
             <a:endParaRPr lang="en-US"/>
           </a:p>
@@ -2080,7 +2080,7 @@
             <a:fld id="{1D8BD707-D9CF-40AE-B4C6-C98DA3205C09}" type="datetimeFigureOut">
               <a:rPr lang="en-US" smtClean="0"/>
               <a:pPr/>
-              <a:t>11/30/2022</a:t>
+              <a:t>12/1/2022</a:t>
             </a:fld>
             <a:endParaRPr lang="en-US"/>
           </a:p>
@@ -2475,7 +2475,7 @@
             <a:fld id="{1D8BD707-D9CF-40AE-B4C6-C98DA3205C09}" type="datetimeFigureOut">
               <a:rPr lang="en-US" smtClean="0"/>
               <a:pPr/>
-              <a:t>11/30/2022</a:t>
+              <a:t>12/1/2022</a:t>
             </a:fld>
             <a:endParaRPr lang="en-US"/>
           </a:p>
@@ -2647,7 +2647,7 @@
             <a:fld id="{1D8BD707-D9CF-40AE-B4C6-C98DA3205C09}" type="datetimeFigureOut">
               <a:rPr lang="en-US" smtClean="0"/>
               <a:pPr/>
-              <a:t>11/30/2022</a:t>
+              <a:t>12/1/2022</a:t>
             </a:fld>
             <a:endParaRPr lang="en-US"/>
           </a:p>
@@ -2829,7 +2829,7 @@
             <a:fld id="{1D8BD707-D9CF-40AE-B4C6-C98DA3205C09}" type="datetimeFigureOut">
               <a:rPr lang="en-US" smtClean="0"/>
               <a:pPr/>
-              <a:t>11/30/2022</a:t>
+              <a:t>12/1/2022</a:t>
             </a:fld>
             <a:endParaRPr lang="en-US"/>
           </a:p>
@@ -3007,7 +3007,7 @@
             <a:fld id="{1D8BD707-D9CF-40AE-B4C6-C98DA3205C09}" type="datetimeFigureOut">
               <a:rPr lang="en-US" smtClean="0"/>
               <a:pPr/>
-              <a:t>11/30/2022</a:t>
+              <a:t>12/1/2022</a:t>
             </a:fld>
             <a:endParaRPr lang="en-US"/>
           </a:p>
@@ -3256,7 +3256,7 @@
             <a:fld id="{1D8BD707-D9CF-40AE-B4C6-C98DA3205C09}" type="datetimeFigureOut">
               <a:rPr lang="en-US" smtClean="0"/>
               <a:pPr/>
-              <a:t>11/30/2022</a:t>
+              <a:t>12/1/2022</a:t>
             </a:fld>
             <a:endParaRPr lang="en-US"/>
           </a:p>
@@ -3490,7 +3490,7 @@
             <a:fld id="{1D8BD707-D9CF-40AE-B4C6-C98DA3205C09}" type="datetimeFigureOut">
               <a:rPr lang="en-US" smtClean="0"/>
               <a:pPr/>
-              <a:t>11/30/2022</a:t>
+              <a:t>12/1/2022</a:t>
             </a:fld>
             <a:endParaRPr lang="en-US"/>
           </a:p>
@@ -3866,7 +3866,7 @@
             <a:fld id="{1D8BD707-D9CF-40AE-B4C6-C98DA3205C09}" type="datetimeFigureOut">
               <a:rPr lang="en-US" smtClean="0"/>
               <a:pPr/>
-              <a:t>11/30/2022</a:t>
+              <a:t>12/1/2022</a:t>
             </a:fld>
             <a:endParaRPr lang="en-US"/>
           </a:p>
@@ -3991,7 +3991,7 @@
             <a:fld id="{1D8BD707-D9CF-40AE-B4C6-C98DA3205C09}" type="datetimeFigureOut">
               <a:rPr lang="en-US" smtClean="0"/>
               <a:pPr/>
-              <a:t>11/30/2022</a:t>
+              <a:t>12/1/2022</a:t>
             </a:fld>
             <a:endParaRPr lang="en-US"/>
           </a:p>
@@ -4088,7 +4088,7 @@
             <a:fld id="{1D8BD707-D9CF-40AE-B4C6-C98DA3205C09}" type="datetimeFigureOut">
               <a:rPr lang="en-US" smtClean="0"/>
               <a:pPr/>
-              <a:t>11/30/2022</a:t>
+              <a:t>12/1/2022</a:t>
             </a:fld>
             <a:endParaRPr lang="en-US"/>
           </a:p>
@@ -4345,7 +4345,7 @@
             <a:fld id="{1D8BD707-D9CF-40AE-B4C6-C98DA3205C09}" type="datetimeFigureOut">
               <a:rPr lang="en-US" smtClean="0"/>
               <a:pPr/>
-              <a:t>11/30/2022</a:t>
+              <a:t>12/1/2022</a:t>
             </a:fld>
             <a:endParaRPr lang="en-US"/>
           </a:p>
@@ -4610,7 +4610,7 @@
             <a:fld id="{1D8BD707-D9CF-40AE-B4C6-C98DA3205C09}" type="datetimeFigureOut">
               <a:rPr lang="en-US" smtClean="0"/>
               <a:pPr/>
-              <a:t>11/30/2022</a:t>
+              <a:t>12/1/2022</a:t>
             </a:fld>
             <a:endParaRPr lang="en-US"/>
           </a:p>
@@ -5355,7 +5355,7 @@
             <a:fld id="{1D8BD707-D9CF-40AE-B4C6-C98DA3205C09}" type="datetimeFigureOut">
               <a:rPr lang="en-US" smtClean="0"/>
               <a:pPr/>
-              <a:t>11/30/2022</a:t>
+              <a:t>12/1/2022</a:t>
             </a:fld>
             <a:endParaRPr lang="en-US"/>
           </a:p>
@@ -5918,10 +5918,48 @@
           <a:bodyPr/>
           <a:lstStyle/>
           <a:p>
-            <a:endParaRPr lang="zh-TW" altLang="en-US"/>
-          </a:p>
-        </p:txBody>
-      </p:sp>
+            <a:r>
+              <a:rPr lang="en-US" altLang="zh-TW" dirty="0" err="1" smtClean="0"/>
+              <a:t>IoT</a:t>
+            </a:r>
+            <a:r>
+              <a:rPr lang="zh-TW" altLang="en-US" dirty="0" smtClean="0"/>
+              <a:t>軟硬體整合實作班</a:t>
+            </a:r>
+            <a:endParaRPr lang="zh-TW" altLang="en-US" dirty="0"/>
+          </a:p>
+        </p:txBody>
+      </p:sp>
+      <p:pic>
+        <p:nvPicPr>
+          <p:cNvPr id="4" name="圖片 3"/>
+          <p:cNvPicPr>
+            <a:picLocks noChangeAspect="1"/>
+          </p:cNvPicPr>
+          <p:nvPr/>
+        </p:nvPicPr>
+        <p:blipFill>
+          <a:blip r:embed="rId2" cstate="print">
+            <a:extLst>
+              <a:ext uri="{28A0092B-C50C-407E-A947-70E740481C1C}">
+                <a14:useLocalDpi xmlns:a14="http://schemas.microsoft.com/office/drawing/2010/main" val="0"/>
+              </a:ext>
+            </a:extLst>
+          </a:blip>
+          <a:stretch>
+            <a:fillRect/>
+          </a:stretch>
+        </p:blipFill>
+        <p:spPr>
+          <a:xfrm>
+            <a:off x="3276600" y="4541594"/>
+            <a:ext cx="1165223" cy="1188199"/>
+          </a:xfrm>
+          <a:prstGeom prst="rect">
+            <a:avLst/>
+          </a:prstGeom>
+        </p:spPr>
+      </p:pic>
     </p:spTree>
     <p:extLst>
       <p:ext uri="{BB962C8B-B14F-4D97-AF65-F5344CB8AC3E}">
@@ -5998,6 +6036,66 @@
           </a:p>
         </p:txBody>
       </p:sp>
+      <p:pic>
+        <p:nvPicPr>
+          <p:cNvPr id="4" name="圖片 3"/>
+          <p:cNvPicPr>
+            <a:picLocks noChangeAspect="1"/>
+          </p:cNvPicPr>
+          <p:nvPr/>
+        </p:nvPicPr>
+        <p:blipFill>
+          <a:blip r:embed="rId2" cstate="print">
+            <a:extLst>
+              <a:ext uri="{28A0092B-C50C-407E-A947-70E740481C1C}">
+                <a14:useLocalDpi xmlns:a14="http://schemas.microsoft.com/office/drawing/2010/main" val="0"/>
+              </a:ext>
+            </a:extLst>
+          </a:blip>
+          <a:stretch>
+            <a:fillRect/>
+          </a:stretch>
+        </p:blipFill>
+        <p:spPr>
+          <a:xfrm>
+            <a:off x="2743200" y="3200400"/>
+            <a:ext cx="2342007" cy="2743200"/>
+          </a:xfrm>
+          <a:prstGeom prst="rect">
+            <a:avLst/>
+          </a:prstGeom>
+        </p:spPr>
+      </p:pic>
+      <p:pic>
+        <p:nvPicPr>
+          <p:cNvPr id="5" name="圖片 4"/>
+          <p:cNvPicPr>
+            <a:picLocks noChangeAspect="1"/>
+          </p:cNvPicPr>
+          <p:nvPr/>
+        </p:nvPicPr>
+        <p:blipFill>
+          <a:blip r:embed="rId3" cstate="print">
+            <a:extLst>
+              <a:ext uri="{28A0092B-C50C-407E-A947-70E740481C1C}">
+                <a14:useLocalDpi xmlns:a14="http://schemas.microsoft.com/office/drawing/2010/main" val="0"/>
+              </a:ext>
+            </a:extLst>
+          </a:blip>
+          <a:stretch>
+            <a:fillRect/>
+          </a:stretch>
+        </p:blipFill>
+        <p:spPr>
+          <a:xfrm>
+            <a:off x="2514600" y="2819400"/>
+            <a:ext cx="2667000" cy="2667000"/>
+          </a:xfrm>
+          <a:prstGeom prst="rect">
+            <a:avLst/>
+          </a:prstGeom>
+        </p:spPr>
+      </p:pic>
     </p:spTree>
     <p:extLst>
       <p:ext uri="{BB962C8B-B14F-4D97-AF65-F5344CB8AC3E}">
@@ -6082,6 +6180,36 @@
           </a:p>
         </p:txBody>
       </p:sp>
+      <p:pic>
+        <p:nvPicPr>
+          <p:cNvPr id="7" name="圖片 6"/>
+          <p:cNvPicPr>
+            <a:picLocks noChangeAspect="1"/>
+          </p:cNvPicPr>
+          <p:nvPr/>
+        </p:nvPicPr>
+        <p:blipFill>
+          <a:blip r:embed="rId2">
+            <a:extLst>
+              <a:ext uri="{28A0092B-C50C-407E-A947-70E740481C1C}">
+                <a14:useLocalDpi xmlns:a14="http://schemas.microsoft.com/office/drawing/2010/main" val="0"/>
+              </a:ext>
+            </a:extLst>
+          </a:blip>
+          <a:stretch>
+            <a:fillRect/>
+          </a:stretch>
+        </p:blipFill>
+        <p:spPr>
+          <a:xfrm>
+            <a:off x="1905000" y="2971800"/>
+            <a:ext cx="4001397" cy="3186112"/>
+          </a:xfrm>
+          <a:prstGeom prst="rect">
+            <a:avLst/>
+          </a:prstGeom>
+        </p:spPr>
+      </p:pic>
     </p:spTree>
     <p:extLst>
       <p:ext uri="{BB962C8B-B14F-4D97-AF65-F5344CB8AC3E}">
@@ -6135,39 +6263,6 @@
           </a:p>
         </p:txBody>
       </p:sp>
-      <p:cxnSp>
-        <p:nvCxnSpPr>
-          <p:cNvPr id="6" name="Straight Arrow Connector 5"/>
-          <p:cNvCxnSpPr/>
-          <p:nvPr/>
-        </p:nvCxnSpPr>
-        <p:spPr>
-          <a:xfrm>
-            <a:off x="2209800" y="2743200"/>
-            <a:ext cx="1219200" cy="914400"/>
-          </a:xfrm>
-          <a:prstGeom prst="straightConnector1">
-            <a:avLst/>
-          </a:prstGeom>
-          <a:ln w="76200">
-            <a:tailEnd type="arrow"/>
-          </a:ln>
-        </p:spPr>
-        <p:style>
-          <a:lnRef idx="1">
-            <a:schemeClr val="dk1"/>
-          </a:lnRef>
-          <a:fillRef idx="0">
-            <a:schemeClr val="dk1"/>
-          </a:fillRef>
-          <a:effectRef idx="0">
-            <a:schemeClr val="dk1"/>
-          </a:effectRef>
-          <a:fontRef idx="minor">
-            <a:schemeClr val="tx1"/>
-          </a:fontRef>
-        </p:style>
-      </p:cxnSp>
       <p:sp>
         <p:nvSpPr>
           <p:cNvPr id="7" name="Oval 6"/>
@@ -6237,13 +6332,13 @@
         </p:spPr>
         <p:style>
           <a:lnRef idx="1">
-            <a:schemeClr val="accent1"/>
+            <a:schemeClr val="accent2"/>
           </a:lnRef>
           <a:fillRef idx="2">
-            <a:schemeClr val="accent1"/>
+            <a:schemeClr val="accent2"/>
           </a:fillRef>
           <a:effectRef idx="1">
-            <a:schemeClr val="accent1"/>
+            <a:schemeClr val="accent2"/>
           </a:effectRef>
           <a:fontRef idx="minor">
             <a:schemeClr val="dk1"/>
@@ -6305,25 +6400,25 @@
         </p:nvCxnSpPr>
         <p:spPr>
           <a:xfrm flipH="1" flipV="1">
-            <a:off x="2277116" y="2425798"/>
-            <a:ext cx="1409003" cy="1165542"/>
+            <a:off x="2082845" y="2558618"/>
+            <a:ext cx="1432261" cy="1097411"/>
           </a:xfrm>
           <a:prstGeom prst="straightConnector1">
             <a:avLst/>
           </a:prstGeom>
-          <a:ln w="28575">
+          <a:ln w="57150">
             <a:tailEnd type="arrow"/>
           </a:ln>
         </p:spPr>
         <p:style>
           <a:lnRef idx="1">
-            <a:schemeClr val="dk1"/>
+            <a:schemeClr val="accent2"/>
           </a:lnRef>
           <a:fillRef idx="0">
-            <a:schemeClr val="dk1"/>
+            <a:schemeClr val="accent2"/>
           </a:fillRef>
           <a:effectRef idx="0">
-            <a:schemeClr val="dk1"/>
+            <a:schemeClr val="accent2"/>
           </a:effectRef>
           <a:fontRef idx="minor">
             <a:schemeClr val="tx1"/>
@@ -6352,7 +6447,7 @@
         </p:blipFill>
         <p:spPr>
           <a:xfrm>
-            <a:off x="2235926" y="6194757"/>
+            <a:off x="2085614" y="5947954"/>
             <a:ext cx="3455126" cy="587102"/>
           </a:xfrm>
           <a:prstGeom prst="rect">
@@ -6371,6 +6466,75 @@
         <p:blipFill>
           <a:blip r:embed="rId3" cstate="print">
             <a:extLst>
+              <a:ext uri="{BEBA8EAE-BF5A-486C-A8C5-ECC9F3942E4B}">
+                <a14:imgProps xmlns:a14="http://schemas.microsoft.com/office/drawing/2010/main">
+                  <a14:imgLayer r:embed="rId4">
+                    <a14:imgEffect>
+                      <a14:backgroundRemoval t="0" b="97665" l="3158" r="96316">
+                        <a14:foregroundMark x1="37895" y1="8560" x2="37895" y2="8560"/>
+                        <a14:foregroundMark x1="37895" y1="10117" x2="37895" y2="10117"/>
+                        <a14:foregroundMark x1="58947" y1="15175" x2="58947" y2="15175"/>
+                        <a14:foregroundMark x1="62105" y1="14397" x2="62105" y2="14397"/>
+                        <a14:foregroundMark x1="48947" y1="13619" x2="28947" y2="10895"/>
+                        <a14:foregroundMark x1="27895" y1="10895" x2="27895" y2="10895"/>
+                        <a14:foregroundMark x1="30000" y1="11673" x2="42632" y2="13619"/>
+                        <a14:foregroundMark x1="42632" y1="13619" x2="42632" y2="13619"/>
+                        <a14:foregroundMark x1="48947" y1="15953" x2="53158" y2="17510"/>
+                        <a14:foregroundMark x1="57895" y1="19066" x2="63158" y2="17510"/>
+                        <a14:foregroundMark x1="67895" y1="15175" x2="73158" y2="11673"/>
+                        <a14:foregroundMark x1="73158" y1="11673" x2="73158" y2="11673"/>
+                        <a14:foregroundMark x1="73158" y1="10117" x2="73158" y2="10117"/>
+                        <a14:foregroundMark x1="65789" y1="6226" x2="52105" y2="6226"/>
+                        <a14:foregroundMark x1="27895" y1="7782" x2="15789" y2="10895"/>
+                        <a14:foregroundMark x1="12632" y1="12840" x2="12632" y2="12840"/>
+                        <a14:foregroundMark x1="17895" y1="14397" x2="27895" y2="15175"/>
+                        <a14:foregroundMark x1="33684" y1="15175" x2="38947" y2="16732"/>
+                        <a14:foregroundMark x1="43684" y1="17510" x2="53158" y2="19066"/>
+                        <a14:foregroundMark x1="61053" y1="19066" x2="61053" y2="19066"/>
+                        <a14:foregroundMark x1="77895" y1="13619" x2="77895" y2="13619"/>
+                        <a14:foregroundMark x1="82105" y1="14397" x2="82105" y2="14397"/>
+                        <a14:foregroundMark x1="86316" y1="10895" x2="86316" y2="10895"/>
+                        <a14:foregroundMark x1="88947" y1="8560" x2="88947" y2="8560"/>
+                        <a14:foregroundMark x1="85263" y1="2724" x2="85263" y2="2724"/>
+                        <a14:foregroundMark x1="82105" y1="3502" x2="82105" y2="3502"/>
+                        <a14:foregroundMark x1="82105" y1="14397" x2="82105" y2="14397"/>
+                        <a14:foregroundMark x1="14737" y1="10117" x2="14737" y2="10117"/>
+                        <a14:foregroundMark x1="26842" y1="29961" x2="26842" y2="29961"/>
+                        <a14:foregroundMark x1="21579" y1="33852" x2="21579" y2="33852"/>
+                        <a14:foregroundMark x1="13684" y1="30739" x2="22632" y2="32296"/>
+                        <a14:foregroundMark x1="36842" y1="33074" x2="36842" y2="33074"/>
+                        <a14:foregroundMark x1="44737" y1="33852" x2="52105" y2="33852"/>
+                        <a14:foregroundMark x1="57895" y1="33852" x2="64211" y2="33852"/>
+                        <a14:foregroundMark x1="44737" y1="55253" x2="44737" y2="55253"/>
+                        <a14:foregroundMark x1="43684" y1="55253" x2="43684" y2="55253"/>
+                        <a14:foregroundMark x1="43684" y1="55253" x2="38947" y2="56031"/>
+                        <a14:foregroundMark x1="23684" y1="53307" x2="23684" y2="53307"/>
+                        <a14:foregroundMark x1="10526" y1="48638" x2="10526" y2="48638"/>
+                        <a14:foregroundMark x1="16842" y1="48638" x2="30000" y2="49416"/>
+                        <a14:foregroundMark x1="47895" y1="50195" x2="47895" y2="50195"/>
+                        <a14:foregroundMark x1="55789" y1="49416" x2="62105" y2="49416"/>
+                        <a14:foregroundMark x1="68947" y1="49416" x2="68947" y2="49416"/>
+                        <a14:foregroundMark x1="51053" y1="74708" x2="51053" y2="74708"/>
+                        <a14:foregroundMark x1="51053" y1="74708" x2="51053" y2="74708"/>
+                        <a14:foregroundMark x1="27895" y1="70428" x2="27895" y2="70428"/>
+                        <a14:foregroundMark x1="22632" y1="70428" x2="22632" y2="70428"/>
+                        <a14:foregroundMark x1="14737" y1="64202" x2="14737" y2="64202"/>
+                        <a14:foregroundMark x1="14737" y1="64202" x2="14737" y2="64202"/>
+                        <a14:foregroundMark x1="14737" y1="64202" x2="14737" y2="64202"/>
+                        <a14:foregroundMark x1="36842" y1="67315" x2="61053" y2="68872"/>
+                        <a14:foregroundMark x1="66842" y1="68872" x2="66842" y2="68872"/>
+                        <a14:foregroundMark x1="72105" y1="68093" x2="77895" y2="67315"/>
+                        <a14:foregroundMark x1="86316" y1="65759" x2="86316" y2="65759"/>
+                        <a14:foregroundMark x1="10526" y1="87938" x2="10526" y2="87938"/>
+                        <a14:foregroundMark x1="10526" y1="87938" x2="13684" y2="87938"/>
+                        <a14:foregroundMark x1="24737" y1="88716" x2="32632" y2="88716"/>
+                        <a14:foregroundMark x1="32632" y1="88716" x2="58947" y2="88716"/>
+                        <a14:foregroundMark x1="64211" y1="88716" x2="64211" y2="88716"/>
+                      </a14:backgroundRemoval>
+                    </a14:imgEffect>
+                  </a14:imgLayer>
+                </a14:imgProps>
+              </a:ext>
               <a:ext uri="{28A0092B-C50C-407E-A947-70E740481C1C}">
                 <a14:useLocalDpi xmlns:a14="http://schemas.microsoft.com/office/drawing/2010/main" val="0"/>
               </a:ext>
@@ -6382,7 +6546,7 @@
         </p:blipFill>
         <p:spPr>
           <a:xfrm>
-            <a:off x="5691052" y="5791200"/>
+            <a:off x="5631269" y="5630091"/>
             <a:ext cx="788445" cy="1066800"/>
           </a:xfrm>
           <a:prstGeom prst="rect">
@@ -6421,70 +6585,37 @@
       </p:sp>
       <p:cxnSp>
         <p:nvCxnSpPr>
-          <p:cNvPr id="17" name="Straight Arrow Connector 16"/>
+          <p:cNvPr id="21" name="Straight Arrow Connector 20"/>
           <p:cNvCxnSpPr/>
           <p:nvPr/>
         </p:nvCxnSpPr>
         <p:spPr>
-          <a:xfrm flipV="1">
-            <a:off x="5044646" y="3008569"/>
-            <a:ext cx="792892" cy="1001908"/>
+          <a:xfrm flipH="1">
+            <a:off x="4815979" y="2911374"/>
+            <a:ext cx="762001" cy="990600"/>
           </a:xfrm>
           <a:prstGeom prst="straightConnector1">
             <a:avLst/>
           </a:prstGeom>
-          <a:ln w="76200">
+          <a:ln w="57150">
             <a:tailEnd type="arrow"/>
           </a:ln>
         </p:spPr>
         <p:style>
           <a:lnRef idx="1">
-            <a:schemeClr val="dk1"/>
+            <a:schemeClr val="accent2"/>
           </a:lnRef>
           <a:fillRef idx="0">
-            <a:schemeClr val="dk1"/>
+            <a:schemeClr val="accent2"/>
           </a:fillRef>
           <a:effectRef idx="0">
-            <a:schemeClr val="dk1"/>
+            <a:schemeClr val="accent2"/>
           </a:effectRef>
           <a:fontRef idx="minor">
             <a:schemeClr val="tx1"/>
           </a:fontRef>
         </p:style>
       </p:cxnSp>
-      <p:cxnSp>
-        <p:nvCxnSpPr>
-          <p:cNvPr id="21" name="Straight Arrow Connector 20"/>
-          <p:cNvCxnSpPr/>
-          <p:nvPr/>
-        </p:nvCxnSpPr>
-        <p:spPr>
-          <a:xfrm flipH="1">
-            <a:off x="4815979" y="2911374"/>
-            <a:ext cx="762001" cy="990600"/>
-          </a:xfrm>
-          <a:prstGeom prst="straightConnector1">
-            <a:avLst/>
-          </a:prstGeom>
-          <a:ln w="28575">
-            <a:tailEnd type="arrow"/>
-          </a:ln>
-        </p:spPr>
-        <p:style>
-          <a:lnRef idx="1">
-            <a:schemeClr val="dk1"/>
-          </a:lnRef>
-          <a:fillRef idx="0">
-            <a:schemeClr val="dk1"/>
-          </a:fillRef>
-          <a:effectRef idx="0">
-            <a:schemeClr val="dk1"/>
-          </a:effectRef>
-          <a:fontRef idx="minor">
-            <a:schemeClr val="tx1"/>
-          </a:fontRef>
-        </p:style>
-      </p:cxnSp>
       <p:sp>
         <p:nvSpPr>
           <p:cNvPr id="25" name="文字方塊 17"/>
@@ -6530,19 +6661,17 @@
           </a:prstGeom>
         </p:spPr>
         <p:style>
-          <a:lnRef idx="2">
-            <a:schemeClr val="dk1">
-              <a:shade val="50000"/>
-            </a:schemeClr>
+          <a:lnRef idx="1">
+            <a:schemeClr val="accent1"/>
           </a:lnRef>
-          <a:fillRef idx="1">
-            <a:schemeClr val="dk1"/>
+          <a:fillRef idx="2">
+            <a:schemeClr val="accent1"/>
           </a:fillRef>
-          <a:effectRef idx="0">
-            <a:schemeClr val="dk1"/>
+          <a:effectRef idx="1">
+            <a:schemeClr val="accent1"/>
           </a:effectRef>
           <a:fontRef idx="minor">
-            <a:schemeClr val="lt1"/>
+            <a:schemeClr val="dk1"/>
           </a:fontRef>
         </p:style>
         <p:txBody>
@@ -6563,11 +6692,11 @@
           <p:nvPr/>
         </p:nvPicPr>
         <p:blipFill>
-          <a:blip r:embed="rId4">
+          <a:blip r:embed="rId5">
             <a:extLst>
               <a:ext uri="{BEBA8EAE-BF5A-486C-A8C5-ECC9F3942E4B}">
                 <a14:imgProps xmlns:a14="http://schemas.microsoft.com/office/drawing/2010/main">
-                  <a14:imgLayer r:embed="rId5">
+                  <a14:imgLayer r:embed="rId6">
                     <a14:imgEffect>
                       <a14:backgroundRemoval t="5952" b="99603" l="3889" r="93889">
                         <a14:foregroundMark x1="47778" y1="99603" x2="47778" y2="96032"/>
@@ -6680,11 +6809,11 @@
           <p:nvPr/>
         </p:nvPicPr>
         <p:blipFill>
-          <a:blip r:embed="rId6">
+          <a:blip r:embed="rId7">
             <a:extLst>
               <a:ext uri="{BEBA8EAE-BF5A-486C-A8C5-ECC9F3942E4B}">
                 <a14:imgProps xmlns:a14="http://schemas.microsoft.com/office/drawing/2010/main">
-                  <a14:imgLayer r:embed="rId7">
+                  <a14:imgLayer r:embed="rId8">
                     <a14:imgEffect>
                       <a14:backgroundRemoval t="3101" b="95736" l="0" r="95133"/>
                     </a14:imgEffect>
@@ -6719,11 +6848,11 @@
           <p:nvPr/>
         </p:nvPicPr>
         <p:blipFill>
-          <a:blip r:embed="rId8">
+          <a:blip r:embed="rId9">
             <a:extLst>
               <a:ext uri="{BEBA8EAE-BF5A-486C-A8C5-ECC9F3942E4B}">
                 <a14:imgProps xmlns:a14="http://schemas.microsoft.com/office/drawing/2010/main">
-                  <a14:imgLayer r:embed="rId9">
+                  <a14:imgLayer r:embed="rId10">
                     <a14:imgEffect>
                       <a14:backgroundRemoval t="2825" b="97458" l="1875" r="95313"/>
                     </a14:imgEffect>
@@ -6807,6 +6936,74 @@
           </a:p>
         </p:txBody>
       </p:sp>
+      <p:cxnSp>
+        <p:nvCxnSpPr>
+          <p:cNvPr id="19" name="Straight Arrow Connector 16"/>
+          <p:cNvCxnSpPr>
+            <a:endCxn id="8" idx="1"/>
+          </p:cNvCxnSpPr>
+          <p:nvPr/>
+        </p:nvCxnSpPr>
+        <p:spPr>
+          <a:xfrm>
+            <a:off x="2106188" y="2908924"/>
+            <a:ext cx="1003352" cy="863854"/>
+          </a:xfrm>
+          <a:prstGeom prst="straightConnector1">
+            <a:avLst/>
+          </a:prstGeom>
+          <a:ln w="38100">
+            <a:tailEnd type="arrow"/>
+          </a:ln>
+        </p:spPr>
+        <p:style>
+          <a:lnRef idx="1">
+            <a:schemeClr val="accent1"/>
+          </a:lnRef>
+          <a:fillRef idx="0">
+            <a:schemeClr val="accent1"/>
+          </a:fillRef>
+          <a:effectRef idx="0">
+            <a:schemeClr val="accent1"/>
+          </a:effectRef>
+          <a:fontRef idx="minor">
+            <a:schemeClr val="tx1"/>
+          </a:fontRef>
+        </p:style>
+      </p:cxnSp>
+      <p:cxnSp>
+        <p:nvCxnSpPr>
+          <p:cNvPr id="22" name="Straight Arrow Connector 16"/>
+          <p:cNvCxnSpPr/>
+          <p:nvPr/>
+        </p:nvCxnSpPr>
+        <p:spPr>
+          <a:xfrm flipV="1">
+            <a:off x="5081922" y="3023895"/>
+            <a:ext cx="861678" cy="1051972"/>
+          </a:xfrm>
+          <a:prstGeom prst="straightConnector1">
+            <a:avLst/>
+          </a:prstGeom>
+          <a:ln w="38100">
+            <a:tailEnd type="arrow"/>
+          </a:ln>
+        </p:spPr>
+        <p:style>
+          <a:lnRef idx="1">
+            <a:schemeClr val="accent1"/>
+          </a:lnRef>
+          <a:fillRef idx="0">
+            <a:schemeClr val="accent1"/>
+          </a:fillRef>
+          <a:effectRef idx="0">
+            <a:schemeClr val="accent1"/>
+          </a:effectRef>
+          <a:fontRef idx="minor">
+            <a:schemeClr val="tx1"/>
+          </a:fontRef>
+        </p:style>
+      </p:cxnSp>
     </p:spTree>
     <p:extLst>
       <p:ext uri="{BB962C8B-B14F-4D97-AF65-F5344CB8AC3E}">
@@ -7205,21 +7402,53 @@
           </a:p>
         </p:txBody>
       </p:sp>
+      <p:sp>
+        <p:nvSpPr>
+          <p:cNvPr id="17" name="TextBox 16"/>
+          <p:cNvSpPr txBox="1"/>
+          <p:nvPr/>
+        </p:nvSpPr>
+        <p:spPr>
+          <a:xfrm>
+            <a:off x="2669548" y="5225534"/>
+            <a:ext cx="640034" cy="369332"/>
+          </a:xfrm>
+          <a:prstGeom prst="rect">
+            <a:avLst/>
+          </a:prstGeom>
+          <a:noFill/>
+        </p:spPr>
+        <p:txBody>
+          <a:bodyPr wrap="square" rtlCol="0">
+            <a:spAutoFit/>
+          </a:bodyPr>
+          <a:lstStyle/>
+          <a:p>
+            <a:r>
+              <a:rPr lang="en-US" altLang="zh-TW" dirty="0" smtClean="0"/>
+              <a:t>SPI</a:t>
+            </a:r>
+          </a:p>
+        </p:txBody>
+      </p:sp>
       <p:cxnSp>
         <p:nvCxnSpPr>
-          <p:cNvPr id="16" name="Straight Arrow Connector 15"/>
+          <p:cNvPr id="15" name="Straight Arrow Connector 12"/>
           <p:cNvCxnSpPr/>
           <p:nvPr/>
         </p:nvCxnSpPr>
         <p:spPr>
           <a:xfrm flipH="1">
-            <a:off x="2362200" y="4953000"/>
-            <a:ext cx="533400" cy="457200"/>
+            <a:off x="2209800" y="4818279"/>
+            <a:ext cx="457200" cy="896721"/>
           </a:xfrm>
           <a:prstGeom prst="straightConnector1">
             <a:avLst/>
           </a:prstGeom>
           <a:ln w="28575">
+            <a:solidFill>
+              <a:schemeClr val="tx1"/>
+            </a:solidFill>
             <a:headEnd type="arrow"/>
             <a:tailEnd type="arrow"/>
           </a:ln>
@@ -7239,35 +7468,6 @@
           </a:fontRef>
         </p:style>
       </p:cxnSp>
-      <p:sp>
-        <p:nvSpPr>
-          <p:cNvPr id="17" name="TextBox 16"/>
-          <p:cNvSpPr txBox="1"/>
-          <p:nvPr/>
-        </p:nvSpPr>
-        <p:spPr>
-          <a:xfrm>
-            <a:off x="2669548" y="5225534"/>
-            <a:ext cx="640034" cy="369332"/>
-          </a:xfrm>
-          <a:prstGeom prst="rect">
-            <a:avLst/>
-          </a:prstGeom>
-          <a:noFill/>
-        </p:spPr>
-        <p:txBody>
-          <a:bodyPr wrap="square" rtlCol="0">
-            <a:spAutoFit/>
-          </a:bodyPr>
-          <a:lstStyle/>
-          <a:p>
-            <a:r>
-              <a:rPr lang="en-US" altLang="zh-TW" dirty="0" smtClean="0"/>
-              <a:t>SPI</a:t>
-            </a:r>
-          </a:p>
-        </p:txBody>
-      </p:sp>
     </p:spTree>
     <p:extLst>
       <p:ext uri="{BB962C8B-B14F-4D97-AF65-F5344CB8AC3E}">
@@ -7386,6 +7586,11 @@
             <a:avLst/>
           </a:prstGeom>
           <a:ln w="28575">
+            <a:solidFill>
+              <a:schemeClr val="tx1">
+                <a:lumMod val="95000"/>
+              </a:schemeClr>
+            </a:solidFill>
             <a:tailEnd type="arrow"/>
           </a:ln>
         </p:spPr>
@@ -7471,6 +7676,11 @@
             <a:avLst/>
           </a:prstGeom>
           <a:ln w="28575">
+            <a:solidFill>
+              <a:schemeClr val="tx1">
+                <a:lumMod val="95000"/>
+              </a:schemeClr>
+            </a:solidFill>
             <a:tailEnd type="arrow"/>
           </a:ln>
         </p:spPr>
@@ -7548,6 +7758,11 @@
             <a:avLst/>
           </a:prstGeom>
           <a:ln w="28575">
+            <a:solidFill>
+              <a:schemeClr val="tx1">
+                <a:lumMod val="95000"/>
+              </a:schemeClr>
+            </a:solidFill>
             <a:tailEnd type="arrow"/>
           </a:ln>
         </p:spPr>
@@ -7630,7 +7845,7 @@
         </p:nvSpPr>
         <p:spPr>
           <a:xfrm>
-            <a:off x="3048106" y="2132432"/>
+            <a:off x="2991228" y="2132432"/>
             <a:ext cx="646331" cy="369332"/>
           </a:xfrm>
           <a:prstGeom prst="rect">
@@ -7726,6 +7941,11 @@
             <a:avLst/>
           </a:prstGeom>
           <a:ln w="28575">
+            <a:solidFill>
+              <a:schemeClr val="tx1">
+                <a:lumMod val="95000"/>
+              </a:schemeClr>
+            </a:solidFill>
             <a:tailEnd type="arrow"/>
           </a:ln>
         </p:spPr>
@@ -7861,6 +8081,11 @@
             <a:avLst/>
           </a:prstGeom>
           <a:ln w="28575">
+            <a:solidFill>
+              <a:schemeClr val="tx1">
+                <a:lumMod val="95000"/>
+              </a:schemeClr>
+            </a:solidFill>
             <a:tailEnd type="arrow"/>
           </a:ln>
         </p:spPr>
@@ -7956,6 +8181,11 @@
             <a:avLst/>
           </a:prstGeom>
           <a:ln w="28575">
+            <a:solidFill>
+              <a:schemeClr val="tx1">
+                <a:lumMod val="95000"/>
+              </a:schemeClr>
+            </a:solidFill>
             <a:tailEnd type="arrow"/>
           </a:ln>
         </p:spPr>
@@ -8027,6 +8257,11 @@
             <a:avLst/>
           </a:prstGeom>
           <a:ln w="28575">
+            <a:solidFill>
+              <a:schemeClr val="tx1">
+                <a:lumMod val="95000"/>
+              </a:schemeClr>
+            </a:solidFill>
             <a:tailEnd type="arrow"/>
           </a:ln>
         </p:spPr>
@@ -8120,6 +8355,11 @@
             <a:avLst/>
           </a:prstGeom>
           <a:ln w="28575">
+            <a:solidFill>
+              <a:schemeClr val="tx1">
+                <a:lumMod val="95000"/>
+              </a:schemeClr>
+            </a:solidFill>
             <a:tailEnd type="arrow"/>
           </a:ln>
         </p:spPr>
@@ -8209,6 +8449,11 @@
             <a:avLst/>
           </a:prstGeom>
           <a:ln w="28575">
+            <a:solidFill>
+              <a:schemeClr val="tx1">
+                <a:lumMod val="95000"/>
+              </a:schemeClr>
+            </a:solidFill>
             <a:tailEnd type="arrow"/>
           </a:ln>
         </p:spPr>
@@ -8290,6 +8535,11 @@
             <a:avLst/>
           </a:prstGeom>
           <a:ln w="28575">
+            <a:solidFill>
+              <a:schemeClr val="tx1">
+                <a:lumMod val="95000"/>
+              </a:schemeClr>
+            </a:solidFill>
             <a:tailEnd type="arrow"/>
           </a:ln>
         </p:spPr>
@@ -8323,6 +8573,9 @@
             <a:avLst/>
           </a:prstGeom>
           <a:ln w="28575">
+            <a:solidFill>
+              <a:schemeClr val="tx1"/>
+            </a:solidFill>
             <a:tailEnd type="arrow"/>
           </a:ln>
         </p:spPr>
@@ -8356,6 +8609,11 @@
             <a:avLst/>
           </a:prstGeom>
           <a:ln w="28575">
+            <a:solidFill>
+              <a:schemeClr val="tx1">
+                <a:lumMod val="95000"/>
+              </a:schemeClr>
+            </a:solidFill>
             <a:tailEnd type="arrow"/>
           </a:ln>
         </p:spPr>
@@ -8389,6 +8647,11 @@
             <a:avLst/>
           </a:prstGeom>
           <a:ln w="28575">
+            <a:solidFill>
+              <a:schemeClr val="tx1">
+                <a:lumMod val="95000"/>
+              </a:schemeClr>
+            </a:solidFill>
             <a:tailEnd type="arrow"/>
           </a:ln>
         </p:spPr>
@@ -8441,14 +8704,6 @@
               </a:rPr>
               <a:t>自動關閉</a:t>
             </a:r>
-            <a:endParaRPr lang="zh-TW" altLang="en-US" sz="7200" b="1" dirty="0">
-              <a:solidFill>
-                <a:schemeClr val="accent1"/>
-              </a:solidFill>
-              <a:latin typeface="+mj-lt"/>
-              <a:ea typeface="+mj-ea"/>
-              <a:cs typeface="+mj-cs"/>
-            </a:endParaRPr>
           </a:p>
         </p:txBody>
       </p:sp>
@@ -8467,6 +8722,9 @@
             <a:avLst/>
           </a:prstGeom>
           <a:ln w="28575">
+            <a:solidFill>
+              <a:schemeClr val="tx1"/>
+            </a:solidFill>
             <a:tailEnd type="arrow"/>
           </a:ln>
         </p:spPr>
@@ -8611,6 +8869,11 @@
             <a:avLst/>
           </a:prstGeom>
           <a:ln w="28575">
+            <a:solidFill>
+              <a:schemeClr val="tx1">
+                <a:lumMod val="95000"/>
+              </a:schemeClr>
+            </a:solidFill>
             <a:tailEnd type="arrow"/>
           </a:ln>
         </p:spPr>
@@ -8712,6 +8975,11 @@
             <a:avLst/>
           </a:prstGeom>
           <a:ln w="28575">
+            <a:solidFill>
+              <a:schemeClr val="tx1">
+                <a:lumMod val="95000"/>
+              </a:schemeClr>
+            </a:solidFill>
             <a:tailEnd type="arrow"/>
           </a:ln>
         </p:spPr>
@@ -8797,6 +9065,11 @@
             <a:avLst/>
           </a:prstGeom>
           <a:ln w="28575">
+            <a:solidFill>
+              <a:schemeClr val="tx1">
+                <a:lumMod val="95000"/>
+              </a:schemeClr>
+            </a:solidFill>
             <a:tailEnd type="arrow"/>
           </a:ln>
         </p:spPr>
@@ -8899,7 +9172,7 @@
         </p:nvSpPr>
         <p:spPr>
           <a:xfrm>
-            <a:off x="3048106" y="2132432"/>
+            <a:off x="2944138" y="2160036"/>
             <a:ext cx="646331" cy="369332"/>
           </a:xfrm>
           <a:prstGeom prst="rect">
@@ -8914,11 +9187,7 @@
           <a:lstStyle/>
           <a:p>
             <a:r>
-              <a:rPr lang="zh-TW" altLang="en-US" dirty="0">
-                <a:solidFill>
-                  <a:prstClr val="black"/>
-                </a:solidFill>
-              </a:rPr>
+              <a:rPr lang="zh-TW" altLang="en-US" dirty="0"/>
               <a:t>不遠</a:t>
             </a:r>
           </a:p>
@@ -8947,18 +9216,10 @@
           <a:lstStyle/>
           <a:p>
             <a:r>
-              <a:rPr lang="zh-TW" altLang="en-US" dirty="0" smtClean="0">
-                <a:solidFill>
-                  <a:prstClr val="black"/>
-                </a:solidFill>
-              </a:rPr>
+              <a:rPr lang="zh-TW" altLang="en-US" dirty="0" smtClean="0"/>
               <a:t>很遠</a:t>
             </a:r>
-            <a:endParaRPr lang="zh-TW" altLang="en-US" dirty="0">
-              <a:solidFill>
-                <a:prstClr val="black"/>
-              </a:solidFill>
-            </a:endParaRPr>
+            <a:endParaRPr lang="zh-TW" altLang="en-US" dirty="0"/>
           </a:p>
         </p:txBody>
       </p:sp>
@@ -8985,18 +9246,10 @@
           <a:lstStyle/>
           <a:p>
             <a:r>
-              <a:rPr lang="zh-TW" altLang="en-US" dirty="0" smtClean="0">
-                <a:solidFill>
-                  <a:prstClr val="black"/>
-                </a:solidFill>
-              </a:rPr>
+              <a:rPr lang="zh-TW" altLang="en-US" dirty="0" smtClean="0"/>
               <a:t>有火</a:t>
             </a:r>
-            <a:endParaRPr lang="zh-TW" altLang="en-US" dirty="0">
-              <a:solidFill>
-                <a:prstClr val="black"/>
-              </a:solidFill>
-            </a:endParaRPr>
+            <a:endParaRPr lang="zh-TW" altLang="en-US" dirty="0"/>
           </a:p>
         </p:txBody>
       </p:sp>
@@ -9015,6 +9268,11 @@
             <a:avLst/>
           </a:prstGeom>
           <a:ln w="28575">
+            <a:solidFill>
+              <a:schemeClr val="tx1">
+                <a:lumMod val="95000"/>
+              </a:schemeClr>
+            </a:solidFill>
             <a:tailEnd type="arrow"/>
           </a:ln>
         </p:spPr>
@@ -9170,6 +9428,11 @@
             <a:avLst/>
           </a:prstGeom>
           <a:ln w="28575">
+            <a:solidFill>
+              <a:schemeClr val="tx1">
+                <a:lumMod val="95000"/>
+              </a:schemeClr>
+            </a:solidFill>
             <a:tailEnd type="arrow"/>
           </a:ln>
         </p:spPr>
@@ -9289,6 +9552,11 @@
             <a:avLst/>
           </a:prstGeom>
           <a:ln w="28575">
+            <a:solidFill>
+              <a:schemeClr val="tx1">
+                <a:lumMod val="95000"/>
+              </a:schemeClr>
+            </a:solidFill>
             <a:tailEnd type="arrow"/>
           </a:ln>
         </p:spPr>
@@ -9324,6 +9592,11 @@
             <a:avLst/>
           </a:prstGeom>
           <a:ln w="28575">
+            <a:solidFill>
+              <a:schemeClr val="tx1">
+                <a:lumMod val="95000"/>
+              </a:schemeClr>
+            </a:solidFill>
             <a:tailEnd type="arrow"/>
           </a:ln>
         </p:spPr>
@@ -9441,6 +9714,11 @@
             <a:avLst/>
           </a:prstGeom>
           <a:ln w="28575">
+            <a:solidFill>
+              <a:schemeClr val="tx1">
+                <a:lumMod val="95000"/>
+              </a:schemeClr>
+            </a:solidFill>
             <a:tailEnd type="arrow"/>
           </a:ln>
         </p:spPr>
@@ -9550,6 +9828,11 @@
             <a:avLst/>
           </a:prstGeom>
           <a:ln w="28575">
+            <a:solidFill>
+              <a:schemeClr val="tx1">
+                <a:lumMod val="95000"/>
+              </a:schemeClr>
+            </a:solidFill>
             <a:tailEnd type="arrow"/>
           </a:ln>
         </p:spPr>
@@ -9643,6 +9926,11 @@
             <a:avLst/>
           </a:prstGeom>
           <a:ln w="28575">
+            <a:solidFill>
+              <a:schemeClr val="tx1">
+                <a:lumMod val="95000"/>
+              </a:schemeClr>
+            </a:solidFill>
             <a:tailEnd type="arrow"/>
           </a:ln>
         </p:spPr>
@@ -9676,6 +9964,11 @@
             <a:avLst/>
           </a:prstGeom>
           <a:ln w="28575">
+            <a:solidFill>
+              <a:schemeClr val="tx1">
+                <a:lumMod val="95000"/>
+              </a:schemeClr>
+            </a:solidFill>
             <a:tailEnd type="arrow"/>
           </a:ln>
         </p:spPr>
@@ -9709,6 +10002,11 @@
             <a:avLst/>
           </a:prstGeom>
           <a:ln w="28575">
+            <a:solidFill>
+              <a:schemeClr val="tx1">
+                <a:lumMod val="95000"/>
+              </a:schemeClr>
+            </a:solidFill>
             <a:tailEnd type="arrow"/>
           </a:ln>
         </p:spPr>
@@ -9742,6 +10040,11 @@
             <a:avLst/>
           </a:prstGeom>
           <a:ln w="28575">
+            <a:solidFill>
+              <a:schemeClr val="tx1">
+                <a:lumMod val="95000"/>
+              </a:schemeClr>
+            </a:solidFill>
             <a:tailEnd type="arrow"/>
           </a:ln>
         </p:spPr>
@@ -9817,6 +10120,11 @@
             <a:avLst/>
           </a:prstGeom>
           <a:ln w="28575">
+            <a:solidFill>
+              <a:schemeClr val="tx1">
+                <a:lumMod val="95000"/>
+              </a:schemeClr>
+            </a:solidFill>
             <a:tailEnd type="arrow"/>
           </a:ln>
         </p:spPr>
@@ -9918,6 +10226,11 @@
             <a:avLst/>
           </a:prstGeom>
           <a:ln w="28575">
+            <a:solidFill>
+              <a:schemeClr val="tx1">
+                <a:lumMod val="95000"/>
+              </a:schemeClr>
+            </a:solidFill>
             <a:tailEnd type="arrow"/>
           </a:ln>
         </p:spPr>
@@ -10207,7 +10520,7 @@
   <a:extraClrSchemeLst/>
   <a:extLst>
     <a:ext uri="{05A4C25C-085E-4340-85A3-A5531E510DB2}">
-      <thm15:themeFamily xmlns:thm15="http://schemas.microsoft.com/office/thememl/2012/main" xmlns="" name="Facet" id="{C0C680CD-088A-49FC-A102-D699147F32B2}" vid="{CFBC31BA-B70F-4F30-BCAA-4F3011E16C4D}"/>
+      <thm15:themeFamily xmlns:thm15="http://schemas.microsoft.com/office/thememl/2012/main" name="Facet" id="{C0C680CD-088A-49FC-A102-D699147F32B2}" vid="{CFBC31BA-B70F-4F30-BCAA-4F3011E16C4D}"/>
     </a:ext>
   </a:extLst>
 </a:theme>

--- a/PPT/GasEmergenceSwitch.pptx
+++ b/PPT/GasEmergenceSwitch.pptx
@@ -5952,8 +5952,8 @@
         </p:blipFill>
         <p:spPr>
           <a:xfrm>
-            <a:off x="3276600" y="4541594"/>
-            <a:ext cx="1165223" cy="1188199"/>
+            <a:off x="3124200" y="796297"/>
+            <a:ext cx="2079623" cy="2120629"/>
           </a:xfrm>
           <a:prstGeom prst="rect">
             <a:avLst/>
@@ -10249,6 +10249,52 @@
           </a:fontRef>
         </p:style>
       </p:cxnSp>
+      <p:sp>
+        <p:nvSpPr>
+          <p:cNvPr id="9" name="矩形 8"/>
+          <p:cNvSpPr/>
+          <p:nvPr/>
+        </p:nvSpPr>
+        <p:spPr>
+          <a:xfrm>
+            <a:off x="4677859" y="3962400"/>
+            <a:ext cx="2103941" cy="685800"/>
+          </a:xfrm>
+          <a:prstGeom prst="rect">
+            <a:avLst/>
+          </a:prstGeom>
+          <a:noFill/>
+          <a:ln w="76200">
+            <a:solidFill>
+              <a:srgbClr val="FF0000"/>
+            </a:solidFill>
+          </a:ln>
+        </p:spPr>
+        <p:style>
+          <a:lnRef idx="2">
+            <a:schemeClr val="accent1">
+              <a:shade val="50000"/>
+            </a:schemeClr>
+          </a:lnRef>
+          <a:fillRef idx="1">
+            <a:schemeClr val="accent1"/>
+          </a:fillRef>
+          <a:effectRef idx="0">
+            <a:schemeClr val="accent1"/>
+          </a:effectRef>
+          <a:fontRef idx="minor">
+            <a:schemeClr val="lt1"/>
+          </a:fontRef>
+        </p:style>
+        <p:txBody>
+          <a:bodyPr rtlCol="0" anchor="ctr"/>
+          <a:lstStyle/>
+          <a:p>
+            <a:pPr algn="ctr"/>
+            <a:endParaRPr lang="zh-TW" altLang="en-US"/>
+          </a:p>
+        </p:txBody>
+      </p:sp>
     </p:spTree>
     <p:extLst>
       <p:ext uri="{BB962C8B-B14F-4D97-AF65-F5344CB8AC3E}">

--- a/PPT/GasEmergenceSwitch.pptx
+++ b/PPT/GasEmergenceSwitch.pptx
@@ -8,10 +8,12 @@
     <p:sldId id="256" r:id="rId2"/>
     <p:sldId id="257" r:id="rId3"/>
     <p:sldId id="258" r:id="rId4"/>
-    <p:sldId id="259" r:id="rId5"/>
+    <p:sldId id="264" r:id="rId5"/>
     <p:sldId id="260" r:id="rId6"/>
-    <p:sldId id="261" r:id="rId7"/>
-    <p:sldId id="262" r:id="rId8"/>
+    <p:sldId id="263" r:id="rId7"/>
+    <p:sldId id="259" r:id="rId8"/>
+    <p:sldId id="261" r:id="rId9"/>
+    <p:sldId id="262" r:id="rId10"/>
   </p:sldIdLst>
   <p:sldSz cx="9144000" cy="6858000" type="screen4x3"/>
   <p:notesSz cx="6858000" cy="9144000"/>
@@ -112,7 +114,7 @@
   </p:defaultTextStyle>
   <p:extLst>
     <p:ext uri="{EFAFB233-063F-42B5-8137-9DF3F51BA10A}">
-      <p15:sldGuideLst xmlns:p15="http://schemas.microsoft.com/office/powerpoint/2012/main">
+      <p15:sldGuideLst xmlns:p15="http://schemas.microsoft.com/office/powerpoint/2012/main" xmlns="">
         <p15:guide id="1" orient="horz" pos="2160">
           <p15:clr>
             <a:srgbClr val="A4A3A4"/>
@@ -852,7 +854,7 @@
             <a:fld id="{1D8BD707-D9CF-40AE-B4C6-C98DA3205C09}" type="datetimeFigureOut">
               <a:rPr lang="en-US" smtClean="0"/>
               <a:pPr/>
-              <a:t>12/1/2022</a:t>
+              <a:t>12/3/2022</a:t>
             </a:fld>
             <a:endParaRPr lang="en-US"/>
           </a:p>
@@ -1105,7 +1107,7 @@
             <a:fld id="{1D8BD707-D9CF-40AE-B4C6-C98DA3205C09}" type="datetimeFigureOut">
               <a:rPr lang="en-US" smtClean="0"/>
               <a:pPr/>
-              <a:t>12/1/2022</a:t>
+              <a:t>12/3/2022</a:t>
             </a:fld>
             <a:endParaRPr lang="en-US"/>
           </a:p>
@@ -1421,7 +1423,7 @@
             <a:fld id="{1D8BD707-D9CF-40AE-B4C6-C98DA3205C09}" type="datetimeFigureOut">
               <a:rPr lang="en-US" smtClean="0"/>
               <a:pPr/>
-              <a:t>12/1/2022</a:t>
+              <a:t>12/3/2022</a:t>
             </a:fld>
             <a:endParaRPr lang="en-US"/>
           </a:p>
@@ -1764,7 +1766,7 @@
             <a:fld id="{1D8BD707-D9CF-40AE-B4C6-C98DA3205C09}" type="datetimeFigureOut">
               <a:rPr lang="en-US" smtClean="0"/>
               <a:pPr/>
-              <a:t>12/1/2022</a:t>
+              <a:t>12/3/2022</a:t>
             </a:fld>
             <a:endParaRPr lang="en-US"/>
           </a:p>
@@ -2080,7 +2082,7 @@
             <a:fld id="{1D8BD707-D9CF-40AE-B4C6-C98DA3205C09}" type="datetimeFigureOut">
               <a:rPr lang="en-US" smtClean="0"/>
               <a:pPr/>
-              <a:t>12/1/2022</a:t>
+              <a:t>12/3/2022</a:t>
             </a:fld>
             <a:endParaRPr lang="en-US"/>
           </a:p>
@@ -2475,7 +2477,7 @@
             <a:fld id="{1D8BD707-D9CF-40AE-B4C6-C98DA3205C09}" type="datetimeFigureOut">
               <a:rPr lang="en-US" smtClean="0"/>
               <a:pPr/>
-              <a:t>12/1/2022</a:t>
+              <a:t>12/3/2022</a:t>
             </a:fld>
             <a:endParaRPr lang="en-US"/>
           </a:p>
@@ -2647,7 +2649,7 @@
             <a:fld id="{1D8BD707-D9CF-40AE-B4C6-C98DA3205C09}" type="datetimeFigureOut">
               <a:rPr lang="en-US" smtClean="0"/>
               <a:pPr/>
-              <a:t>12/1/2022</a:t>
+              <a:t>12/3/2022</a:t>
             </a:fld>
             <a:endParaRPr lang="en-US"/>
           </a:p>
@@ -2829,7 +2831,7 @@
             <a:fld id="{1D8BD707-D9CF-40AE-B4C6-C98DA3205C09}" type="datetimeFigureOut">
               <a:rPr lang="en-US" smtClean="0"/>
               <a:pPr/>
-              <a:t>12/1/2022</a:t>
+              <a:t>12/3/2022</a:t>
             </a:fld>
             <a:endParaRPr lang="en-US"/>
           </a:p>
@@ -3007,7 +3009,7 @@
             <a:fld id="{1D8BD707-D9CF-40AE-B4C6-C98DA3205C09}" type="datetimeFigureOut">
               <a:rPr lang="en-US" smtClean="0"/>
               <a:pPr/>
-              <a:t>12/1/2022</a:t>
+              <a:t>12/3/2022</a:t>
             </a:fld>
             <a:endParaRPr lang="en-US"/>
           </a:p>
@@ -3256,7 +3258,7 @@
             <a:fld id="{1D8BD707-D9CF-40AE-B4C6-C98DA3205C09}" type="datetimeFigureOut">
               <a:rPr lang="en-US" smtClean="0"/>
               <a:pPr/>
-              <a:t>12/1/2022</a:t>
+              <a:t>12/3/2022</a:t>
             </a:fld>
             <a:endParaRPr lang="en-US"/>
           </a:p>
@@ -3490,7 +3492,7 @@
             <a:fld id="{1D8BD707-D9CF-40AE-B4C6-C98DA3205C09}" type="datetimeFigureOut">
               <a:rPr lang="en-US" smtClean="0"/>
               <a:pPr/>
-              <a:t>12/1/2022</a:t>
+              <a:t>12/3/2022</a:t>
             </a:fld>
             <a:endParaRPr lang="en-US"/>
           </a:p>
@@ -3866,7 +3868,7 @@
             <a:fld id="{1D8BD707-D9CF-40AE-B4C6-C98DA3205C09}" type="datetimeFigureOut">
               <a:rPr lang="en-US" smtClean="0"/>
               <a:pPr/>
-              <a:t>12/1/2022</a:t>
+              <a:t>12/3/2022</a:t>
             </a:fld>
             <a:endParaRPr lang="en-US"/>
           </a:p>
@@ -3991,7 +3993,7 @@
             <a:fld id="{1D8BD707-D9CF-40AE-B4C6-C98DA3205C09}" type="datetimeFigureOut">
               <a:rPr lang="en-US" smtClean="0"/>
               <a:pPr/>
-              <a:t>12/1/2022</a:t>
+              <a:t>12/3/2022</a:t>
             </a:fld>
             <a:endParaRPr lang="en-US"/>
           </a:p>
@@ -4088,7 +4090,7 @@
             <a:fld id="{1D8BD707-D9CF-40AE-B4C6-C98DA3205C09}" type="datetimeFigureOut">
               <a:rPr lang="en-US" smtClean="0"/>
               <a:pPr/>
-              <a:t>12/1/2022</a:t>
+              <a:t>12/3/2022</a:t>
             </a:fld>
             <a:endParaRPr lang="en-US"/>
           </a:p>
@@ -4345,7 +4347,7 @@
             <a:fld id="{1D8BD707-D9CF-40AE-B4C6-C98DA3205C09}" type="datetimeFigureOut">
               <a:rPr lang="en-US" smtClean="0"/>
               <a:pPr/>
-              <a:t>12/1/2022</a:t>
+              <a:t>12/3/2022</a:t>
             </a:fld>
             <a:endParaRPr lang="en-US"/>
           </a:p>
@@ -4610,7 +4612,7 @@
             <a:fld id="{1D8BD707-D9CF-40AE-B4C6-C98DA3205C09}" type="datetimeFigureOut">
               <a:rPr lang="en-US" smtClean="0"/>
               <a:pPr/>
-              <a:t>12/1/2022</a:t>
+              <a:t>12/3/2022</a:t>
             </a:fld>
             <a:endParaRPr lang="en-US"/>
           </a:p>
@@ -5355,7 +5357,7 @@
             <a:fld id="{1D8BD707-D9CF-40AE-B4C6-C98DA3205C09}" type="datetimeFigureOut">
               <a:rPr lang="en-US" smtClean="0"/>
               <a:pPr/>
-              <a:t>12/1/2022</a:t>
+              <a:t>12/3/2022</a:t>
             </a:fld>
             <a:endParaRPr lang="en-US"/>
           </a:p>
@@ -5970,6 +5972,13 @@
   <p:clrMapOvr>
     <a:masterClrMapping/>
   </p:clrMapOvr>
+  <p:timing>
+    <p:tnLst>
+      <p:par>
+        <p:cTn id="1" dur="indefinite" restart="never" nodeType="tmRoot"/>
+      </p:par>
+    </p:tnLst>
+  </p:timing>
 </p:sld>
 </file>
 
@@ -6106,6 +6115,13 @@
   <p:clrMapOvr>
     <a:masterClrMapping/>
   </p:clrMapOvr>
+  <p:timing>
+    <p:tnLst>
+      <p:par>
+        <p:cTn id="1" dur="indefinite" restart="never" nodeType="tmRoot"/>
+      </p:par>
+    </p:tnLst>
+  </p:timing>
 </p:sld>
 </file>
 
@@ -6174,7 +6190,11 @@
             </a:r>
             <a:r>
               <a:rPr lang="zh-TW" altLang="en-US" dirty="0" smtClean="0"/>
-              <a:t>，搭配簡單的感測器，利用坊間邊準化格式的旋鈕樣式，設計出可用於大小孩生活中的簡易外掛設施</a:t>
+              <a:t>，搭配簡單的感測器，利用坊間邊準化格式的旋鈕樣式，設計出可用於大小孩生活中的簡易外掛設</a:t>
+            </a:r>
+            <a:r>
+              <a:rPr lang="zh-TW" altLang="en-US" dirty="0" smtClean="0"/>
+              <a:t>施，並以手邊的移動裝置作為通知及遙控輔助。</a:t>
             </a:r>
             <a:endParaRPr lang="zh-TW" altLang="en-US" dirty="0"/>
           </a:p>
@@ -6220,10 +6240,1643 @@
   <p:clrMapOvr>
     <a:masterClrMapping/>
   </p:clrMapOvr>
+  <p:timing>
+    <p:tnLst>
+      <p:par>
+        <p:cTn id="1" dur="indefinite" restart="never" nodeType="tmRoot"/>
+      </p:par>
+    </p:tnLst>
+  </p:timing>
 </p:sld>
 </file>
 
 <file path=ppt/slides/slide4.xml><?xml version="1.0" encoding="utf-8"?>
+<p:sld xmlns:a="http://schemas.openxmlformats.org/drawingml/2006/main" xmlns:r="http://schemas.openxmlformats.org/officeDocument/2006/relationships" xmlns:p="http://schemas.openxmlformats.org/presentationml/2006/main">
+  <p:cSld>
+    <p:spTree>
+      <p:nvGrpSpPr>
+        <p:cNvPr id="1" name=""/>
+        <p:cNvGrpSpPr/>
+        <p:nvPr/>
+      </p:nvGrpSpPr>
+      <p:grpSpPr>
+        <a:xfrm>
+          <a:off x="0" y="0"/>
+          <a:ext cx="0" cy="0"/>
+          <a:chOff x="0" y="0"/>
+          <a:chExt cx="0" cy="0"/>
+        </a:xfrm>
+      </p:grpSpPr>
+      <p:sp>
+        <p:nvSpPr>
+          <p:cNvPr id="2" name="Title 1"/>
+          <p:cNvSpPr>
+            <a:spLocks noGrp="1"/>
+          </p:cNvSpPr>
+          <p:nvPr>
+            <p:ph type="title"/>
+          </p:nvPr>
+        </p:nvSpPr>
+        <p:spPr/>
+        <p:txBody>
+          <a:bodyPr/>
+          <a:lstStyle/>
+          <a:p>
+            <a:r>
+              <a:rPr lang="zh-TW" altLang="en-US" dirty="0" smtClean="0"/>
+              <a:t>設計裝置</a:t>
+            </a:r>
+            <a:endParaRPr lang="zh-TW" altLang="en-US" dirty="0"/>
+          </a:p>
+        </p:txBody>
+      </p:sp>
+      <p:pic>
+        <p:nvPicPr>
+          <p:cNvPr id="10" name="Content Placeholder 9"/>
+          <p:cNvPicPr>
+            <a:picLocks noGrp="1" noChangeAspect="1"/>
+          </p:cNvPicPr>
+          <p:nvPr>
+            <p:ph idx="1"/>
+          </p:nvPr>
+        </p:nvPicPr>
+        <p:blipFill>
+          <a:blip r:embed="rId2" cstate="print">
+            <a:extLst>
+              <a:ext uri="{28A0092B-C50C-407E-A947-70E740481C1C}">
+                <a14:useLocalDpi xmlns:a14="http://schemas.microsoft.com/office/drawing/2010/main" val="0"/>
+              </a:ext>
+            </a:extLst>
+          </a:blip>
+          <a:stretch>
+            <a:fillRect/>
+          </a:stretch>
+        </p:blipFill>
+        <p:spPr>
+          <a:xfrm>
+            <a:off x="0" y="1295400"/>
+            <a:ext cx="9144000" cy="5562600"/>
+          </a:xfrm>
+        </p:spPr>
+      </p:pic>
+    </p:spTree>
+    <p:extLst>
+      <p:ext uri="{BB962C8B-B14F-4D97-AF65-F5344CB8AC3E}">
+        <p14:creationId xmlns:p14="http://schemas.microsoft.com/office/powerpoint/2010/main" val="418703290"/>
+      </p:ext>
+    </p:extLst>
+  </p:cSld>
+  <p:clrMapOvr>
+    <a:masterClrMapping/>
+  </p:clrMapOvr>
+</p:sld>
+</file>
+
+<file path=ppt/slides/slide5.xml><?xml version="1.0" encoding="utf-8"?>
+<p:sld xmlns:a="http://schemas.openxmlformats.org/drawingml/2006/main" xmlns:r="http://schemas.openxmlformats.org/officeDocument/2006/relationships" xmlns:p="http://schemas.openxmlformats.org/presentationml/2006/main">
+  <p:cSld>
+    <p:spTree>
+      <p:nvGrpSpPr>
+        <p:cNvPr id="1" name=""/>
+        <p:cNvGrpSpPr/>
+        <p:nvPr/>
+      </p:nvGrpSpPr>
+      <p:grpSpPr>
+        <a:xfrm>
+          <a:off x="0" y="0"/>
+          <a:ext cx="0" cy="0"/>
+          <a:chOff x="0" y="0"/>
+          <a:chExt cx="0" cy="0"/>
+        </a:xfrm>
+      </p:grpSpPr>
+      <p:sp>
+        <p:nvSpPr>
+          <p:cNvPr id="2" name="Title 1"/>
+          <p:cNvSpPr>
+            <a:spLocks noGrp="1"/>
+          </p:cNvSpPr>
+          <p:nvPr>
+            <p:ph type="title"/>
+          </p:nvPr>
+        </p:nvSpPr>
+        <p:spPr/>
+        <p:txBody>
+          <a:bodyPr/>
+          <a:lstStyle/>
+          <a:p>
+            <a:r>
+              <a:rPr lang="zh-TW" altLang="en-US" dirty="0" smtClean="0"/>
+              <a:t>設計架構</a:t>
+            </a:r>
+            <a:endParaRPr lang="zh-TW" altLang="en-US" dirty="0"/>
+          </a:p>
+        </p:txBody>
+      </p:sp>
+      <p:pic>
+        <p:nvPicPr>
+          <p:cNvPr id="4" name="Content Placeholder 3"/>
+          <p:cNvPicPr>
+            <a:picLocks noGrp="1" noChangeAspect="1"/>
+          </p:cNvPicPr>
+          <p:nvPr>
+            <p:ph idx="1"/>
+          </p:nvPr>
+        </p:nvPicPr>
+        <p:blipFill>
+          <a:blip r:embed="rId2">
+            <a:extLst>
+              <a:ext uri="{BEBA8EAE-BF5A-486C-A8C5-ECC9F3942E4B}">
+                <a14:imgProps xmlns:a14="http://schemas.microsoft.com/office/drawing/2010/main">
+                  <a14:imgLayer r:embed="rId3">
+                    <a14:imgEffect>
+                      <a14:backgroundRemoval t="8307" b="93930" l="5680" r="95132"/>
+                    </a14:imgEffect>
+                  </a14:imgLayer>
+                </a14:imgProps>
+              </a:ext>
+              <a:ext uri="{28A0092B-C50C-407E-A947-70E740481C1C}">
+                <a14:useLocalDpi xmlns:a14="http://schemas.microsoft.com/office/drawing/2010/main" val="0"/>
+              </a:ext>
+            </a:extLst>
+          </a:blip>
+          <a:stretch>
+            <a:fillRect/>
+          </a:stretch>
+        </p:blipFill>
+        <p:spPr>
+          <a:xfrm>
+            <a:off x="571613" y="2753880"/>
+            <a:ext cx="4159741" cy="2362201"/>
+          </a:xfrm>
+        </p:spPr>
+      </p:pic>
+      <p:pic>
+        <p:nvPicPr>
+          <p:cNvPr id="5" name="Picture 4"/>
+          <p:cNvPicPr>
+            <a:picLocks noChangeAspect="1"/>
+          </p:cNvPicPr>
+          <p:nvPr/>
+        </p:nvPicPr>
+        <p:blipFill>
+          <a:blip r:embed="rId4" cstate="print">
+            <a:extLst>
+              <a:ext uri="{BEBA8EAE-BF5A-486C-A8C5-ECC9F3942E4B}">
+                <a14:imgProps xmlns:a14="http://schemas.microsoft.com/office/drawing/2010/main">
+                  <a14:imgLayer r:embed="rId5">
+                    <a14:imgEffect>
+                      <a14:backgroundRemoval t="15060" b="89458" l="1842" r="99448">
+                        <a14:foregroundMark x1="11050" y1="71084" x2="11050" y2="71084"/>
+                        <a14:foregroundMark x1="80295" y1="45181" x2="80295" y2="45181"/>
+                      </a14:backgroundRemoval>
+                    </a14:imgEffect>
+                  </a14:imgLayer>
+                </a14:imgProps>
+              </a:ext>
+              <a:ext uri="{28A0092B-C50C-407E-A947-70E740481C1C}">
+                <a14:useLocalDpi xmlns:a14="http://schemas.microsoft.com/office/drawing/2010/main" val="0"/>
+              </a:ext>
+            </a:extLst>
+          </a:blip>
+          <a:stretch>
+            <a:fillRect/>
+          </a:stretch>
+        </p:blipFill>
+        <p:spPr>
+          <a:xfrm>
+            <a:off x="5638800" y="2687943"/>
+            <a:ext cx="1981200" cy="1211341"/>
+          </a:xfrm>
+          <a:prstGeom prst="rect">
+            <a:avLst/>
+          </a:prstGeom>
+        </p:spPr>
+      </p:pic>
+      <p:pic>
+        <p:nvPicPr>
+          <p:cNvPr id="6" name="Picture 5"/>
+          <p:cNvPicPr>
+            <a:picLocks noChangeAspect="1"/>
+          </p:cNvPicPr>
+          <p:nvPr/>
+        </p:nvPicPr>
+        <p:blipFill>
+          <a:blip r:embed="rId6">
+            <a:extLst>
+              <a:ext uri="{BEBA8EAE-BF5A-486C-A8C5-ECC9F3942E4B}">
+                <a14:imgProps xmlns:a14="http://schemas.microsoft.com/office/drawing/2010/main">
+                  <a14:imgLayer r:embed="rId7">
+                    <a14:imgEffect>
+                      <a14:backgroundRemoval t="0" b="97761" l="1653" r="99174"/>
+                    </a14:imgEffect>
+                  </a14:imgLayer>
+                </a14:imgProps>
+              </a:ext>
+              <a:ext uri="{28A0092B-C50C-407E-A947-70E740481C1C}">
+                <a14:useLocalDpi xmlns:a14="http://schemas.microsoft.com/office/drawing/2010/main" val="0"/>
+              </a:ext>
+            </a:extLst>
+          </a:blip>
+          <a:stretch>
+            <a:fillRect/>
+          </a:stretch>
+        </p:blipFill>
+        <p:spPr>
+          <a:xfrm>
+            <a:off x="3241007" y="316287"/>
+            <a:ext cx="2713462" cy="2003327"/>
+          </a:xfrm>
+          <a:prstGeom prst="rect">
+            <a:avLst/>
+          </a:prstGeom>
+        </p:spPr>
+      </p:pic>
+      <p:pic>
+        <p:nvPicPr>
+          <p:cNvPr id="7" name="Picture 6"/>
+          <p:cNvPicPr>
+            <a:picLocks noChangeAspect="1"/>
+          </p:cNvPicPr>
+          <p:nvPr/>
+        </p:nvPicPr>
+        <p:blipFill>
+          <a:blip r:embed="rId8">
+            <a:extLst>
+              <a:ext uri="{BEBA8EAE-BF5A-486C-A8C5-ECC9F3942E4B}">
+                <a14:imgProps xmlns:a14="http://schemas.microsoft.com/office/drawing/2010/main">
+                  <a14:imgLayer r:embed="rId9">
+                    <a14:imgEffect>
+                      <a14:backgroundRemoval t="0" b="99471" l="6809" r="94894">
+                        <a14:foregroundMark x1="45532" y1="22222" x2="45532" y2="22222"/>
+                        <a14:foregroundMark x1="58511" y1="26720" x2="58511" y2="26720"/>
+                        <a14:foregroundMark x1="46596" y1="5556" x2="46596" y2="5556"/>
+                        <a14:foregroundMark x1="40638" y1="11376" x2="40638" y2="11376"/>
+                        <a14:foregroundMark x1="46170" y1="10847" x2="46170" y2="10847"/>
+                        <a14:foregroundMark x1="55106" y1="13492" x2="55106" y2="13492"/>
+                        <a14:foregroundMark x1="57447" y1="13492" x2="57447" y2="13492"/>
+                        <a14:foregroundMark x1="51915" y1="18254" x2="51915" y2="18254"/>
+                        <a14:foregroundMark x1="42979" y1="19312" x2="42979" y2="19312"/>
+                        <a14:foregroundMark x1="49362" y1="24868" x2="49362" y2="24868"/>
+                        <a14:backgroundMark x1="25106" y1="74339" x2="25106" y2="74339"/>
+                        <a14:backgroundMark x1="45957" y1="62963" x2="45957" y2="62963"/>
+                        <a14:backgroundMark x1="58936" y1="57407" x2="58936" y2="57407"/>
+                        <a14:backgroundMark x1="64894" y1="72751" x2="64894" y2="72751"/>
+                        <a14:backgroundMark x1="59787" y1="69312" x2="59787" y2="69312"/>
+                        <a14:backgroundMark x1="64681" y1="63492" x2="64681" y2="63492"/>
+                        <a14:backgroundMark x1="68085" y1="71429" x2="68085" y2="71429"/>
+                        <a14:backgroundMark x1="55106" y1="49471" x2="55106" y2="49471"/>
+                        <a14:backgroundMark x1="52979" y1="44709" x2="52979" y2="44709"/>
+                        <a14:backgroundMark x1="39574" y1="54497" x2="39574" y2="54497"/>
+                        <a14:backgroundMark x1="43404" y1="59524" x2="43404" y2="59524"/>
+                        <a14:backgroundMark x1="47872" y1="72751" x2="47872" y2="72751"/>
+                        <a14:backgroundMark x1="49787" y1="81746" x2="49787" y2="81746"/>
+                        <a14:backgroundMark x1="20000" y1="65344" x2="20000" y2="65344"/>
+                        <a14:backgroundMark x1="22766" y1="60847" x2="22766" y2="60847"/>
+                        <a14:backgroundMark x1="26383" y1="70899" x2="26383" y2="70899"/>
+                        <a14:backgroundMark x1="35106" y1="76720" x2="35106" y2="76720"/>
+                        <a14:backgroundMark x1="31489" y1="79630" x2="31489" y2="79630"/>
+                        <a14:backgroundMark x1="30000" y1="80159" x2="30000" y2="80159"/>
+                        <a14:backgroundMark x1="27660" y1="93122" x2="27660" y2="93122"/>
+                        <a14:backgroundMark x1="19574" y1="80688" x2="19574" y2="80688"/>
+                        <a14:backgroundMark x1="23617" y1="79630" x2="23617" y2="79630"/>
+                        <a14:backgroundMark x1="31915" y1="87566" x2="31915" y2="87566"/>
+                        <a14:backgroundMark x1="32340" y1="94444" x2="32340" y2="94444"/>
+                        <a14:backgroundMark x1="31489" y1="76190" x2="31489" y2="76190"/>
+                        <a14:backgroundMark x1="24468" y1="63757" x2="24468" y2="63757"/>
+                        <a14:backgroundMark x1="40000" y1="51058" x2="40000" y2="51058"/>
+                        <a14:backgroundMark x1="47447" y1="68783" x2="47447" y2="68783"/>
+                        <a14:backgroundMark x1="49362" y1="76720" x2="49362" y2="76720"/>
+                        <a14:backgroundMark x1="51489" y1="81217" x2="51489" y2="81217"/>
+                        <a14:backgroundMark x1="57021" y1="53439" x2="57021" y2="53439"/>
+                        <a14:backgroundMark x1="57021" y1="56349" x2="57021" y2="56349"/>
+                        <a14:backgroundMark x1="21277" y1="58995" x2="21277" y2="58995"/>
+                        <a14:backgroundMark x1="19574" y1="56085" x2="19574" y2="56085"/>
+                        <a14:backgroundMark x1="39149" y1="48148" x2="39149" y2="48148"/>
+                        <a14:backgroundMark x1="29574" y1="85714" x2="29574" y2="85714"/>
+                        <a14:backgroundMark x1="26383" y1="84127" x2="26383" y2="84127"/>
+                        <a14:backgroundMark x1="37872" y1="70370" x2="37872" y2="70370"/>
+                        <a14:backgroundMark x1="30000" y1="70370" x2="30000" y2="70370"/>
+                        <a14:backgroundMark x1="27234" y1="72222" x2="27234" y2="72222"/>
+                      </a14:backgroundRemoval>
+                    </a14:imgEffect>
+                  </a14:imgLayer>
+                </a14:imgProps>
+              </a:ext>
+              <a:ext uri="{28A0092B-C50C-407E-A947-70E740481C1C}">
+                <a14:useLocalDpi xmlns:a14="http://schemas.microsoft.com/office/drawing/2010/main" val="0"/>
+              </a:ext>
+            </a:extLst>
+          </a:blip>
+          <a:stretch>
+            <a:fillRect/>
+          </a:stretch>
+        </p:blipFill>
+        <p:spPr>
+          <a:xfrm>
+            <a:off x="2172567" y="5336059"/>
+            <a:ext cx="2671032" cy="2148192"/>
+          </a:xfrm>
+          <a:prstGeom prst="rect">
+            <a:avLst/>
+          </a:prstGeom>
+        </p:spPr>
+      </p:pic>
+      <p:cxnSp>
+        <p:nvCxnSpPr>
+          <p:cNvPr id="9" name="Straight Arrow Connector 8"/>
+          <p:cNvCxnSpPr/>
+          <p:nvPr/>
+        </p:nvCxnSpPr>
+        <p:spPr>
+          <a:xfrm>
+            <a:off x="4114800" y="4495800"/>
+            <a:ext cx="0" cy="838200"/>
+          </a:xfrm>
+          <a:prstGeom prst="straightConnector1">
+            <a:avLst/>
+          </a:prstGeom>
+          <a:ln w="28575">
+            <a:solidFill>
+              <a:schemeClr val="tx1"/>
+            </a:solidFill>
+            <a:tailEnd type="arrow"/>
+          </a:ln>
+        </p:spPr>
+        <p:style>
+          <a:lnRef idx="1">
+            <a:schemeClr val="dk1"/>
+          </a:lnRef>
+          <a:fillRef idx="0">
+            <a:schemeClr val="dk1"/>
+          </a:fillRef>
+          <a:effectRef idx="0">
+            <a:schemeClr val="dk1"/>
+          </a:effectRef>
+          <a:fontRef idx="minor">
+            <a:schemeClr val="tx1"/>
+          </a:fontRef>
+        </p:style>
+      </p:cxnSp>
+      <p:sp>
+        <p:nvSpPr>
+          <p:cNvPr id="11" name="TextBox 10"/>
+          <p:cNvSpPr txBox="1"/>
+          <p:nvPr/>
+        </p:nvSpPr>
+        <p:spPr>
+          <a:xfrm>
+            <a:off x="4262595" y="4495800"/>
+            <a:ext cx="1135247" cy="369332"/>
+          </a:xfrm>
+          <a:prstGeom prst="rect">
+            <a:avLst/>
+          </a:prstGeom>
+          <a:noFill/>
+        </p:spPr>
+        <p:txBody>
+          <a:bodyPr wrap="none" rtlCol="0">
+            <a:spAutoFit/>
+          </a:bodyPr>
+          <a:lstStyle/>
+          <a:p>
+            <a:r>
+              <a:rPr lang="en-US" altLang="zh-TW" dirty="0" smtClean="0"/>
+              <a:t>PWM</a:t>
+            </a:r>
+            <a:r>
+              <a:rPr lang="zh-TW" altLang="en-US" dirty="0" smtClean="0"/>
+              <a:t>訊號</a:t>
+            </a:r>
+            <a:endParaRPr lang="zh-TW" altLang="en-US" dirty="0"/>
+          </a:p>
+        </p:txBody>
+      </p:sp>
+      <p:cxnSp>
+        <p:nvCxnSpPr>
+          <p:cNvPr id="13" name="Straight Arrow Connector 12"/>
+          <p:cNvCxnSpPr/>
+          <p:nvPr/>
+        </p:nvCxnSpPr>
+        <p:spPr>
+          <a:xfrm>
+            <a:off x="3886200" y="2088911"/>
+            <a:ext cx="0" cy="761381"/>
+          </a:xfrm>
+          <a:prstGeom prst="straightConnector1">
+            <a:avLst/>
+          </a:prstGeom>
+          <a:ln w="28575">
+            <a:solidFill>
+              <a:schemeClr val="tx1"/>
+            </a:solidFill>
+            <a:headEnd type="arrow"/>
+            <a:tailEnd type="arrow"/>
+          </a:ln>
+        </p:spPr>
+        <p:style>
+          <a:lnRef idx="1">
+            <a:schemeClr val="dk1"/>
+          </a:lnRef>
+          <a:fillRef idx="0">
+            <a:schemeClr val="dk1"/>
+          </a:fillRef>
+          <a:effectRef idx="0">
+            <a:schemeClr val="dk1"/>
+          </a:effectRef>
+          <a:fontRef idx="minor">
+            <a:schemeClr val="tx1"/>
+          </a:fontRef>
+        </p:style>
+      </p:cxnSp>
+      <p:sp>
+        <p:nvSpPr>
+          <p:cNvPr id="14" name="TextBox 13"/>
+          <p:cNvSpPr txBox="1"/>
+          <p:nvPr/>
+        </p:nvSpPr>
+        <p:spPr>
+          <a:xfrm>
+            <a:off x="3086787" y="2284935"/>
+            <a:ext cx="640034" cy="369332"/>
+          </a:xfrm>
+          <a:prstGeom prst="rect">
+            <a:avLst/>
+          </a:prstGeom>
+          <a:noFill/>
+        </p:spPr>
+        <p:txBody>
+          <a:bodyPr wrap="square" rtlCol="0">
+            <a:spAutoFit/>
+          </a:bodyPr>
+          <a:lstStyle/>
+          <a:p>
+            <a:r>
+              <a:rPr lang="en-US" altLang="zh-TW" dirty="0" smtClean="0"/>
+              <a:t>SPI</a:t>
+            </a:r>
+          </a:p>
+        </p:txBody>
+      </p:sp>
+      <p:sp>
+        <p:nvSpPr>
+          <p:cNvPr id="17" name="TextBox 16"/>
+          <p:cNvSpPr txBox="1"/>
+          <p:nvPr/>
+        </p:nvSpPr>
+        <p:spPr>
+          <a:xfrm>
+            <a:off x="1112566" y="3565649"/>
+            <a:ext cx="640034" cy="369332"/>
+          </a:xfrm>
+          <a:prstGeom prst="rect">
+            <a:avLst/>
+          </a:prstGeom>
+          <a:noFill/>
+        </p:spPr>
+        <p:txBody>
+          <a:bodyPr wrap="square" rtlCol="0">
+            <a:spAutoFit/>
+          </a:bodyPr>
+          <a:lstStyle/>
+          <a:p>
+            <a:r>
+              <a:rPr lang="en-US" altLang="zh-TW" dirty="0" smtClean="0"/>
+              <a:t>SPI</a:t>
+            </a:r>
+          </a:p>
+        </p:txBody>
+      </p:sp>
+      <p:cxnSp>
+        <p:nvCxnSpPr>
+          <p:cNvPr id="15" name="Straight Arrow Connector 12"/>
+          <p:cNvCxnSpPr/>
+          <p:nvPr/>
+        </p:nvCxnSpPr>
+        <p:spPr>
+          <a:xfrm flipH="1">
+            <a:off x="4815923" y="3565649"/>
+            <a:ext cx="975277" cy="189447"/>
+          </a:xfrm>
+          <a:prstGeom prst="straightConnector1">
+            <a:avLst/>
+          </a:prstGeom>
+          <a:ln w="28575">
+            <a:solidFill>
+              <a:schemeClr val="tx1"/>
+            </a:solidFill>
+            <a:headEnd type="arrow"/>
+            <a:tailEnd type="arrow"/>
+          </a:ln>
+        </p:spPr>
+        <p:style>
+          <a:lnRef idx="1">
+            <a:schemeClr val="dk1"/>
+          </a:lnRef>
+          <a:fillRef idx="0">
+            <a:schemeClr val="dk1"/>
+          </a:fillRef>
+          <a:effectRef idx="0">
+            <a:schemeClr val="dk1"/>
+          </a:effectRef>
+          <a:fontRef idx="minor">
+            <a:schemeClr val="tx1"/>
+          </a:fontRef>
+        </p:style>
+      </p:cxnSp>
+      <p:sp>
+        <p:nvSpPr>
+          <p:cNvPr id="16" name="TextBox 15"/>
+          <p:cNvSpPr txBox="1"/>
+          <p:nvPr/>
+        </p:nvSpPr>
+        <p:spPr>
+          <a:xfrm>
+            <a:off x="4983544" y="3108947"/>
+            <a:ext cx="640034" cy="369332"/>
+          </a:xfrm>
+          <a:prstGeom prst="rect">
+            <a:avLst/>
+          </a:prstGeom>
+          <a:noFill/>
+        </p:spPr>
+        <p:txBody>
+          <a:bodyPr wrap="square" rtlCol="0">
+            <a:spAutoFit/>
+          </a:bodyPr>
+          <a:lstStyle/>
+          <a:p>
+            <a:r>
+              <a:rPr lang="en-US" altLang="zh-TW" dirty="0" smtClean="0"/>
+              <a:t>SPI</a:t>
+            </a:r>
+          </a:p>
+        </p:txBody>
+      </p:sp>
+      <p:pic>
+        <p:nvPicPr>
+          <p:cNvPr id="12" name="Picture 11"/>
+          <p:cNvPicPr>
+            <a:picLocks noChangeAspect="1"/>
+          </p:cNvPicPr>
+          <p:nvPr/>
+        </p:nvPicPr>
+        <p:blipFill>
+          <a:blip r:embed="rId10">
+            <a:extLst>
+              <a:ext uri="{BEBA8EAE-BF5A-486C-A8C5-ECC9F3942E4B}">
+                <a14:imgProps xmlns:a14="http://schemas.microsoft.com/office/drawing/2010/main">
+                  <a14:imgLayer r:embed="rId11">
+                    <a14:imgEffect>
+                      <a14:backgroundRemoval t="9091" b="96694" l="9091" r="96970"/>
+                    </a14:imgEffect>
+                  </a14:imgLayer>
+                </a14:imgProps>
+              </a:ext>
+              <a:ext uri="{28A0092B-C50C-407E-A947-70E740481C1C}">
+                <a14:useLocalDpi xmlns:a14="http://schemas.microsoft.com/office/drawing/2010/main" val="0"/>
+              </a:ext>
+            </a:extLst>
+          </a:blip>
+          <a:stretch>
+            <a:fillRect/>
+          </a:stretch>
+        </p:blipFill>
+        <p:spPr>
+          <a:xfrm>
+            <a:off x="3757911" y="4558080"/>
+            <a:ext cx="628738" cy="775920"/>
+          </a:xfrm>
+          <a:prstGeom prst="rect">
+            <a:avLst/>
+          </a:prstGeom>
+        </p:spPr>
+      </p:pic>
+    </p:spTree>
+    <p:extLst>
+      <p:ext uri="{BB962C8B-B14F-4D97-AF65-F5344CB8AC3E}">
+        <p14:creationId xmlns:p14="http://schemas.microsoft.com/office/powerpoint/2010/main" val="3932230297"/>
+      </p:ext>
+    </p:extLst>
+  </p:cSld>
+  <p:clrMapOvr>
+    <a:masterClrMapping/>
+  </p:clrMapOvr>
+  <p:timing>
+    <p:tnLst>
+      <p:par>
+        <p:cTn id="1" dur="indefinite" restart="never" nodeType="tmRoot"/>
+      </p:par>
+    </p:tnLst>
+  </p:timing>
+</p:sld>
+</file>
+
+<file path=ppt/slides/slide6.xml><?xml version="1.0" encoding="utf-8"?>
+<p:sld xmlns:a="http://schemas.openxmlformats.org/drawingml/2006/main" xmlns:r="http://schemas.openxmlformats.org/officeDocument/2006/relationships" xmlns:p="http://schemas.openxmlformats.org/presentationml/2006/main">
+  <p:cSld>
+    <p:spTree>
+      <p:nvGrpSpPr>
+        <p:cNvPr id="1" name=""/>
+        <p:cNvGrpSpPr/>
+        <p:nvPr/>
+      </p:nvGrpSpPr>
+      <p:grpSpPr>
+        <a:xfrm>
+          <a:off x="0" y="0"/>
+          <a:ext cx="0" cy="0"/>
+          <a:chOff x="0" y="0"/>
+          <a:chExt cx="0" cy="0"/>
+        </a:xfrm>
+      </p:grpSpPr>
+      <p:sp>
+        <p:nvSpPr>
+          <p:cNvPr id="2" name="Title 1"/>
+          <p:cNvSpPr>
+            <a:spLocks noGrp="1"/>
+          </p:cNvSpPr>
+          <p:nvPr>
+            <p:ph type="title"/>
+          </p:nvPr>
+        </p:nvSpPr>
+        <p:spPr/>
+        <p:txBody>
+          <a:bodyPr/>
+          <a:lstStyle/>
+          <a:p>
+            <a:r>
+              <a:rPr lang="zh-TW" altLang="en-US" dirty="0" smtClean="0"/>
+              <a:t>超聲波感測器</a:t>
+            </a:r>
+            <a:endParaRPr lang="zh-TW" altLang="en-US" dirty="0"/>
+          </a:p>
+        </p:txBody>
+      </p:sp>
+      <p:sp>
+        <p:nvSpPr>
+          <p:cNvPr id="3" name="Content Placeholder 2"/>
+          <p:cNvSpPr>
+            <a:spLocks noGrp="1"/>
+          </p:cNvSpPr>
+          <p:nvPr>
+            <p:ph idx="1"/>
+          </p:nvPr>
+        </p:nvSpPr>
+        <p:spPr>
+          <a:xfrm>
+            <a:off x="506627" y="1674931"/>
+            <a:ext cx="6447501" cy="658810"/>
+          </a:xfrm>
+        </p:spPr>
+        <p:txBody>
+          <a:bodyPr/>
+          <a:lstStyle/>
+          <a:p>
+            <a:r>
+              <a:rPr lang="zh-TW" altLang="en-US" dirty="0" smtClean="0"/>
+              <a:t>藉由發出聲波，經由撞到物體後接收聲波，可用來計算距離</a:t>
+            </a:r>
+            <a:endParaRPr lang="zh-TW" altLang="en-US" dirty="0"/>
+          </a:p>
+        </p:txBody>
+      </p:sp>
+      <p:pic>
+        <p:nvPicPr>
+          <p:cNvPr id="4" name="Picture 3"/>
+          <p:cNvPicPr>
+            <a:picLocks noChangeAspect="1"/>
+          </p:cNvPicPr>
+          <p:nvPr/>
+        </p:nvPicPr>
+        <p:blipFill>
+          <a:blip r:embed="rId2">
+            <a:extLst>
+              <a:ext uri="{BEBA8EAE-BF5A-486C-A8C5-ECC9F3942E4B}">
+                <a14:imgProps xmlns:a14="http://schemas.microsoft.com/office/drawing/2010/main">
+                  <a14:imgLayer r:embed="rId3">
+                    <a14:imgEffect>
+                      <a14:backgroundRemoval t="0" b="97761" l="1653" r="99174"/>
+                    </a14:imgEffect>
+                  </a14:imgLayer>
+                </a14:imgProps>
+              </a:ext>
+              <a:ext uri="{28A0092B-C50C-407E-A947-70E740481C1C}">
+                <a14:useLocalDpi xmlns:a14="http://schemas.microsoft.com/office/drawing/2010/main" val="0"/>
+              </a:ext>
+            </a:extLst>
+          </a:blip>
+          <a:stretch>
+            <a:fillRect/>
+          </a:stretch>
+        </p:blipFill>
+        <p:spPr>
+          <a:xfrm>
+            <a:off x="3886200" y="381000"/>
+            <a:ext cx="1752600" cy="1293931"/>
+          </a:xfrm>
+          <a:prstGeom prst="rect">
+            <a:avLst/>
+          </a:prstGeom>
+        </p:spPr>
+      </p:pic>
+      <p:sp>
+        <p:nvSpPr>
+          <p:cNvPr id="5" name="Title 1"/>
+          <p:cNvSpPr txBox="1">
+            <a:spLocks/>
+          </p:cNvSpPr>
+          <p:nvPr/>
+        </p:nvSpPr>
+        <p:spPr>
+          <a:xfrm>
+            <a:off x="473676" y="2666205"/>
+            <a:ext cx="6447501" cy="1320800"/>
+          </a:xfrm>
+          <a:prstGeom prst="rect">
+            <a:avLst/>
+          </a:prstGeom>
+        </p:spPr>
+        <p:txBody>
+          <a:bodyPr vert="horz" lIns="91440" tIns="45720" rIns="91440" bIns="45720" rtlCol="0" anchor="t">
+            <a:normAutofit/>
+          </a:bodyPr>
+          <a:lstStyle>
+            <a:lvl1pPr algn="l" defTabSz="457200" rtl="0" eaLnBrk="1" latinLnBrk="0" hangingPunct="1">
+              <a:spcBef>
+                <a:spcPct val="0"/>
+              </a:spcBef>
+              <a:buNone/>
+              <a:defRPr sz="3600" kern="1200">
+                <a:solidFill>
+                  <a:schemeClr val="accent1"/>
+                </a:solidFill>
+                <a:latin typeface="+mj-lt"/>
+                <a:ea typeface="+mj-ea"/>
+                <a:cs typeface="+mj-cs"/>
+              </a:defRPr>
+            </a:lvl1pPr>
+            <a:lvl2pPr eaLnBrk="1" hangingPunct="1">
+              <a:defRPr>
+                <a:solidFill>
+                  <a:schemeClr val="tx2"/>
+                </a:solidFill>
+              </a:defRPr>
+            </a:lvl2pPr>
+            <a:lvl3pPr eaLnBrk="1" hangingPunct="1">
+              <a:defRPr>
+                <a:solidFill>
+                  <a:schemeClr val="tx2"/>
+                </a:solidFill>
+              </a:defRPr>
+            </a:lvl3pPr>
+            <a:lvl4pPr eaLnBrk="1" hangingPunct="1">
+              <a:defRPr>
+                <a:solidFill>
+                  <a:schemeClr val="tx2"/>
+                </a:solidFill>
+              </a:defRPr>
+            </a:lvl4pPr>
+            <a:lvl5pPr eaLnBrk="1" hangingPunct="1">
+              <a:defRPr>
+                <a:solidFill>
+                  <a:schemeClr val="tx2"/>
+                </a:solidFill>
+              </a:defRPr>
+            </a:lvl5pPr>
+            <a:lvl6pPr eaLnBrk="1" hangingPunct="1">
+              <a:defRPr>
+                <a:solidFill>
+                  <a:schemeClr val="tx2"/>
+                </a:solidFill>
+              </a:defRPr>
+            </a:lvl6pPr>
+            <a:lvl7pPr eaLnBrk="1" hangingPunct="1">
+              <a:defRPr>
+                <a:solidFill>
+                  <a:schemeClr val="tx2"/>
+                </a:solidFill>
+              </a:defRPr>
+            </a:lvl7pPr>
+            <a:lvl8pPr eaLnBrk="1" hangingPunct="1">
+              <a:defRPr>
+                <a:solidFill>
+                  <a:schemeClr val="tx2"/>
+                </a:solidFill>
+              </a:defRPr>
+            </a:lvl8pPr>
+            <a:lvl9pPr eaLnBrk="1" hangingPunct="1">
+              <a:defRPr>
+                <a:solidFill>
+                  <a:schemeClr val="tx2"/>
+                </a:solidFill>
+              </a:defRPr>
+            </a:lvl9pPr>
+          </a:lstStyle>
+          <a:p>
+            <a:r>
+              <a:rPr lang="zh-TW" altLang="en-US" dirty="0" smtClean="0"/>
+              <a:t>火焰感測器</a:t>
+            </a:r>
+            <a:endParaRPr lang="zh-TW" altLang="en-US" dirty="0"/>
+          </a:p>
+        </p:txBody>
+      </p:sp>
+      <p:sp>
+        <p:nvSpPr>
+          <p:cNvPr id="6" name="Content Placeholder 2"/>
+          <p:cNvSpPr txBox="1">
+            <a:spLocks/>
+          </p:cNvSpPr>
+          <p:nvPr/>
+        </p:nvSpPr>
+        <p:spPr>
+          <a:xfrm>
+            <a:off x="492211" y="3657600"/>
+            <a:ext cx="6447501" cy="658810"/>
+          </a:xfrm>
+          <a:prstGeom prst="rect">
+            <a:avLst/>
+          </a:prstGeom>
+        </p:spPr>
+        <p:txBody>
+          <a:bodyPr vert="horz" lIns="91440" tIns="45720" rIns="91440" bIns="45720" rtlCol="0">
+            <a:normAutofit/>
+          </a:bodyPr>
+          <a:lstStyle>
+            <a:lvl1pPr marL="342900" indent="-342900" algn="l" defTabSz="457200" rtl="0" eaLnBrk="1" latinLnBrk="0" hangingPunct="1">
+              <a:spcBef>
+                <a:spcPts val="1000"/>
+              </a:spcBef>
+              <a:spcAft>
+                <a:spcPts val="0"/>
+              </a:spcAft>
+              <a:buClr>
+                <a:schemeClr val="accent1"/>
+              </a:buClr>
+              <a:buSzPct val="80000"/>
+              <a:buFont typeface="Wingdings 3" charset="2"/>
+              <a:buChar char=""/>
+              <a:defRPr sz="1800" kern="1200">
+                <a:solidFill>
+                  <a:schemeClr val="tx1">
+                    <a:lumMod val="75000"/>
+                    <a:lumOff val="25000"/>
+                  </a:schemeClr>
+                </a:solidFill>
+                <a:latin typeface="+mn-lt"/>
+                <a:ea typeface="+mn-ea"/>
+                <a:cs typeface="+mn-cs"/>
+              </a:defRPr>
+            </a:lvl1pPr>
+            <a:lvl2pPr marL="742950" indent="-285750" algn="l" defTabSz="457200" rtl="0" eaLnBrk="1" latinLnBrk="0" hangingPunct="1">
+              <a:spcBef>
+                <a:spcPts val="1000"/>
+              </a:spcBef>
+              <a:spcAft>
+                <a:spcPts val="0"/>
+              </a:spcAft>
+              <a:buClr>
+                <a:schemeClr val="accent1"/>
+              </a:buClr>
+              <a:buSzPct val="80000"/>
+              <a:buFont typeface="Wingdings 3" charset="2"/>
+              <a:buChar char=""/>
+              <a:defRPr sz="1600" kern="1200">
+                <a:solidFill>
+                  <a:schemeClr val="tx1">
+                    <a:lumMod val="75000"/>
+                    <a:lumOff val="25000"/>
+                  </a:schemeClr>
+                </a:solidFill>
+                <a:latin typeface="+mn-lt"/>
+                <a:ea typeface="+mn-ea"/>
+                <a:cs typeface="+mn-cs"/>
+              </a:defRPr>
+            </a:lvl2pPr>
+            <a:lvl3pPr marL="1143000" indent="-228600" algn="l" defTabSz="457200" rtl="0" eaLnBrk="1" latinLnBrk="0" hangingPunct="1">
+              <a:spcBef>
+                <a:spcPts val="1000"/>
+              </a:spcBef>
+              <a:spcAft>
+                <a:spcPts val="0"/>
+              </a:spcAft>
+              <a:buClr>
+                <a:schemeClr val="accent1"/>
+              </a:buClr>
+              <a:buSzPct val="80000"/>
+              <a:buFont typeface="Wingdings 3" charset="2"/>
+              <a:buChar char=""/>
+              <a:defRPr sz="1400" kern="1200">
+                <a:solidFill>
+                  <a:schemeClr val="tx1">
+                    <a:lumMod val="75000"/>
+                    <a:lumOff val="25000"/>
+                  </a:schemeClr>
+                </a:solidFill>
+                <a:latin typeface="+mn-lt"/>
+                <a:ea typeface="+mn-ea"/>
+                <a:cs typeface="+mn-cs"/>
+              </a:defRPr>
+            </a:lvl3pPr>
+            <a:lvl4pPr marL="1600200" indent="-228600" algn="l" defTabSz="457200" rtl="0" eaLnBrk="1" latinLnBrk="0" hangingPunct="1">
+              <a:spcBef>
+                <a:spcPts val="1000"/>
+              </a:spcBef>
+              <a:spcAft>
+                <a:spcPts val="0"/>
+              </a:spcAft>
+              <a:buClr>
+                <a:schemeClr val="accent1"/>
+              </a:buClr>
+              <a:buSzPct val="80000"/>
+              <a:buFont typeface="Wingdings 3" charset="2"/>
+              <a:buChar char=""/>
+              <a:defRPr sz="1200" kern="1200">
+                <a:solidFill>
+                  <a:schemeClr val="tx1">
+                    <a:lumMod val="75000"/>
+                    <a:lumOff val="25000"/>
+                  </a:schemeClr>
+                </a:solidFill>
+                <a:latin typeface="+mn-lt"/>
+                <a:ea typeface="+mn-ea"/>
+                <a:cs typeface="+mn-cs"/>
+              </a:defRPr>
+            </a:lvl4pPr>
+            <a:lvl5pPr marL="2057400" indent="-228600" algn="l" defTabSz="457200" rtl="0" eaLnBrk="1" latinLnBrk="0" hangingPunct="1">
+              <a:spcBef>
+                <a:spcPts val="1000"/>
+              </a:spcBef>
+              <a:spcAft>
+                <a:spcPts val="0"/>
+              </a:spcAft>
+              <a:buClr>
+                <a:schemeClr val="accent1"/>
+              </a:buClr>
+              <a:buSzPct val="80000"/>
+              <a:buFont typeface="Wingdings 3" charset="2"/>
+              <a:buChar char=""/>
+              <a:defRPr sz="1200" kern="1200">
+                <a:solidFill>
+                  <a:schemeClr val="tx1">
+                    <a:lumMod val="75000"/>
+                    <a:lumOff val="25000"/>
+                  </a:schemeClr>
+                </a:solidFill>
+                <a:latin typeface="+mn-lt"/>
+                <a:ea typeface="+mn-ea"/>
+                <a:cs typeface="+mn-cs"/>
+              </a:defRPr>
+            </a:lvl5pPr>
+            <a:lvl6pPr marL="2514600" indent="-228600" algn="l" defTabSz="457200" rtl="0" eaLnBrk="1" latinLnBrk="0" hangingPunct="1">
+              <a:spcBef>
+                <a:spcPts val="1000"/>
+              </a:spcBef>
+              <a:spcAft>
+                <a:spcPts val="0"/>
+              </a:spcAft>
+              <a:buClr>
+                <a:schemeClr val="accent1"/>
+              </a:buClr>
+              <a:buSzPct val="80000"/>
+              <a:buFont typeface="Wingdings 3" charset="2"/>
+              <a:buChar char=""/>
+              <a:defRPr sz="1200" kern="1200">
+                <a:solidFill>
+                  <a:schemeClr val="tx1">
+                    <a:lumMod val="75000"/>
+                    <a:lumOff val="25000"/>
+                  </a:schemeClr>
+                </a:solidFill>
+                <a:latin typeface="+mn-lt"/>
+                <a:ea typeface="+mn-ea"/>
+                <a:cs typeface="+mn-cs"/>
+              </a:defRPr>
+            </a:lvl6pPr>
+            <a:lvl7pPr marL="2971800" indent="-228600" algn="l" defTabSz="457200" rtl="0" eaLnBrk="1" latinLnBrk="0" hangingPunct="1">
+              <a:spcBef>
+                <a:spcPts val="1000"/>
+              </a:spcBef>
+              <a:spcAft>
+                <a:spcPts val="0"/>
+              </a:spcAft>
+              <a:buClr>
+                <a:schemeClr val="accent1"/>
+              </a:buClr>
+              <a:buSzPct val="80000"/>
+              <a:buFont typeface="Wingdings 3" charset="2"/>
+              <a:buChar char=""/>
+              <a:defRPr sz="1200" kern="1200">
+                <a:solidFill>
+                  <a:schemeClr val="tx1">
+                    <a:lumMod val="75000"/>
+                    <a:lumOff val="25000"/>
+                  </a:schemeClr>
+                </a:solidFill>
+                <a:latin typeface="+mn-lt"/>
+                <a:ea typeface="+mn-ea"/>
+                <a:cs typeface="+mn-cs"/>
+              </a:defRPr>
+            </a:lvl7pPr>
+            <a:lvl8pPr marL="3429000" indent="-228600" algn="l" defTabSz="457200" rtl="0" eaLnBrk="1" latinLnBrk="0" hangingPunct="1">
+              <a:spcBef>
+                <a:spcPts val="1000"/>
+              </a:spcBef>
+              <a:spcAft>
+                <a:spcPts val="0"/>
+              </a:spcAft>
+              <a:buClr>
+                <a:schemeClr val="accent1"/>
+              </a:buClr>
+              <a:buSzPct val="80000"/>
+              <a:buFont typeface="Wingdings 3" charset="2"/>
+              <a:buChar char=""/>
+              <a:defRPr sz="1200" kern="1200">
+                <a:solidFill>
+                  <a:schemeClr val="tx1">
+                    <a:lumMod val="75000"/>
+                    <a:lumOff val="25000"/>
+                  </a:schemeClr>
+                </a:solidFill>
+                <a:latin typeface="+mn-lt"/>
+                <a:ea typeface="+mn-ea"/>
+                <a:cs typeface="+mn-cs"/>
+              </a:defRPr>
+            </a:lvl8pPr>
+            <a:lvl9pPr marL="3886200" indent="-228600" algn="l" defTabSz="457200" rtl="0" eaLnBrk="1" latinLnBrk="0" hangingPunct="1">
+              <a:spcBef>
+                <a:spcPts val="1000"/>
+              </a:spcBef>
+              <a:spcAft>
+                <a:spcPts val="0"/>
+              </a:spcAft>
+              <a:buClr>
+                <a:schemeClr val="accent1"/>
+              </a:buClr>
+              <a:buSzPct val="80000"/>
+              <a:buFont typeface="Wingdings 3" charset="2"/>
+              <a:buChar char=""/>
+              <a:defRPr sz="1200" kern="1200">
+                <a:solidFill>
+                  <a:schemeClr val="tx1">
+                    <a:lumMod val="75000"/>
+                    <a:lumOff val="25000"/>
+                  </a:schemeClr>
+                </a:solidFill>
+                <a:latin typeface="+mn-lt"/>
+                <a:ea typeface="+mn-ea"/>
+                <a:cs typeface="+mn-cs"/>
+              </a:defRPr>
+            </a:lvl9pPr>
+          </a:lstStyle>
+          <a:p>
+            <a:r>
+              <a:rPr lang="zh-TW" altLang="en-US" dirty="0" smtClean="0"/>
+              <a:t>紅外線感測器檢</a:t>
+            </a:r>
+            <a:r>
+              <a:rPr lang="zh-TW" altLang="en-US" dirty="0"/>
+              <a:t>測火焰或者波長在</a:t>
+            </a:r>
+            <a:r>
+              <a:rPr lang="en-US" altLang="zh-TW" dirty="0"/>
+              <a:t>760nm</a:t>
+            </a:r>
+            <a:r>
+              <a:rPr lang="zh-TW" altLang="en-US" dirty="0" smtClean="0"/>
+              <a:t>～</a:t>
+            </a:r>
+            <a:r>
+              <a:rPr lang="en-US" altLang="zh-TW" dirty="0"/>
+              <a:t>1100nm</a:t>
+            </a:r>
+            <a:r>
+              <a:rPr lang="zh-TW" altLang="en-US" dirty="0" smtClean="0"/>
+              <a:t>範</a:t>
+            </a:r>
+            <a:r>
+              <a:rPr lang="zh-TW" altLang="en-US" dirty="0"/>
+              <a:t>圍內的光源</a:t>
+            </a:r>
+            <a:endParaRPr lang="zh-TW" altLang="en-US" dirty="0"/>
+          </a:p>
+        </p:txBody>
+      </p:sp>
+      <p:pic>
+        <p:nvPicPr>
+          <p:cNvPr id="7" name="Picture 6"/>
+          <p:cNvPicPr>
+            <a:picLocks noChangeAspect="1"/>
+          </p:cNvPicPr>
+          <p:nvPr/>
+        </p:nvPicPr>
+        <p:blipFill>
+          <a:blip r:embed="rId4" cstate="print">
+            <a:extLst>
+              <a:ext uri="{BEBA8EAE-BF5A-486C-A8C5-ECC9F3942E4B}">
+                <a14:imgProps xmlns:a14="http://schemas.microsoft.com/office/drawing/2010/main">
+                  <a14:imgLayer r:embed="rId5">
+                    <a14:imgEffect>
+                      <a14:backgroundRemoval t="15060" b="89458" l="1842" r="99448">
+                        <a14:foregroundMark x1="11050" y1="71084" x2="11050" y2="71084"/>
+                        <a14:foregroundMark x1="80295" y1="45181" x2="80295" y2="45181"/>
+                      </a14:backgroundRemoval>
+                    </a14:imgEffect>
+                  </a14:imgLayer>
+                </a14:imgProps>
+              </a:ext>
+              <a:ext uri="{28A0092B-C50C-407E-A947-70E740481C1C}">
+                <a14:useLocalDpi xmlns:a14="http://schemas.microsoft.com/office/drawing/2010/main" val="0"/>
+              </a:ext>
+            </a:extLst>
+          </a:blip>
+          <a:stretch>
+            <a:fillRect/>
+          </a:stretch>
+        </p:blipFill>
+        <p:spPr>
+          <a:xfrm>
+            <a:off x="3886200" y="2292794"/>
+            <a:ext cx="1981200" cy="1211341"/>
+          </a:xfrm>
+          <a:prstGeom prst="rect">
+            <a:avLst/>
+          </a:prstGeom>
+        </p:spPr>
+      </p:pic>
+      <p:pic>
+        <p:nvPicPr>
+          <p:cNvPr id="8" name="Picture 7"/>
+          <p:cNvPicPr>
+            <a:picLocks noChangeAspect="1"/>
+          </p:cNvPicPr>
+          <p:nvPr/>
+        </p:nvPicPr>
+        <p:blipFill>
+          <a:blip r:embed="rId6" cstate="print">
+            <a:extLst>
+              <a:ext uri="{BEBA8EAE-BF5A-486C-A8C5-ECC9F3942E4B}">
+                <a14:imgProps xmlns:a14="http://schemas.microsoft.com/office/drawing/2010/main">
+                  <a14:imgLayer r:embed="rId7">
+                    <a14:imgEffect>
+                      <a14:backgroundRemoval t="0" b="99471" l="6809" r="94894">
+                        <a14:foregroundMark x1="45532" y1="22222" x2="45532" y2="22222"/>
+                        <a14:foregroundMark x1="58511" y1="26720" x2="58511" y2="26720"/>
+                        <a14:foregroundMark x1="46596" y1="5556" x2="46596" y2="5556"/>
+                        <a14:foregroundMark x1="40638" y1="11376" x2="40638" y2="11376"/>
+                        <a14:foregroundMark x1="46170" y1="10847" x2="46170" y2="10847"/>
+                        <a14:foregroundMark x1="55106" y1="13492" x2="55106" y2="13492"/>
+                        <a14:foregroundMark x1="57447" y1="13492" x2="57447" y2="13492"/>
+                        <a14:foregroundMark x1="51915" y1="18254" x2="51915" y2="18254"/>
+                        <a14:foregroundMark x1="42979" y1="19312" x2="42979" y2="19312"/>
+                        <a14:foregroundMark x1="49362" y1="24868" x2="49362" y2="24868"/>
+                        <a14:backgroundMark x1="25106" y1="74339" x2="25106" y2="74339"/>
+                        <a14:backgroundMark x1="45957" y1="62963" x2="45957" y2="62963"/>
+                        <a14:backgroundMark x1="58936" y1="57407" x2="58936" y2="57407"/>
+                        <a14:backgroundMark x1="64894" y1="72751" x2="64894" y2="72751"/>
+                        <a14:backgroundMark x1="59787" y1="69312" x2="59787" y2="69312"/>
+                        <a14:backgroundMark x1="64681" y1="63492" x2="64681" y2="63492"/>
+                        <a14:backgroundMark x1="68085" y1="71429" x2="68085" y2="71429"/>
+                        <a14:backgroundMark x1="55106" y1="49471" x2="55106" y2="49471"/>
+                        <a14:backgroundMark x1="52979" y1="44709" x2="52979" y2="44709"/>
+                        <a14:backgroundMark x1="39574" y1="54497" x2="39574" y2="54497"/>
+                        <a14:backgroundMark x1="43404" y1="59524" x2="43404" y2="59524"/>
+                        <a14:backgroundMark x1="47872" y1="72751" x2="47872" y2="72751"/>
+                        <a14:backgroundMark x1="49787" y1="81746" x2="49787" y2="81746"/>
+                        <a14:backgroundMark x1="20000" y1="65344" x2="20000" y2="65344"/>
+                        <a14:backgroundMark x1="22766" y1="60847" x2="22766" y2="60847"/>
+                        <a14:backgroundMark x1="26383" y1="70899" x2="26383" y2="70899"/>
+                        <a14:backgroundMark x1="35106" y1="76720" x2="35106" y2="76720"/>
+                        <a14:backgroundMark x1="31489" y1="79630" x2="31489" y2="79630"/>
+                        <a14:backgroundMark x1="30000" y1="80159" x2="30000" y2="80159"/>
+                        <a14:backgroundMark x1="27660" y1="93122" x2="27660" y2="93122"/>
+                        <a14:backgroundMark x1="19574" y1="80688" x2="19574" y2="80688"/>
+                        <a14:backgroundMark x1="23617" y1="79630" x2="23617" y2="79630"/>
+                        <a14:backgroundMark x1="31915" y1="87566" x2="31915" y2="87566"/>
+                        <a14:backgroundMark x1="32340" y1="94444" x2="32340" y2="94444"/>
+                        <a14:backgroundMark x1="31489" y1="76190" x2="31489" y2="76190"/>
+                        <a14:backgroundMark x1="24468" y1="63757" x2="24468" y2="63757"/>
+                        <a14:backgroundMark x1="40000" y1="51058" x2="40000" y2="51058"/>
+                        <a14:backgroundMark x1="47447" y1="68783" x2="47447" y2="68783"/>
+                        <a14:backgroundMark x1="49362" y1="76720" x2="49362" y2="76720"/>
+                        <a14:backgroundMark x1="51489" y1="81217" x2="51489" y2="81217"/>
+                        <a14:backgroundMark x1="57021" y1="53439" x2="57021" y2="53439"/>
+                        <a14:backgroundMark x1="57021" y1="56349" x2="57021" y2="56349"/>
+                        <a14:backgroundMark x1="21277" y1="58995" x2="21277" y2="58995"/>
+                        <a14:backgroundMark x1="19574" y1="56085" x2="19574" y2="56085"/>
+                        <a14:backgroundMark x1="39149" y1="48148" x2="39149" y2="48148"/>
+                        <a14:backgroundMark x1="29574" y1="85714" x2="29574" y2="85714"/>
+                        <a14:backgroundMark x1="26383" y1="84127" x2="26383" y2="84127"/>
+                        <a14:backgroundMark x1="37872" y1="70370" x2="37872" y2="70370"/>
+                        <a14:backgroundMark x1="30000" y1="70370" x2="30000" y2="70370"/>
+                        <a14:backgroundMark x1="27234" y1="72222" x2="27234" y2="72222"/>
+                      </a14:backgroundRemoval>
+                    </a14:imgEffect>
+                  </a14:imgLayer>
+                </a14:imgProps>
+              </a:ext>
+              <a:ext uri="{28A0092B-C50C-407E-A947-70E740481C1C}">
+                <a14:useLocalDpi xmlns:a14="http://schemas.microsoft.com/office/drawing/2010/main" val="0"/>
+              </a:ext>
+            </a:extLst>
+          </a:blip>
+          <a:stretch>
+            <a:fillRect/>
+          </a:stretch>
+        </p:blipFill>
+        <p:spPr>
+          <a:xfrm>
+            <a:off x="3822395" y="4316410"/>
+            <a:ext cx="1880209" cy="1509801"/>
+          </a:xfrm>
+          <a:prstGeom prst="rect">
+            <a:avLst/>
+          </a:prstGeom>
+        </p:spPr>
+      </p:pic>
+      <p:sp>
+        <p:nvSpPr>
+          <p:cNvPr id="9" name="Title 1"/>
+          <p:cNvSpPr txBox="1">
+            <a:spLocks/>
+          </p:cNvSpPr>
+          <p:nvPr/>
+        </p:nvSpPr>
+        <p:spPr>
+          <a:xfrm>
+            <a:off x="496330" y="4587355"/>
+            <a:ext cx="6447501" cy="1320800"/>
+          </a:xfrm>
+          <a:prstGeom prst="rect">
+            <a:avLst/>
+          </a:prstGeom>
+        </p:spPr>
+        <p:txBody>
+          <a:bodyPr vert="horz" lIns="91440" tIns="45720" rIns="91440" bIns="45720" rtlCol="0" anchor="t">
+            <a:normAutofit/>
+          </a:bodyPr>
+          <a:lstStyle>
+            <a:lvl1pPr algn="l" defTabSz="457200" rtl="0" eaLnBrk="1" latinLnBrk="0" hangingPunct="1">
+              <a:spcBef>
+                <a:spcPct val="0"/>
+              </a:spcBef>
+              <a:buNone/>
+              <a:defRPr sz="3600" kern="1200">
+                <a:solidFill>
+                  <a:schemeClr val="accent1"/>
+                </a:solidFill>
+                <a:latin typeface="+mj-lt"/>
+                <a:ea typeface="+mj-ea"/>
+                <a:cs typeface="+mj-cs"/>
+              </a:defRPr>
+            </a:lvl1pPr>
+            <a:lvl2pPr eaLnBrk="1" hangingPunct="1">
+              <a:defRPr>
+                <a:solidFill>
+                  <a:schemeClr val="tx2"/>
+                </a:solidFill>
+              </a:defRPr>
+            </a:lvl2pPr>
+            <a:lvl3pPr eaLnBrk="1" hangingPunct="1">
+              <a:defRPr>
+                <a:solidFill>
+                  <a:schemeClr val="tx2"/>
+                </a:solidFill>
+              </a:defRPr>
+            </a:lvl3pPr>
+            <a:lvl4pPr eaLnBrk="1" hangingPunct="1">
+              <a:defRPr>
+                <a:solidFill>
+                  <a:schemeClr val="tx2"/>
+                </a:solidFill>
+              </a:defRPr>
+            </a:lvl4pPr>
+            <a:lvl5pPr eaLnBrk="1" hangingPunct="1">
+              <a:defRPr>
+                <a:solidFill>
+                  <a:schemeClr val="tx2"/>
+                </a:solidFill>
+              </a:defRPr>
+            </a:lvl5pPr>
+            <a:lvl6pPr eaLnBrk="1" hangingPunct="1">
+              <a:defRPr>
+                <a:solidFill>
+                  <a:schemeClr val="tx2"/>
+                </a:solidFill>
+              </a:defRPr>
+            </a:lvl6pPr>
+            <a:lvl7pPr eaLnBrk="1" hangingPunct="1">
+              <a:defRPr>
+                <a:solidFill>
+                  <a:schemeClr val="tx2"/>
+                </a:solidFill>
+              </a:defRPr>
+            </a:lvl7pPr>
+            <a:lvl8pPr eaLnBrk="1" hangingPunct="1">
+              <a:defRPr>
+                <a:solidFill>
+                  <a:schemeClr val="tx2"/>
+                </a:solidFill>
+              </a:defRPr>
+            </a:lvl8pPr>
+            <a:lvl9pPr eaLnBrk="1" hangingPunct="1">
+              <a:defRPr>
+                <a:solidFill>
+                  <a:schemeClr val="tx2"/>
+                </a:solidFill>
+              </a:defRPr>
+            </a:lvl9pPr>
+          </a:lstStyle>
+          <a:p>
+            <a:r>
+              <a:rPr lang="zh-TW" altLang="en-US" dirty="0"/>
+              <a:t>伺服馬達</a:t>
+            </a:r>
+          </a:p>
+        </p:txBody>
+      </p:sp>
+      <p:sp>
+        <p:nvSpPr>
+          <p:cNvPr id="10" name="Content Placeholder 2"/>
+          <p:cNvSpPr txBox="1">
+            <a:spLocks/>
+          </p:cNvSpPr>
+          <p:nvPr/>
+        </p:nvSpPr>
+        <p:spPr>
+          <a:xfrm>
+            <a:off x="492211" y="5257800"/>
+            <a:ext cx="6447501" cy="658810"/>
+          </a:xfrm>
+          <a:prstGeom prst="rect">
+            <a:avLst/>
+          </a:prstGeom>
+        </p:spPr>
+        <p:txBody>
+          <a:bodyPr vert="horz" lIns="91440" tIns="45720" rIns="91440" bIns="45720" rtlCol="0">
+            <a:normAutofit/>
+          </a:bodyPr>
+          <a:lstStyle>
+            <a:lvl1pPr marL="342900" indent="-342900" algn="l" defTabSz="457200" rtl="0" eaLnBrk="1" latinLnBrk="0" hangingPunct="1">
+              <a:spcBef>
+                <a:spcPts val="1000"/>
+              </a:spcBef>
+              <a:spcAft>
+                <a:spcPts val="0"/>
+              </a:spcAft>
+              <a:buClr>
+                <a:schemeClr val="accent1"/>
+              </a:buClr>
+              <a:buSzPct val="80000"/>
+              <a:buFont typeface="Wingdings 3" charset="2"/>
+              <a:buChar char=""/>
+              <a:defRPr sz="1800" kern="1200">
+                <a:solidFill>
+                  <a:schemeClr val="tx1">
+                    <a:lumMod val="75000"/>
+                    <a:lumOff val="25000"/>
+                  </a:schemeClr>
+                </a:solidFill>
+                <a:latin typeface="+mn-lt"/>
+                <a:ea typeface="+mn-ea"/>
+                <a:cs typeface="+mn-cs"/>
+              </a:defRPr>
+            </a:lvl1pPr>
+            <a:lvl2pPr marL="742950" indent="-285750" algn="l" defTabSz="457200" rtl="0" eaLnBrk="1" latinLnBrk="0" hangingPunct="1">
+              <a:spcBef>
+                <a:spcPts val="1000"/>
+              </a:spcBef>
+              <a:spcAft>
+                <a:spcPts val="0"/>
+              </a:spcAft>
+              <a:buClr>
+                <a:schemeClr val="accent1"/>
+              </a:buClr>
+              <a:buSzPct val="80000"/>
+              <a:buFont typeface="Wingdings 3" charset="2"/>
+              <a:buChar char=""/>
+              <a:defRPr sz="1600" kern="1200">
+                <a:solidFill>
+                  <a:schemeClr val="tx1">
+                    <a:lumMod val="75000"/>
+                    <a:lumOff val="25000"/>
+                  </a:schemeClr>
+                </a:solidFill>
+                <a:latin typeface="+mn-lt"/>
+                <a:ea typeface="+mn-ea"/>
+                <a:cs typeface="+mn-cs"/>
+              </a:defRPr>
+            </a:lvl2pPr>
+            <a:lvl3pPr marL="1143000" indent="-228600" algn="l" defTabSz="457200" rtl="0" eaLnBrk="1" latinLnBrk="0" hangingPunct="1">
+              <a:spcBef>
+                <a:spcPts val="1000"/>
+              </a:spcBef>
+              <a:spcAft>
+                <a:spcPts val="0"/>
+              </a:spcAft>
+              <a:buClr>
+                <a:schemeClr val="accent1"/>
+              </a:buClr>
+              <a:buSzPct val="80000"/>
+              <a:buFont typeface="Wingdings 3" charset="2"/>
+              <a:buChar char=""/>
+              <a:defRPr sz="1400" kern="1200">
+                <a:solidFill>
+                  <a:schemeClr val="tx1">
+                    <a:lumMod val="75000"/>
+                    <a:lumOff val="25000"/>
+                  </a:schemeClr>
+                </a:solidFill>
+                <a:latin typeface="+mn-lt"/>
+                <a:ea typeface="+mn-ea"/>
+                <a:cs typeface="+mn-cs"/>
+              </a:defRPr>
+            </a:lvl3pPr>
+            <a:lvl4pPr marL="1600200" indent="-228600" algn="l" defTabSz="457200" rtl="0" eaLnBrk="1" latinLnBrk="0" hangingPunct="1">
+              <a:spcBef>
+                <a:spcPts val="1000"/>
+              </a:spcBef>
+              <a:spcAft>
+                <a:spcPts val="0"/>
+              </a:spcAft>
+              <a:buClr>
+                <a:schemeClr val="accent1"/>
+              </a:buClr>
+              <a:buSzPct val="80000"/>
+              <a:buFont typeface="Wingdings 3" charset="2"/>
+              <a:buChar char=""/>
+              <a:defRPr sz="1200" kern="1200">
+                <a:solidFill>
+                  <a:schemeClr val="tx1">
+                    <a:lumMod val="75000"/>
+                    <a:lumOff val="25000"/>
+                  </a:schemeClr>
+                </a:solidFill>
+                <a:latin typeface="+mn-lt"/>
+                <a:ea typeface="+mn-ea"/>
+                <a:cs typeface="+mn-cs"/>
+              </a:defRPr>
+            </a:lvl4pPr>
+            <a:lvl5pPr marL="2057400" indent="-228600" algn="l" defTabSz="457200" rtl="0" eaLnBrk="1" latinLnBrk="0" hangingPunct="1">
+              <a:spcBef>
+                <a:spcPts val="1000"/>
+              </a:spcBef>
+              <a:spcAft>
+                <a:spcPts val="0"/>
+              </a:spcAft>
+              <a:buClr>
+                <a:schemeClr val="accent1"/>
+              </a:buClr>
+              <a:buSzPct val="80000"/>
+              <a:buFont typeface="Wingdings 3" charset="2"/>
+              <a:buChar char=""/>
+              <a:defRPr sz="1200" kern="1200">
+                <a:solidFill>
+                  <a:schemeClr val="tx1">
+                    <a:lumMod val="75000"/>
+                    <a:lumOff val="25000"/>
+                  </a:schemeClr>
+                </a:solidFill>
+                <a:latin typeface="+mn-lt"/>
+                <a:ea typeface="+mn-ea"/>
+                <a:cs typeface="+mn-cs"/>
+              </a:defRPr>
+            </a:lvl5pPr>
+            <a:lvl6pPr marL="2514600" indent="-228600" algn="l" defTabSz="457200" rtl="0" eaLnBrk="1" latinLnBrk="0" hangingPunct="1">
+              <a:spcBef>
+                <a:spcPts val="1000"/>
+              </a:spcBef>
+              <a:spcAft>
+                <a:spcPts val="0"/>
+              </a:spcAft>
+              <a:buClr>
+                <a:schemeClr val="accent1"/>
+              </a:buClr>
+              <a:buSzPct val="80000"/>
+              <a:buFont typeface="Wingdings 3" charset="2"/>
+              <a:buChar char=""/>
+              <a:defRPr sz="1200" kern="1200">
+                <a:solidFill>
+                  <a:schemeClr val="tx1">
+                    <a:lumMod val="75000"/>
+                    <a:lumOff val="25000"/>
+                  </a:schemeClr>
+                </a:solidFill>
+                <a:latin typeface="+mn-lt"/>
+                <a:ea typeface="+mn-ea"/>
+                <a:cs typeface="+mn-cs"/>
+              </a:defRPr>
+            </a:lvl6pPr>
+            <a:lvl7pPr marL="2971800" indent="-228600" algn="l" defTabSz="457200" rtl="0" eaLnBrk="1" latinLnBrk="0" hangingPunct="1">
+              <a:spcBef>
+                <a:spcPts val="1000"/>
+              </a:spcBef>
+              <a:spcAft>
+                <a:spcPts val="0"/>
+              </a:spcAft>
+              <a:buClr>
+                <a:schemeClr val="accent1"/>
+              </a:buClr>
+              <a:buSzPct val="80000"/>
+              <a:buFont typeface="Wingdings 3" charset="2"/>
+              <a:buChar char=""/>
+              <a:defRPr sz="1200" kern="1200">
+                <a:solidFill>
+                  <a:schemeClr val="tx1">
+                    <a:lumMod val="75000"/>
+                    <a:lumOff val="25000"/>
+                  </a:schemeClr>
+                </a:solidFill>
+                <a:latin typeface="+mn-lt"/>
+                <a:ea typeface="+mn-ea"/>
+                <a:cs typeface="+mn-cs"/>
+              </a:defRPr>
+            </a:lvl7pPr>
+            <a:lvl8pPr marL="3429000" indent="-228600" algn="l" defTabSz="457200" rtl="0" eaLnBrk="1" latinLnBrk="0" hangingPunct="1">
+              <a:spcBef>
+                <a:spcPts val="1000"/>
+              </a:spcBef>
+              <a:spcAft>
+                <a:spcPts val="0"/>
+              </a:spcAft>
+              <a:buClr>
+                <a:schemeClr val="accent1"/>
+              </a:buClr>
+              <a:buSzPct val="80000"/>
+              <a:buFont typeface="Wingdings 3" charset="2"/>
+              <a:buChar char=""/>
+              <a:defRPr sz="1200" kern="1200">
+                <a:solidFill>
+                  <a:schemeClr val="tx1">
+                    <a:lumMod val="75000"/>
+                    <a:lumOff val="25000"/>
+                  </a:schemeClr>
+                </a:solidFill>
+                <a:latin typeface="+mn-lt"/>
+                <a:ea typeface="+mn-ea"/>
+                <a:cs typeface="+mn-cs"/>
+              </a:defRPr>
+            </a:lvl8pPr>
+            <a:lvl9pPr marL="3886200" indent="-228600" algn="l" defTabSz="457200" rtl="0" eaLnBrk="1" latinLnBrk="0" hangingPunct="1">
+              <a:spcBef>
+                <a:spcPts val="1000"/>
+              </a:spcBef>
+              <a:spcAft>
+                <a:spcPts val="0"/>
+              </a:spcAft>
+              <a:buClr>
+                <a:schemeClr val="accent1"/>
+              </a:buClr>
+              <a:buSzPct val="80000"/>
+              <a:buFont typeface="Wingdings 3" charset="2"/>
+              <a:buChar char=""/>
+              <a:defRPr sz="1200" kern="1200">
+                <a:solidFill>
+                  <a:schemeClr val="tx1">
+                    <a:lumMod val="75000"/>
+                    <a:lumOff val="25000"/>
+                  </a:schemeClr>
+                </a:solidFill>
+                <a:latin typeface="+mn-lt"/>
+                <a:ea typeface="+mn-ea"/>
+                <a:cs typeface="+mn-cs"/>
+              </a:defRPr>
+            </a:lvl9pPr>
+          </a:lstStyle>
+          <a:p>
+            <a:r>
+              <a:rPr lang="zh-TW" altLang="en-US" dirty="0"/>
+              <a:t>藉</a:t>
+            </a:r>
+            <a:r>
+              <a:rPr lang="zh-TW" altLang="en-US" dirty="0" smtClean="0"/>
+              <a:t>由</a:t>
+            </a:r>
+            <a:r>
+              <a:rPr lang="zh-TW" altLang="en-US" dirty="0"/>
+              <a:t>脈衝</a:t>
+            </a:r>
+            <a:r>
+              <a:rPr lang="zh-TW" altLang="en-US" dirty="0" smtClean="0"/>
+              <a:t>控制腳位電壓輸出，可改變舵槳角度</a:t>
+            </a:r>
+            <a:endParaRPr lang="zh-TW" altLang="en-US" dirty="0"/>
+          </a:p>
+        </p:txBody>
+      </p:sp>
+    </p:spTree>
+    <p:extLst>
+      <p:ext uri="{BB962C8B-B14F-4D97-AF65-F5344CB8AC3E}">
+        <p14:creationId xmlns:p14="http://schemas.microsoft.com/office/powerpoint/2010/main" val="212661472"/>
+      </p:ext>
+    </p:extLst>
+  </p:cSld>
+  <p:clrMapOvr>
+    <a:masterClrMapping/>
+  </p:clrMapOvr>
+</p:sld>
+</file>
+
+<file path=ppt/slides/slide7.xml><?xml version="1.0" encoding="utf-8"?>
 <p:sld xmlns:a="http://schemas.openxmlformats.org/drawingml/2006/main" xmlns:r="http://schemas.openxmlformats.org/officeDocument/2006/relationships" xmlns:p="http://schemas.openxmlformats.org/presentationml/2006/main">
   <p:cSld>
     <p:spTree>
@@ -7014,470 +8667,6 @@
   <p:clrMapOvr>
     <a:masterClrMapping/>
   </p:clrMapOvr>
-</p:sld>
-</file>
-
-<file path=ppt/slides/slide5.xml><?xml version="1.0" encoding="utf-8"?>
-<p:sld xmlns:a="http://schemas.openxmlformats.org/drawingml/2006/main" xmlns:r="http://schemas.openxmlformats.org/officeDocument/2006/relationships" xmlns:p="http://schemas.openxmlformats.org/presentationml/2006/main">
-  <p:cSld>
-    <p:spTree>
-      <p:nvGrpSpPr>
-        <p:cNvPr id="1" name=""/>
-        <p:cNvGrpSpPr/>
-        <p:nvPr/>
-      </p:nvGrpSpPr>
-      <p:grpSpPr>
-        <a:xfrm>
-          <a:off x="0" y="0"/>
-          <a:ext cx="0" cy="0"/>
-          <a:chOff x="0" y="0"/>
-          <a:chExt cx="0" cy="0"/>
-        </a:xfrm>
-      </p:grpSpPr>
-      <p:sp>
-        <p:nvSpPr>
-          <p:cNvPr id="2" name="Title 1"/>
-          <p:cNvSpPr>
-            <a:spLocks noGrp="1"/>
-          </p:cNvSpPr>
-          <p:nvPr>
-            <p:ph type="title"/>
-          </p:nvPr>
-        </p:nvSpPr>
-        <p:spPr/>
-        <p:txBody>
-          <a:bodyPr/>
-          <a:lstStyle/>
-          <a:p>
-            <a:r>
-              <a:rPr lang="zh-TW" altLang="en-US" dirty="0" smtClean="0"/>
-              <a:t>設計架構</a:t>
-            </a:r>
-            <a:endParaRPr lang="zh-TW" altLang="en-US" dirty="0"/>
-          </a:p>
-        </p:txBody>
-      </p:sp>
-      <p:pic>
-        <p:nvPicPr>
-          <p:cNvPr id="4" name="Content Placeholder 3"/>
-          <p:cNvPicPr>
-            <a:picLocks noGrp="1" noChangeAspect="1"/>
-          </p:cNvPicPr>
-          <p:nvPr>
-            <p:ph idx="1"/>
-          </p:nvPr>
-        </p:nvPicPr>
-        <p:blipFill>
-          <a:blip r:embed="rId2">
-            <a:extLst>
-              <a:ext uri="{BEBA8EAE-BF5A-486C-A8C5-ECC9F3942E4B}">
-                <a14:imgProps xmlns:a14="http://schemas.microsoft.com/office/drawing/2010/main">
-                  <a14:imgLayer r:embed="rId3">
-                    <a14:imgEffect>
-                      <a14:backgroundRemoval t="8307" b="93930" l="5680" r="95132"/>
-                    </a14:imgEffect>
-                  </a14:imgLayer>
-                </a14:imgProps>
-              </a:ext>
-              <a:ext uri="{28A0092B-C50C-407E-A947-70E740481C1C}">
-                <a14:useLocalDpi xmlns:a14="http://schemas.microsoft.com/office/drawing/2010/main" val="0"/>
-              </a:ext>
-            </a:extLst>
-          </a:blip>
-          <a:stretch>
-            <a:fillRect/>
-          </a:stretch>
-        </p:blipFill>
-        <p:spPr>
-          <a:xfrm>
-            <a:off x="1806329" y="2456078"/>
-            <a:ext cx="4159741" cy="2362201"/>
-          </a:xfrm>
-        </p:spPr>
-      </p:pic>
-      <p:pic>
-        <p:nvPicPr>
-          <p:cNvPr id="5" name="Picture 4"/>
-          <p:cNvPicPr>
-            <a:picLocks noChangeAspect="1"/>
-          </p:cNvPicPr>
-          <p:nvPr/>
-        </p:nvPicPr>
-        <p:blipFill>
-          <a:blip r:embed="rId4" cstate="print">
-            <a:extLst>
-              <a:ext uri="{BEBA8EAE-BF5A-486C-A8C5-ECC9F3942E4B}">
-                <a14:imgProps xmlns:a14="http://schemas.microsoft.com/office/drawing/2010/main">
-                  <a14:imgLayer r:embed="rId5">
-                    <a14:imgEffect>
-                      <a14:backgroundRemoval t="15060" b="89458" l="1842" r="99448">
-                        <a14:foregroundMark x1="11050" y1="71084" x2="11050" y2="71084"/>
-                        <a14:foregroundMark x1="80295" y1="45181" x2="80295" y2="45181"/>
-                      </a14:backgroundRemoval>
-                    </a14:imgEffect>
-                  </a14:imgLayer>
-                </a14:imgProps>
-              </a:ext>
-              <a:ext uri="{28A0092B-C50C-407E-A947-70E740481C1C}">
-                <a14:useLocalDpi xmlns:a14="http://schemas.microsoft.com/office/drawing/2010/main" val="0"/>
-              </a:ext>
-            </a:extLst>
-          </a:blip>
-          <a:stretch>
-            <a:fillRect/>
-          </a:stretch>
-        </p:blipFill>
-        <p:spPr>
-          <a:xfrm>
-            <a:off x="685800" y="5593734"/>
-            <a:ext cx="1981200" cy="1211341"/>
-          </a:xfrm>
-          <a:prstGeom prst="rect">
-            <a:avLst/>
-          </a:prstGeom>
-        </p:spPr>
-      </p:pic>
-      <p:pic>
-        <p:nvPicPr>
-          <p:cNvPr id="6" name="Picture 5"/>
-          <p:cNvPicPr>
-            <a:picLocks noChangeAspect="1"/>
-          </p:cNvPicPr>
-          <p:nvPr/>
-        </p:nvPicPr>
-        <p:blipFill>
-          <a:blip r:embed="rId6">
-            <a:extLst>
-              <a:ext uri="{BEBA8EAE-BF5A-486C-A8C5-ECC9F3942E4B}">
-                <a14:imgProps xmlns:a14="http://schemas.microsoft.com/office/drawing/2010/main">
-                  <a14:imgLayer r:embed="rId7">
-                    <a14:imgEffect>
-                      <a14:backgroundRemoval t="0" b="97761" l="1653" r="99174"/>
-                    </a14:imgEffect>
-                  </a14:imgLayer>
-                </a14:imgProps>
-              </a:ext>
-              <a:ext uri="{28A0092B-C50C-407E-A947-70E740481C1C}">
-                <a14:useLocalDpi xmlns:a14="http://schemas.microsoft.com/office/drawing/2010/main" val="0"/>
-              </a:ext>
-            </a:extLst>
-          </a:blip>
-          <a:stretch>
-            <a:fillRect/>
-          </a:stretch>
-        </p:blipFill>
-        <p:spPr>
-          <a:xfrm>
-            <a:off x="3687792" y="299811"/>
-            <a:ext cx="2713462" cy="2003327"/>
-          </a:xfrm>
-          <a:prstGeom prst="rect">
-            <a:avLst/>
-          </a:prstGeom>
-        </p:spPr>
-      </p:pic>
-      <p:pic>
-        <p:nvPicPr>
-          <p:cNvPr id="7" name="Picture 6"/>
-          <p:cNvPicPr>
-            <a:picLocks noChangeAspect="1"/>
-          </p:cNvPicPr>
-          <p:nvPr/>
-        </p:nvPicPr>
-        <p:blipFill>
-          <a:blip r:embed="rId8">
-            <a:extLst>
-              <a:ext uri="{BEBA8EAE-BF5A-486C-A8C5-ECC9F3942E4B}">
-                <a14:imgProps xmlns:a14="http://schemas.microsoft.com/office/drawing/2010/main">
-                  <a14:imgLayer r:embed="rId9">
-                    <a14:imgEffect>
-                      <a14:backgroundRemoval t="0" b="99471" l="6809" r="94894">
-                        <a14:foregroundMark x1="45532" y1="22222" x2="45532" y2="22222"/>
-                        <a14:foregroundMark x1="58511" y1="26720" x2="58511" y2="26720"/>
-                        <a14:foregroundMark x1="46596" y1="5556" x2="46596" y2="5556"/>
-                        <a14:foregroundMark x1="40638" y1="11376" x2="40638" y2="11376"/>
-                        <a14:foregroundMark x1="46170" y1="10847" x2="46170" y2="10847"/>
-                        <a14:foregroundMark x1="55106" y1="13492" x2="55106" y2="13492"/>
-                        <a14:foregroundMark x1="57447" y1="13492" x2="57447" y2="13492"/>
-                        <a14:foregroundMark x1="51915" y1="18254" x2="51915" y2="18254"/>
-                        <a14:foregroundMark x1="42979" y1="19312" x2="42979" y2="19312"/>
-                        <a14:foregroundMark x1="49362" y1="24868" x2="49362" y2="24868"/>
-                        <a14:backgroundMark x1="25106" y1="74339" x2="25106" y2="74339"/>
-                        <a14:backgroundMark x1="45957" y1="62963" x2="45957" y2="62963"/>
-                        <a14:backgroundMark x1="58936" y1="57407" x2="58936" y2="57407"/>
-                        <a14:backgroundMark x1="64894" y1="72751" x2="64894" y2="72751"/>
-                        <a14:backgroundMark x1="59787" y1="69312" x2="59787" y2="69312"/>
-                        <a14:backgroundMark x1="64681" y1="63492" x2="64681" y2="63492"/>
-                        <a14:backgroundMark x1="68085" y1="71429" x2="68085" y2="71429"/>
-                        <a14:backgroundMark x1="55106" y1="49471" x2="55106" y2="49471"/>
-                        <a14:backgroundMark x1="52979" y1="44709" x2="52979" y2="44709"/>
-                        <a14:backgroundMark x1="39574" y1="54497" x2="39574" y2="54497"/>
-                        <a14:backgroundMark x1="43404" y1="59524" x2="43404" y2="59524"/>
-                        <a14:backgroundMark x1="47872" y1="72751" x2="47872" y2="72751"/>
-                        <a14:backgroundMark x1="49787" y1="81746" x2="49787" y2="81746"/>
-                        <a14:backgroundMark x1="20000" y1="65344" x2="20000" y2="65344"/>
-                        <a14:backgroundMark x1="22766" y1="60847" x2="22766" y2="60847"/>
-                        <a14:backgroundMark x1="26383" y1="70899" x2="26383" y2="70899"/>
-                        <a14:backgroundMark x1="35106" y1="76720" x2="35106" y2="76720"/>
-                        <a14:backgroundMark x1="31489" y1="79630" x2="31489" y2="79630"/>
-                        <a14:backgroundMark x1="30000" y1="80159" x2="30000" y2="80159"/>
-                        <a14:backgroundMark x1="27660" y1="93122" x2="27660" y2="93122"/>
-                        <a14:backgroundMark x1="19574" y1="80688" x2="19574" y2="80688"/>
-                        <a14:backgroundMark x1="23617" y1="79630" x2="23617" y2="79630"/>
-                        <a14:backgroundMark x1="31915" y1="87566" x2="31915" y2="87566"/>
-                        <a14:backgroundMark x1="32340" y1="94444" x2="32340" y2="94444"/>
-                        <a14:backgroundMark x1="31489" y1="76190" x2="31489" y2="76190"/>
-                        <a14:backgroundMark x1="24468" y1="63757" x2="24468" y2="63757"/>
-                        <a14:backgroundMark x1="40000" y1="51058" x2="40000" y2="51058"/>
-                        <a14:backgroundMark x1="47447" y1="68783" x2="47447" y2="68783"/>
-                        <a14:backgroundMark x1="49362" y1="76720" x2="49362" y2="76720"/>
-                        <a14:backgroundMark x1="51489" y1="81217" x2="51489" y2="81217"/>
-                        <a14:backgroundMark x1="57021" y1="53439" x2="57021" y2="53439"/>
-                        <a14:backgroundMark x1="57021" y1="56349" x2="57021" y2="56349"/>
-                        <a14:backgroundMark x1="21277" y1="58995" x2="21277" y2="58995"/>
-                        <a14:backgroundMark x1="19574" y1="56085" x2="19574" y2="56085"/>
-                        <a14:backgroundMark x1="39149" y1="48148" x2="39149" y2="48148"/>
-                        <a14:backgroundMark x1="29574" y1="85714" x2="29574" y2="85714"/>
-                        <a14:backgroundMark x1="26383" y1="84127" x2="26383" y2="84127"/>
-                        <a14:backgroundMark x1="37872" y1="70370" x2="37872" y2="70370"/>
-                        <a14:backgroundMark x1="30000" y1="70370" x2="30000" y2="70370"/>
-                        <a14:backgroundMark x1="27234" y1="72222" x2="27234" y2="72222"/>
-                      </a14:backgroundRemoval>
-                    </a14:imgEffect>
-                  </a14:imgLayer>
-                </a14:imgProps>
-              </a:ext>
-              <a:ext uri="{28A0092B-C50C-407E-A947-70E740481C1C}">
-                <a14:useLocalDpi xmlns:a14="http://schemas.microsoft.com/office/drawing/2010/main" val="0"/>
-              </a:ext>
-            </a:extLst>
-          </a:blip>
-          <a:stretch>
-            <a:fillRect/>
-          </a:stretch>
-        </p:blipFill>
-        <p:spPr>
-          <a:xfrm>
-            <a:off x="5738884" y="2520389"/>
-            <a:ext cx="3429000" cy="2757792"/>
-          </a:xfrm>
-          <a:prstGeom prst="rect">
-            <a:avLst/>
-          </a:prstGeom>
-        </p:spPr>
-      </p:pic>
-      <p:cxnSp>
-        <p:nvCxnSpPr>
-          <p:cNvPr id="9" name="Straight Arrow Connector 8"/>
-          <p:cNvCxnSpPr/>
-          <p:nvPr/>
-        </p:nvCxnSpPr>
-        <p:spPr>
-          <a:xfrm>
-            <a:off x="5738884" y="3733800"/>
-            <a:ext cx="1119116" cy="0"/>
-          </a:xfrm>
-          <a:prstGeom prst="straightConnector1">
-            <a:avLst/>
-          </a:prstGeom>
-          <a:ln w="28575">
-            <a:solidFill>
-              <a:schemeClr val="tx1"/>
-            </a:solidFill>
-            <a:tailEnd type="arrow"/>
-          </a:ln>
-        </p:spPr>
-        <p:style>
-          <a:lnRef idx="1">
-            <a:schemeClr val="dk1"/>
-          </a:lnRef>
-          <a:fillRef idx="0">
-            <a:schemeClr val="dk1"/>
-          </a:fillRef>
-          <a:effectRef idx="0">
-            <a:schemeClr val="dk1"/>
-          </a:effectRef>
-          <a:fontRef idx="minor">
-            <a:schemeClr val="tx1"/>
-          </a:fontRef>
-        </p:style>
-      </p:cxnSp>
-      <p:sp>
-        <p:nvSpPr>
-          <p:cNvPr id="11" name="TextBox 10"/>
-          <p:cNvSpPr txBox="1"/>
-          <p:nvPr/>
-        </p:nvSpPr>
-        <p:spPr>
-          <a:xfrm>
-            <a:off x="5943600" y="3899285"/>
-            <a:ext cx="1135247" cy="369332"/>
-          </a:xfrm>
-          <a:prstGeom prst="rect">
-            <a:avLst/>
-          </a:prstGeom>
-          <a:noFill/>
-        </p:spPr>
-        <p:txBody>
-          <a:bodyPr wrap="none" rtlCol="0">
-            <a:spAutoFit/>
-          </a:bodyPr>
-          <a:lstStyle/>
-          <a:p>
-            <a:r>
-              <a:rPr lang="en-US" altLang="zh-TW" dirty="0" smtClean="0"/>
-              <a:t>PWM</a:t>
-            </a:r>
-            <a:r>
-              <a:rPr lang="zh-TW" altLang="en-US" dirty="0" smtClean="0"/>
-              <a:t>訊號</a:t>
-            </a:r>
-            <a:endParaRPr lang="zh-TW" altLang="en-US" dirty="0"/>
-          </a:p>
-        </p:txBody>
-      </p:sp>
-      <p:cxnSp>
-        <p:nvCxnSpPr>
-          <p:cNvPr id="13" name="Straight Arrow Connector 12"/>
-          <p:cNvCxnSpPr/>
-          <p:nvPr/>
-        </p:nvCxnSpPr>
-        <p:spPr>
-          <a:xfrm>
-            <a:off x="4038600" y="1905619"/>
-            <a:ext cx="0" cy="761381"/>
-          </a:xfrm>
-          <a:prstGeom prst="straightConnector1">
-            <a:avLst/>
-          </a:prstGeom>
-          <a:ln w="28575">
-            <a:solidFill>
-              <a:schemeClr val="tx1"/>
-            </a:solidFill>
-            <a:headEnd type="arrow"/>
-            <a:tailEnd type="arrow"/>
-          </a:ln>
-        </p:spPr>
-        <p:style>
-          <a:lnRef idx="1">
-            <a:schemeClr val="dk1"/>
-          </a:lnRef>
-          <a:fillRef idx="0">
-            <a:schemeClr val="dk1"/>
-          </a:fillRef>
-          <a:effectRef idx="0">
-            <a:schemeClr val="dk1"/>
-          </a:effectRef>
-          <a:fontRef idx="minor">
-            <a:schemeClr val="tx1"/>
-          </a:fontRef>
-        </p:style>
-      </p:cxnSp>
-      <p:sp>
-        <p:nvSpPr>
-          <p:cNvPr id="14" name="TextBox 13"/>
-          <p:cNvSpPr txBox="1"/>
-          <p:nvPr/>
-        </p:nvSpPr>
-        <p:spPr>
-          <a:xfrm>
-            <a:off x="3398566" y="2118472"/>
-            <a:ext cx="640034" cy="369332"/>
-          </a:xfrm>
-          <a:prstGeom prst="rect">
-            <a:avLst/>
-          </a:prstGeom>
-          <a:noFill/>
-        </p:spPr>
-        <p:txBody>
-          <a:bodyPr wrap="square" rtlCol="0">
-            <a:spAutoFit/>
-          </a:bodyPr>
-          <a:lstStyle/>
-          <a:p>
-            <a:r>
-              <a:rPr lang="en-US" altLang="zh-TW" dirty="0" smtClean="0"/>
-              <a:t>SPI</a:t>
-            </a:r>
-          </a:p>
-        </p:txBody>
-      </p:sp>
-      <p:sp>
-        <p:nvSpPr>
-          <p:cNvPr id="17" name="TextBox 16"/>
-          <p:cNvSpPr txBox="1"/>
-          <p:nvPr/>
-        </p:nvSpPr>
-        <p:spPr>
-          <a:xfrm>
-            <a:off x="2669548" y="5225534"/>
-            <a:ext cx="640034" cy="369332"/>
-          </a:xfrm>
-          <a:prstGeom prst="rect">
-            <a:avLst/>
-          </a:prstGeom>
-          <a:noFill/>
-        </p:spPr>
-        <p:txBody>
-          <a:bodyPr wrap="square" rtlCol="0">
-            <a:spAutoFit/>
-          </a:bodyPr>
-          <a:lstStyle/>
-          <a:p>
-            <a:r>
-              <a:rPr lang="en-US" altLang="zh-TW" dirty="0" smtClean="0"/>
-              <a:t>SPI</a:t>
-            </a:r>
-          </a:p>
-        </p:txBody>
-      </p:sp>
-      <p:cxnSp>
-        <p:nvCxnSpPr>
-          <p:cNvPr id="15" name="Straight Arrow Connector 12"/>
-          <p:cNvCxnSpPr/>
-          <p:nvPr/>
-        </p:nvCxnSpPr>
-        <p:spPr>
-          <a:xfrm flipH="1">
-            <a:off x="2209800" y="4818279"/>
-            <a:ext cx="457200" cy="896721"/>
-          </a:xfrm>
-          <a:prstGeom prst="straightConnector1">
-            <a:avLst/>
-          </a:prstGeom>
-          <a:ln w="28575">
-            <a:solidFill>
-              <a:schemeClr val="tx1"/>
-            </a:solidFill>
-            <a:headEnd type="arrow"/>
-            <a:tailEnd type="arrow"/>
-          </a:ln>
-        </p:spPr>
-        <p:style>
-          <a:lnRef idx="1">
-            <a:schemeClr val="dk1"/>
-          </a:lnRef>
-          <a:fillRef idx="0">
-            <a:schemeClr val="dk1"/>
-          </a:fillRef>
-          <a:effectRef idx="0">
-            <a:schemeClr val="dk1"/>
-          </a:effectRef>
-          <a:fontRef idx="minor">
-            <a:schemeClr val="tx1"/>
-          </a:fontRef>
-        </p:style>
-      </p:cxnSp>
-    </p:spTree>
-    <p:extLst>
-      <p:ext uri="{BB962C8B-B14F-4D97-AF65-F5344CB8AC3E}">
-        <p14:creationId xmlns:p14="http://schemas.microsoft.com/office/powerpoint/2010/main" val="3932230297"/>
-      </p:ext>
-    </p:extLst>
-  </p:cSld>
-  <p:clrMapOvr>
-    <a:masterClrMapping/>
-  </p:clrMapOvr>
   <p:timing>
     <p:tnLst>
       <p:par>
@@ -7488,7 +8677,7 @@
 </p:sld>
 </file>
 
-<file path=ppt/slides/slide6.xml><?xml version="1.0" encoding="utf-8"?>
+<file path=ppt/slides/slide8.xml><?xml version="1.0" encoding="utf-8"?>
 <p:sld xmlns:a="http://schemas.openxmlformats.org/drawingml/2006/main" xmlns:r="http://schemas.openxmlformats.org/officeDocument/2006/relationships" xmlns:p="http://schemas.openxmlformats.org/presentationml/2006/main">
   <p:cSld>
     <p:spTree>
@@ -8763,7 +9952,7 @@
 </p:sld>
 </file>
 
-<file path=ppt/slides/slide7.xml><?xml version="1.0" encoding="utf-8"?>
+<file path=ppt/slides/slide9.xml><?xml version="1.0" encoding="utf-8"?>
 <p:sld xmlns:a="http://schemas.openxmlformats.org/drawingml/2006/main" xmlns:r="http://schemas.openxmlformats.org/officeDocument/2006/relationships" xmlns:p="http://schemas.openxmlformats.org/presentationml/2006/main">
   <p:cSld>
     <p:spTree>
@@ -10566,7 +11755,7 @@
   <a:extraClrSchemeLst/>
   <a:extLst>
     <a:ext uri="{05A4C25C-085E-4340-85A3-A5531E510DB2}">
-      <thm15:themeFamily xmlns:thm15="http://schemas.microsoft.com/office/thememl/2012/main" name="Facet" id="{C0C680CD-088A-49FC-A102-D699147F32B2}" vid="{CFBC31BA-B70F-4F30-BCAA-4F3011E16C4D}"/>
+      <thm15:themeFamily xmlns:thm15="http://schemas.microsoft.com/office/thememl/2012/main" xmlns="" name="Facet" id="{C0C680CD-088A-49FC-A102-D699147F32B2}" vid="{CFBC31BA-B70F-4F30-BCAA-4F3011E16C4D}"/>
     </a:ext>
   </a:extLst>
 </a:theme>
